--- a/rough-diag.pptx
+++ b/rough-diag.pptx
@@ -21,6 +21,13 @@
     <p:sldId id="269" r:id="rId15"/>
     <p:sldId id="270" r:id="rId16"/>
     <p:sldId id="271" r:id="rId17"/>
+    <p:sldId id="272" r:id="rId18"/>
+    <p:sldId id="273" r:id="rId19"/>
+    <p:sldId id="274" r:id="rId20"/>
+    <p:sldId id="275" r:id="rId21"/>
+    <p:sldId id="276" r:id="rId22"/>
+    <p:sldId id="277" r:id="rId23"/>
+    <p:sldId id="278" r:id="rId24"/>
   </p:sldIdLst>
   <p:sldSz cx="12192000" cy="6858000"/>
   <p:notesSz cx="6858000" cy="9144000"/>
@@ -8801,7 +8808,7 @@
         <p:spPr>
           <a:xfrm>
             <a:off x="251669" y="503339"/>
-            <a:ext cx="4697835" cy="923330"/>
+            <a:ext cx="4697835" cy="1754326"/>
           </a:xfrm>
           <a:prstGeom prst="rect">
             <a:avLst/>
@@ -8829,6 +8836,28 @@
             <a:r>
               <a:rPr lang="en-US" dirty="0"/>
               <a:t>Load balancing</a:t>
+            </a:r>
+          </a:p>
+          <a:p>
+            <a:pPr marL="342900" indent="-342900">
+              <a:buAutoNum type="arabicPeriod"/>
+            </a:pPr>
+            <a:r>
+              <a:rPr lang="en-US" dirty="0" err="1"/>
+              <a:t>Dns</a:t>
+            </a:r>
+            <a:r>
+              <a:rPr lang="en-US" dirty="0"/>
+              <a:t> – svc name itself is a resolvable name</a:t>
+            </a:r>
+          </a:p>
+          <a:p>
+            <a:pPr marL="342900" indent="-342900">
+              <a:buAutoNum type="arabicPeriod"/>
+            </a:pPr>
+            <a:r>
+              <a:rPr lang="en-US" dirty="0"/>
+              <a:t>Service discovery helps in not being node aware</a:t>
             </a:r>
           </a:p>
         </p:txBody>
@@ -9920,6 +9949,5255 @@
 </p:sld>
 </file>
 
+<file path=ppt/slides/slide17.xml><?xml version="1.0" encoding="utf-8"?>
+<p:sld xmlns:a="http://schemas.openxmlformats.org/drawingml/2006/main" xmlns:r="http://schemas.openxmlformats.org/officeDocument/2006/relationships" xmlns:p="http://schemas.openxmlformats.org/presentationml/2006/main">
+  <p:cSld>
+    <p:spTree>
+      <p:nvGrpSpPr>
+        <p:cNvPr id="1" name=""/>
+        <p:cNvGrpSpPr/>
+        <p:nvPr/>
+      </p:nvGrpSpPr>
+      <p:grpSpPr>
+        <a:xfrm>
+          <a:off x="0" y="0"/>
+          <a:ext cx="0" cy="0"/>
+          <a:chOff x="0" y="0"/>
+          <a:chExt cx="0" cy="0"/>
+        </a:xfrm>
+      </p:grpSpPr>
+      <p:sp>
+        <p:nvSpPr>
+          <p:cNvPr id="2" name="Rectangle 1">
+            <a:extLst>
+              <a:ext uri="{FF2B5EF4-FFF2-40B4-BE49-F238E27FC236}">
+                <a16:creationId xmlns:a16="http://schemas.microsoft.com/office/drawing/2014/main" id="{FF6596AE-0019-4E1E-871B-934F767C0FBE}"/>
+              </a:ext>
+            </a:extLst>
+          </p:cNvPr>
+          <p:cNvSpPr/>
+          <p:nvPr/>
+        </p:nvSpPr>
+        <p:spPr>
+          <a:xfrm>
+            <a:off x="5687736" y="864066"/>
+            <a:ext cx="5494789" cy="5125673"/>
+          </a:xfrm>
+          <a:prstGeom prst="rect">
+            <a:avLst/>
+          </a:prstGeom>
+          <a:noFill/>
+        </p:spPr>
+        <p:style>
+          <a:lnRef idx="2">
+            <a:schemeClr val="accent1">
+              <a:shade val="50000"/>
+            </a:schemeClr>
+          </a:lnRef>
+          <a:fillRef idx="1">
+            <a:schemeClr val="accent1"/>
+          </a:fillRef>
+          <a:effectRef idx="0">
+            <a:schemeClr val="accent1"/>
+          </a:effectRef>
+          <a:fontRef idx="minor">
+            <a:schemeClr val="lt1"/>
+          </a:fontRef>
+        </p:style>
+        <p:txBody>
+          <a:bodyPr rtlCol="0" anchor="ctr"/>
+          <a:lstStyle/>
+          <a:p>
+            <a:pPr algn="ctr"/>
+            <a:endParaRPr lang="en-US"/>
+          </a:p>
+        </p:txBody>
+      </p:sp>
+      <p:sp>
+        <p:nvSpPr>
+          <p:cNvPr id="3" name="TextBox 2">
+            <a:extLst>
+              <a:ext uri="{FF2B5EF4-FFF2-40B4-BE49-F238E27FC236}">
+                <a16:creationId xmlns:a16="http://schemas.microsoft.com/office/drawing/2014/main" id="{ADCB6B10-847C-4AEA-BAC2-656718175FE6}"/>
+              </a:ext>
+            </a:extLst>
+          </p:cNvPr>
+          <p:cNvSpPr txBox="1"/>
+          <p:nvPr/>
+        </p:nvSpPr>
+        <p:spPr>
+          <a:xfrm>
+            <a:off x="5821960" y="696286"/>
+            <a:ext cx="2801923" cy="369332"/>
+          </a:xfrm>
+          <a:prstGeom prst="rect">
+            <a:avLst/>
+          </a:prstGeom>
+          <a:noFill/>
+        </p:spPr>
+        <p:txBody>
+          <a:bodyPr wrap="square" rtlCol="0">
+            <a:spAutoFit/>
+          </a:bodyPr>
+          <a:lstStyle/>
+          <a:p>
+            <a:r>
+              <a:rPr lang="en-US" dirty="0" err="1"/>
+              <a:t>Minikube</a:t>
+            </a:r>
+            <a:r>
+              <a:rPr lang="en-US" dirty="0"/>
+              <a:t>: 192.168.99.100</a:t>
+            </a:r>
+          </a:p>
+        </p:txBody>
+      </p:sp>
+      <p:sp>
+        <p:nvSpPr>
+          <p:cNvPr id="4" name="TextBox 3">
+            <a:extLst>
+              <a:ext uri="{FF2B5EF4-FFF2-40B4-BE49-F238E27FC236}">
+                <a16:creationId xmlns:a16="http://schemas.microsoft.com/office/drawing/2014/main" id="{6DB15E91-C912-484F-B159-3381D85735ED}"/>
+              </a:ext>
+            </a:extLst>
+          </p:cNvPr>
+          <p:cNvSpPr txBox="1"/>
+          <p:nvPr/>
+        </p:nvSpPr>
+        <p:spPr>
+          <a:xfrm>
+            <a:off x="9043332" y="2432807"/>
+            <a:ext cx="763398" cy="646331"/>
+          </a:xfrm>
+          <a:prstGeom prst="rect">
+            <a:avLst/>
+          </a:prstGeom>
+          <a:noFill/>
+        </p:spPr>
+        <p:txBody>
+          <a:bodyPr wrap="square" rtlCol="0">
+            <a:spAutoFit/>
+          </a:bodyPr>
+          <a:lstStyle/>
+          <a:p>
+            <a:r>
+              <a:rPr lang="en-US" dirty="0"/>
+              <a:t>Db-dep</a:t>
+            </a:r>
+          </a:p>
+        </p:txBody>
+      </p:sp>
+      <p:cxnSp>
+        <p:nvCxnSpPr>
+          <p:cNvPr id="6" name="Straight Arrow Connector 5">
+            <a:extLst>
+              <a:ext uri="{FF2B5EF4-FFF2-40B4-BE49-F238E27FC236}">
+                <a16:creationId xmlns:a16="http://schemas.microsoft.com/office/drawing/2014/main" id="{51B85D84-C10F-45A8-9971-57AD879F7904}"/>
+              </a:ext>
+            </a:extLst>
+          </p:cNvPr>
+          <p:cNvCxnSpPr>
+            <a:stCxn id="4" idx="2"/>
+          </p:cNvCxnSpPr>
+          <p:nvPr/>
+        </p:nvCxnSpPr>
+        <p:spPr>
+          <a:xfrm flipH="1">
+            <a:off x="9420837" y="3079138"/>
+            <a:ext cx="4194" cy="268069"/>
+          </a:xfrm>
+          <a:prstGeom prst="straightConnector1">
+            <a:avLst/>
+          </a:prstGeom>
+          <a:ln>
+            <a:tailEnd type="triangle"/>
+          </a:ln>
+        </p:spPr>
+        <p:style>
+          <a:lnRef idx="1">
+            <a:schemeClr val="accent1"/>
+          </a:lnRef>
+          <a:fillRef idx="0">
+            <a:schemeClr val="accent1"/>
+          </a:fillRef>
+          <a:effectRef idx="0">
+            <a:schemeClr val="accent1"/>
+          </a:effectRef>
+          <a:fontRef idx="minor">
+            <a:schemeClr val="tx1"/>
+          </a:fontRef>
+        </p:style>
+      </p:cxnSp>
+      <p:sp>
+        <p:nvSpPr>
+          <p:cNvPr id="7" name="TextBox 6">
+            <a:extLst>
+              <a:ext uri="{FF2B5EF4-FFF2-40B4-BE49-F238E27FC236}">
+                <a16:creationId xmlns:a16="http://schemas.microsoft.com/office/drawing/2014/main" id="{238E8CF6-C70E-414A-A191-E27A164A87DF}"/>
+              </a:ext>
+            </a:extLst>
+          </p:cNvPr>
+          <p:cNvSpPr txBox="1"/>
+          <p:nvPr/>
+        </p:nvSpPr>
+        <p:spPr>
+          <a:xfrm>
+            <a:off x="9202723" y="3429000"/>
+            <a:ext cx="350609" cy="369332"/>
+          </a:xfrm>
+          <a:prstGeom prst="rect">
+            <a:avLst/>
+          </a:prstGeom>
+          <a:noFill/>
+        </p:spPr>
+        <p:txBody>
+          <a:bodyPr wrap="none" rtlCol="0">
+            <a:spAutoFit/>
+          </a:bodyPr>
+          <a:lstStyle/>
+          <a:p>
+            <a:r>
+              <a:rPr lang="en-US" dirty="0" err="1"/>
+              <a:t>rs</a:t>
+            </a:r>
+            <a:endParaRPr lang="en-US" dirty="0"/>
+          </a:p>
+        </p:txBody>
+      </p:sp>
+      <p:cxnSp>
+        <p:nvCxnSpPr>
+          <p:cNvPr id="9" name="Straight Arrow Connector 8">
+            <a:extLst>
+              <a:ext uri="{FF2B5EF4-FFF2-40B4-BE49-F238E27FC236}">
+                <a16:creationId xmlns:a16="http://schemas.microsoft.com/office/drawing/2014/main" id="{4C06AEAA-8F3C-480B-B5EB-42DC0B4DE890}"/>
+              </a:ext>
+            </a:extLst>
+          </p:cNvPr>
+          <p:cNvCxnSpPr>
+            <a:stCxn id="7" idx="2"/>
+          </p:cNvCxnSpPr>
+          <p:nvPr/>
+        </p:nvCxnSpPr>
+        <p:spPr>
+          <a:xfrm flipH="1">
+            <a:off x="9362114" y="3798332"/>
+            <a:ext cx="15914" cy="276999"/>
+          </a:xfrm>
+          <a:prstGeom prst="straightConnector1">
+            <a:avLst/>
+          </a:prstGeom>
+          <a:ln>
+            <a:tailEnd type="triangle"/>
+          </a:ln>
+        </p:spPr>
+        <p:style>
+          <a:lnRef idx="1">
+            <a:schemeClr val="accent1"/>
+          </a:lnRef>
+          <a:fillRef idx="0">
+            <a:schemeClr val="accent1"/>
+          </a:fillRef>
+          <a:effectRef idx="0">
+            <a:schemeClr val="accent1"/>
+          </a:effectRef>
+          <a:fontRef idx="minor">
+            <a:schemeClr val="tx1"/>
+          </a:fontRef>
+        </p:style>
+      </p:cxnSp>
+      <p:sp>
+        <p:nvSpPr>
+          <p:cNvPr id="10" name="Rectangle 9">
+            <a:extLst>
+              <a:ext uri="{FF2B5EF4-FFF2-40B4-BE49-F238E27FC236}">
+                <a16:creationId xmlns:a16="http://schemas.microsoft.com/office/drawing/2014/main" id="{0F438422-BF4F-458E-8F9B-FD43B9BB26B6}"/>
+              </a:ext>
+            </a:extLst>
+          </p:cNvPr>
+          <p:cNvSpPr/>
+          <p:nvPr/>
+        </p:nvSpPr>
+        <p:spPr>
+          <a:xfrm>
+            <a:off x="8844894" y="4075331"/>
+            <a:ext cx="1416875" cy="1612567"/>
+          </a:xfrm>
+          <a:prstGeom prst="rect">
+            <a:avLst/>
+          </a:prstGeom>
+          <a:noFill/>
+        </p:spPr>
+        <p:style>
+          <a:lnRef idx="2">
+            <a:schemeClr val="accent1">
+              <a:shade val="50000"/>
+            </a:schemeClr>
+          </a:lnRef>
+          <a:fillRef idx="1">
+            <a:schemeClr val="accent1"/>
+          </a:fillRef>
+          <a:effectRef idx="0">
+            <a:schemeClr val="accent1"/>
+          </a:effectRef>
+          <a:fontRef idx="minor">
+            <a:schemeClr val="lt1"/>
+          </a:fontRef>
+        </p:style>
+        <p:txBody>
+          <a:bodyPr rtlCol="0" anchor="ctr"/>
+          <a:lstStyle/>
+          <a:p>
+            <a:pPr algn="ctr"/>
+            <a:endParaRPr lang="en-US"/>
+          </a:p>
+        </p:txBody>
+      </p:sp>
+      <p:sp>
+        <p:nvSpPr>
+          <p:cNvPr id="11" name="TextBox 10">
+            <a:extLst>
+              <a:ext uri="{FF2B5EF4-FFF2-40B4-BE49-F238E27FC236}">
+                <a16:creationId xmlns:a16="http://schemas.microsoft.com/office/drawing/2014/main" id="{14982690-8012-47DD-964C-1695A0DDEE60}"/>
+              </a:ext>
+            </a:extLst>
+          </p:cNvPr>
+          <p:cNvSpPr txBox="1"/>
+          <p:nvPr/>
+        </p:nvSpPr>
+        <p:spPr>
+          <a:xfrm>
+            <a:off x="8934275" y="4243111"/>
+            <a:ext cx="1879232" cy="369332"/>
+          </a:xfrm>
+          <a:prstGeom prst="rect">
+            <a:avLst/>
+          </a:prstGeom>
+          <a:noFill/>
+        </p:spPr>
+        <p:txBody>
+          <a:bodyPr wrap="none" rtlCol="0">
+            <a:spAutoFit/>
+          </a:bodyPr>
+          <a:lstStyle/>
+          <a:p>
+            <a:r>
+              <a:rPr lang="en-US" dirty="0"/>
+              <a:t>Pod IP: 172.17.0.6</a:t>
+            </a:r>
+          </a:p>
+        </p:txBody>
+      </p:sp>
+      <p:sp>
+        <p:nvSpPr>
+          <p:cNvPr id="12" name="Oval 11">
+            <a:extLst>
+              <a:ext uri="{FF2B5EF4-FFF2-40B4-BE49-F238E27FC236}">
+                <a16:creationId xmlns:a16="http://schemas.microsoft.com/office/drawing/2014/main" id="{1B750DBD-155A-4FAB-B8B5-8DDD4275145F}"/>
+              </a:ext>
+            </a:extLst>
+          </p:cNvPr>
+          <p:cNvSpPr/>
+          <p:nvPr/>
+        </p:nvSpPr>
+        <p:spPr>
+          <a:xfrm>
+            <a:off x="8844894" y="4991450"/>
+            <a:ext cx="1330952" cy="604007"/>
+          </a:xfrm>
+          <a:prstGeom prst="ellipse">
+            <a:avLst/>
+          </a:prstGeom>
+        </p:spPr>
+        <p:style>
+          <a:lnRef idx="2">
+            <a:schemeClr val="accent1">
+              <a:shade val="50000"/>
+            </a:schemeClr>
+          </a:lnRef>
+          <a:fillRef idx="1">
+            <a:schemeClr val="accent1"/>
+          </a:fillRef>
+          <a:effectRef idx="0">
+            <a:schemeClr val="accent1"/>
+          </a:effectRef>
+          <a:fontRef idx="minor">
+            <a:schemeClr val="lt1"/>
+          </a:fontRef>
+        </p:style>
+        <p:txBody>
+          <a:bodyPr rtlCol="0" anchor="ctr"/>
+          <a:lstStyle/>
+          <a:p>
+            <a:pPr algn="ctr"/>
+            <a:r>
+              <a:rPr lang="en-US" dirty="0"/>
+              <a:t>Mysql:3306</a:t>
+            </a:r>
+          </a:p>
+        </p:txBody>
+      </p:sp>
+      <p:sp>
+        <p:nvSpPr>
+          <p:cNvPr id="13" name="TextBox 12">
+            <a:extLst>
+              <a:ext uri="{FF2B5EF4-FFF2-40B4-BE49-F238E27FC236}">
+                <a16:creationId xmlns:a16="http://schemas.microsoft.com/office/drawing/2014/main" id="{E90459CF-68F1-4D63-AAE8-3BD26F4A856D}"/>
+              </a:ext>
+            </a:extLst>
+          </p:cNvPr>
+          <p:cNvSpPr txBox="1"/>
+          <p:nvPr/>
+        </p:nvSpPr>
+        <p:spPr>
+          <a:xfrm>
+            <a:off x="6157731" y="1262543"/>
+            <a:ext cx="763398" cy="646331"/>
+          </a:xfrm>
+          <a:prstGeom prst="rect">
+            <a:avLst/>
+          </a:prstGeom>
+          <a:noFill/>
+        </p:spPr>
+        <p:txBody>
+          <a:bodyPr wrap="square" rtlCol="0">
+            <a:spAutoFit/>
+          </a:bodyPr>
+          <a:lstStyle/>
+          <a:p>
+            <a:r>
+              <a:rPr lang="en-US" dirty="0"/>
+              <a:t>ghost-dep</a:t>
+            </a:r>
+          </a:p>
+        </p:txBody>
+      </p:sp>
+      <p:cxnSp>
+        <p:nvCxnSpPr>
+          <p:cNvPr id="14" name="Straight Arrow Connector 13">
+            <a:extLst>
+              <a:ext uri="{FF2B5EF4-FFF2-40B4-BE49-F238E27FC236}">
+                <a16:creationId xmlns:a16="http://schemas.microsoft.com/office/drawing/2014/main" id="{F3EDE66C-54D7-4E1E-A9D6-1B006313236C}"/>
+              </a:ext>
+            </a:extLst>
+          </p:cNvPr>
+          <p:cNvCxnSpPr>
+            <a:stCxn id="13" idx="2"/>
+          </p:cNvCxnSpPr>
+          <p:nvPr/>
+        </p:nvCxnSpPr>
+        <p:spPr>
+          <a:xfrm flipH="1">
+            <a:off x="6535236" y="1908874"/>
+            <a:ext cx="4194" cy="268069"/>
+          </a:xfrm>
+          <a:prstGeom prst="straightConnector1">
+            <a:avLst/>
+          </a:prstGeom>
+          <a:ln>
+            <a:tailEnd type="triangle"/>
+          </a:ln>
+        </p:spPr>
+        <p:style>
+          <a:lnRef idx="1">
+            <a:schemeClr val="accent1"/>
+          </a:lnRef>
+          <a:fillRef idx="0">
+            <a:schemeClr val="accent1"/>
+          </a:fillRef>
+          <a:effectRef idx="0">
+            <a:schemeClr val="accent1"/>
+          </a:effectRef>
+          <a:fontRef idx="minor">
+            <a:schemeClr val="tx1"/>
+          </a:fontRef>
+        </p:style>
+      </p:cxnSp>
+      <p:sp>
+        <p:nvSpPr>
+          <p:cNvPr id="15" name="TextBox 14">
+            <a:extLst>
+              <a:ext uri="{FF2B5EF4-FFF2-40B4-BE49-F238E27FC236}">
+                <a16:creationId xmlns:a16="http://schemas.microsoft.com/office/drawing/2014/main" id="{1C10DBD6-621E-4694-AE90-9743BE4C6C4B}"/>
+              </a:ext>
+            </a:extLst>
+          </p:cNvPr>
+          <p:cNvSpPr txBox="1"/>
+          <p:nvPr/>
+        </p:nvSpPr>
+        <p:spPr>
+          <a:xfrm>
+            <a:off x="6317122" y="2258736"/>
+            <a:ext cx="350609" cy="369332"/>
+          </a:xfrm>
+          <a:prstGeom prst="rect">
+            <a:avLst/>
+          </a:prstGeom>
+          <a:noFill/>
+        </p:spPr>
+        <p:txBody>
+          <a:bodyPr wrap="none" rtlCol="0">
+            <a:spAutoFit/>
+          </a:bodyPr>
+          <a:lstStyle/>
+          <a:p>
+            <a:r>
+              <a:rPr lang="en-US" dirty="0" err="1"/>
+              <a:t>rs</a:t>
+            </a:r>
+            <a:endParaRPr lang="en-US" dirty="0"/>
+          </a:p>
+        </p:txBody>
+      </p:sp>
+      <p:cxnSp>
+        <p:nvCxnSpPr>
+          <p:cNvPr id="16" name="Straight Arrow Connector 15">
+            <a:extLst>
+              <a:ext uri="{FF2B5EF4-FFF2-40B4-BE49-F238E27FC236}">
+                <a16:creationId xmlns:a16="http://schemas.microsoft.com/office/drawing/2014/main" id="{E2764E80-8ACD-4F5D-BA77-72CA97DDABFF}"/>
+              </a:ext>
+            </a:extLst>
+          </p:cNvPr>
+          <p:cNvCxnSpPr>
+            <a:stCxn id="15" idx="2"/>
+          </p:cNvCxnSpPr>
+          <p:nvPr/>
+        </p:nvCxnSpPr>
+        <p:spPr>
+          <a:xfrm flipH="1">
+            <a:off x="6476513" y="2628068"/>
+            <a:ext cx="15914" cy="276999"/>
+          </a:xfrm>
+          <a:prstGeom prst="straightConnector1">
+            <a:avLst/>
+          </a:prstGeom>
+          <a:ln>
+            <a:tailEnd type="triangle"/>
+          </a:ln>
+        </p:spPr>
+        <p:style>
+          <a:lnRef idx="1">
+            <a:schemeClr val="accent1"/>
+          </a:lnRef>
+          <a:fillRef idx="0">
+            <a:schemeClr val="accent1"/>
+          </a:fillRef>
+          <a:effectRef idx="0">
+            <a:schemeClr val="accent1"/>
+          </a:effectRef>
+          <a:fontRef idx="minor">
+            <a:schemeClr val="tx1"/>
+          </a:fontRef>
+        </p:style>
+      </p:cxnSp>
+      <p:sp>
+        <p:nvSpPr>
+          <p:cNvPr id="17" name="Rectangle 16">
+            <a:extLst>
+              <a:ext uri="{FF2B5EF4-FFF2-40B4-BE49-F238E27FC236}">
+                <a16:creationId xmlns:a16="http://schemas.microsoft.com/office/drawing/2014/main" id="{6BAA97F0-5DB0-4418-ABC9-6E0778C7FF36}"/>
+              </a:ext>
+            </a:extLst>
+          </p:cNvPr>
+          <p:cNvSpPr/>
+          <p:nvPr/>
+        </p:nvSpPr>
+        <p:spPr>
+          <a:xfrm>
+            <a:off x="5959293" y="2905067"/>
+            <a:ext cx="2211900" cy="2690390"/>
+          </a:xfrm>
+          <a:prstGeom prst="rect">
+            <a:avLst/>
+          </a:prstGeom>
+          <a:noFill/>
+        </p:spPr>
+        <p:style>
+          <a:lnRef idx="2">
+            <a:schemeClr val="accent1">
+              <a:shade val="50000"/>
+            </a:schemeClr>
+          </a:lnRef>
+          <a:fillRef idx="1">
+            <a:schemeClr val="accent1"/>
+          </a:fillRef>
+          <a:effectRef idx="0">
+            <a:schemeClr val="accent1"/>
+          </a:effectRef>
+          <a:fontRef idx="minor">
+            <a:schemeClr val="lt1"/>
+          </a:fontRef>
+        </p:style>
+        <p:txBody>
+          <a:bodyPr rtlCol="0" anchor="ctr"/>
+          <a:lstStyle/>
+          <a:p>
+            <a:pPr algn="ctr"/>
+            <a:endParaRPr lang="en-US"/>
+          </a:p>
+        </p:txBody>
+      </p:sp>
+      <p:sp>
+        <p:nvSpPr>
+          <p:cNvPr id="18" name="TextBox 17">
+            <a:extLst>
+              <a:ext uri="{FF2B5EF4-FFF2-40B4-BE49-F238E27FC236}">
+                <a16:creationId xmlns:a16="http://schemas.microsoft.com/office/drawing/2014/main" id="{2E502106-EF5A-4617-91AE-C49CB1BD0213}"/>
+              </a:ext>
+            </a:extLst>
+          </p:cNvPr>
+          <p:cNvSpPr txBox="1"/>
+          <p:nvPr/>
+        </p:nvSpPr>
+        <p:spPr>
+          <a:xfrm>
+            <a:off x="6048674" y="3072847"/>
+            <a:ext cx="1879232" cy="369332"/>
+          </a:xfrm>
+          <a:prstGeom prst="rect">
+            <a:avLst/>
+          </a:prstGeom>
+          <a:noFill/>
+        </p:spPr>
+        <p:txBody>
+          <a:bodyPr wrap="none" rtlCol="0">
+            <a:spAutoFit/>
+          </a:bodyPr>
+          <a:lstStyle/>
+          <a:p>
+            <a:r>
+              <a:rPr lang="en-US" dirty="0"/>
+              <a:t>Pod IP: 172.17.0.7</a:t>
+            </a:r>
+          </a:p>
+        </p:txBody>
+      </p:sp>
+      <p:sp>
+        <p:nvSpPr>
+          <p:cNvPr id="19" name="Oval 18">
+            <a:extLst>
+              <a:ext uri="{FF2B5EF4-FFF2-40B4-BE49-F238E27FC236}">
+                <a16:creationId xmlns:a16="http://schemas.microsoft.com/office/drawing/2014/main" id="{91C01779-016C-4987-AEAF-9E4049A3153B}"/>
+              </a:ext>
+            </a:extLst>
+          </p:cNvPr>
+          <p:cNvSpPr/>
+          <p:nvPr/>
+        </p:nvSpPr>
+        <p:spPr>
+          <a:xfrm>
+            <a:off x="5959292" y="3821186"/>
+            <a:ext cx="2091241" cy="1460442"/>
+          </a:xfrm>
+          <a:prstGeom prst="ellipse">
+            <a:avLst/>
+          </a:prstGeom>
+        </p:spPr>
+        <p:style>
+          <a:lnRef idx="2">
+            <a:schemeClr val="accent1">
+              <a:shade val="50000"/>
+            </a:schemeClr>
+          </a:lnRef>
+          <a:fillRef idx="1">
+            <a:schemeClr val="accent1"/>
+          </a:fillRef>
+          <a:effectRef idx="0">
+            <a:schemeClr val="accent1"/>
+          </a:effectRef>
+          <a:fontRef idx="minor">
+            <a:schemeClr val="lt1"/>
+          </a:fontRef>
+        </p:style>
+        <p:txBody>
+          <a:bodyPr rtlCol="0" anchor="ctr"/>
+          <a:lstStyle/>
+          <a:p>
+            <a:pPr algn="ctr"/>
+            <a:r>
+              <a:rPr lang="en-US" dirty="0"/>
+              <a:t>Ghost:2368</a:t>
+            </a:r>
+          </a:p>
+          <a:p>
+            <a:pPr algn="ctr"/>
+            <a:r>
+              <a:rPr lang="en-US" dirty="0"/>
+              <a:t>Db-host: </a:t>
+            </a:r>
+            <a:r>
+              <a:rPr lang="en-US" dirty="0" err="1"/>
+              <a:t>db</a:t>
+            </a:r>
+            <a:r>
+              <a:rPr lang="en-US" dirty="0"/>
+              <a:t>-svc</a:t>
+            </a:r>
+          </a:p>
+          <a:p>
+            <a:pPr algn="ctr"/>
+            <a:r>
+              <a:rPr lang="en-US" dirty="0"/>
+              <a:t>Db-port:8888</a:t>
+            </a:r>
+          </a:p>
+        </p:txBody>
+      </p:sp>
+      <p:sp>
+        <p:nvSpPr>
+          <p:cNvPr id="20" name="TextBox 19">
+            <a:extLst>
+              <a:ext uri="{FF2B5EF4-FFF2-40B4-BE49-F238E27FC236}">
+                <a16:creationId xmlns:a16="http://schemas.microsoft.com/office/drawing/2014/main" id="{F2D89596-BF92-4089-9F8A-7BB7C4BDAC61}"/>
+              </a:ext>
+            </a:extLst>
+          </p:cNvPr>
+          <p:cNvSpPr txBox="1"/>
+          <p:nvPr/>
+        </p:nvSpPr>
+        <p:spPr>
+          <a:xfrm>
+            <a:off x="8179581" y="1262543"/>
+            <a:ext cx="2380980" cy="1477328"/>
+          </a:xfrm>
+          <a:prstGeom prst="rect">
+            <a:avLst/>
+          </a:prstGeom>
+          <a:noFill/>
+        </p:spPr>
+        <p:txBody>
+          <a:bodyPr wrap="square" rtlCol="0">
+            <a:spAutoFit/>
+          </a:bodyPr>
+          <a:lstStyle/>
+          <a:p>
+            <a:r>
+              <a:rPr lang="en-US" dirty="0" err="1"/>
+              <a:t>db</a:t>
+            </a:r>
+            <a:r>
+              <a:rPr lang="en-US" dirty="0"/>
+              <a:t>-svc:</a:t>
+            </a:r>
+          </a:p>
+          <a:p>
+            <a:r>
+              <a:rPr lang="en-US" dirty="0"/>
+              <a:t>IP 10.23.212.34, Svc Port-8888</a:t>
+            </a:r>
+          </a:p>
+          <a:p>
+            <a:r>
+              <a:rPr lang="en-US" dirty="0"/>
+              <a:t>EP: </a:t>
+            </a:r>
+            <a:r>
+              <a:rPr lang="en-US" dirty="0" err="1"/>
+              <a:t>selector:TP</a:t>
+            </a:r>
+            <a:endParaRPr lang="en-US" dirty="0"/>
+          </a:p>
+          <a:p>
+            <a:endParaRPr lang="en-US" dirty="0"/>
+          </a:p>
+        </p:txBody>
+      </p:sp>
+    </p:spTree>
+    <p:extLst>
+      <p:ext uri="{BB962C8B-B14F-4D97-AF65-F5344CB8AC3E}">
+        <p14:creationId xmlns:p14="http://schemas.microsoft.com/office/powerpoint/2010/main" val="698958744"/>
+      </p:ext>
+    </p:extLst>
+  </p:cSld>
+  <p:clrMapOvr>
+    <a:masterClrMapping/>
+  </p:clrMapOvr>
+</p:sld>
+</file>
+
+<file path=ppt/slides/slide18.xml><?xml version="1.0" encoding="utf-8"?>
+<p:sld xmlns:a="http://schemas.openxmlformats.org/drawingml/2006/main" xmlns:r="http://schemas.openxmlformats.org/officeDocument/2006/relationships" xmlns:p="http://schemas.openxmlformats.org/presentationml/2006/main">
+  <p:cSld>
+    <p:spTree>
+      <p:nvGrpSpPr>
+        <p:cNvPr id="1" name=""/>
+        <p:cNvGrpSpPr/>
+        <p:nvPr/>
+      </p:nvGrpSpPr>
+      <p:grpSpPr>
+        <a:xfrm>
+          <a:off x="0" y="0"/>
+          <a:ext cx="0" cy="0"/>
+          <a:chOff x="0" y="0"/>
+          <a:chExt cx="0" cy="0"/>
+        </a:xfrm>
+      </p:grpSpPr>
+      <p:sp>
+        <p:nvSpPr>
+          <p:cNvPr id="2" name="Rectangle 1">
+            <a:extLst>
+              <a:ext uri="{FF2B5EF4-FFF2-40B4-BE49-F238E27FC236}">
+                <a16:creationId xmlns:a16="http://schemas.microsoft.com/office/drawing/2014/main" id="{95D4485D-FE03-4EFC-8E02-70EBBCACFCA2}"/>
+              </a:ext>
+            </a:extLst>
+          </p:cNvPr>
+          <p:cNvSpPr/>
+          <p:nvPr/>
+        </p:nvSpPr>
+        <p:spPr>
+          <a:xfrm>
+            <a:off x="4622334" y="553673"/>
+            <a:ext cx="3263317" cy="2374085"/>
+          </a:xfrm>
+          <a:prstGeom prst="rect">
+            <a:avLst/>
+          </a:prstGeom>
+          <a:noFill/>
+        </p:spPr>
+        <p:style>
+          <a:lnRef idx="2">
+            <a:schemeClr val="accent1">
+              <a:shade val="50000"/>
+            </a:schemeClr>
+          </a:lnRef>
+          <a:fillRef idx="1">
+            <a:schemeClr val="accent1"/>
+          </a:fillRef>
+          <a:effectRef idx="0">
+            <a:schemeClr val="accent1"/>
+          </a:effectRef>
+          <a:fontRef idx="minor">
+            <a:schemeClr val="lt1"/>
+          </a:fontRef>
+        </p:style>
+        <p:txBody>
+          <a:bodyPr rtlCol="0" anchor="ctr"/>
+          <a:lstStyle/>
+          <a:p>
+            <a:pPr algn="ctr"/>
+            <a:endParaRPr lang="en-US"/>
+          </a:p>
+        </p:txBody>
+      </p:sp>
+      <p:sp>
+        <p:nvSpPr>
+          <p:cNvPr id="3" name="Rectangle 2">
+            <a:extLst>
+              <a:ext uri="{FF2B5EF4-FFF2-40B4-BE49-F238E27FC236}">
+                <a16:creationId xmlns:a16="http://schemas.microsoft.com/office/drawing/2014/main" id="{5A55EFA6-C706-4AD1-8D01-DA3DC331A890}"/>
+              </a:ext>
+            </a:extLst>
+          </p:cNvPr>
+          <p:cNvSpPr/>
+          <p:nvPr/>
+        </p:nvSpPr>
+        <p:spPr>
+          <a:xfrm>
+            <a:off x="6996418" y="4121791"/>
+            <a:ext cx="2520892" cy="1624667"/>
+          </a:xfrm>
+          <a:prstGeom prst="rect">
+            <a:avLst/>
+          </a:prstGeom>
+          <a:noFill/>
+        </p:spPr>
+        <p:style>
+          <a:lnRef idx="2">
+            <a:schemeClr val="accent1">
+              <a:shade val="50000"/>
+            </a:schemeClr>
+          </a:lnRef>
+          <a:fillRef idx="1">
+            <a:schemeClr val="accent1"/>
+          </a:fillRef>
+          <a:effectRef idx="0">
+            <a:schemeClr val="accent1"/>
+          </a:effectRef>
+          <a:fontRef idx="minor">
+            <a:schemeClr val="lt1"/>
+          </a:fontRef>
+        </p:style>
+        <p:txBody>
+          <a:bodyPr rtlCol="0" anchor="ctr"/>
+          <a:lstStyle/>
+          <a:p>
+            <a:pPr algn="ctr"/>
+            <a:endParaRPr lang="en-US"/>
+          </a:p>
+        </p:txBody>
+      </p:sp>
+      <p:sp>
+        <p:nvSpPr>
+          <p:cNvPr id="4" name="Rectangle 3">
+            <a:extLst>
+              <a:ext uri="{FF2B5EF4-FFF2-40B4-BE49-F238E27FC236}">
+                <a16:creationId xmlns:a16="http://schemas.microsoft.com/office/drawing/2014/main" id="{F37772FC-B830-4506-A262-F1E48A3D32A1}"/>
+              </a:ext>
+            </a:extLst>
+          </p:cNvPr>
+          <p:cNvSpPr/>
+          <p:nvPr/>
+        </p:nvSpPr>
+        <p:spPr>
+          <a:xfrm>
+            <a:off x="3575104" y="4106411"/>
+            <a:ext cx="2520892" cy="1624667"/>
+          </a:xfrm>
+          <a:prstGeom prst="rect">
+            <a:avLst/>
+          </a:prstGeom>
+          <a:noFill/>
+        </p:spPr>
+        <p:style>
+          <a:lnRef idx="2">
+            <a:schemeClr val="accent1">
+              <a:shade val="50000"/>
+            </a:schemeClr>
+          </a:lnRef>
+          <a:fillRef idx="1">
+            <a:schemeClr val="accent1"/>
+          </a:fillRef>
+          <a:effectRef idx="0">
+            <a:schemeClr val="accent1"/>
+          </a:effectRef>
+          <a:fontRef idx="minor">
+            <a:schemeClr val="lt1"/>
+          </a:fontRef>
+        </p:style>
+        <p:txBody>
+          <a:bodyPr rtlCol="0" anchor="ctr"/>
+          <a:lstStyle/>
+          <a:p>
+            <a:pPr algn="ctr"/>
+            <a:endParaRPr lang="en-US"/>
+          </a:p>
+        </p:txBody>
+      </p:sp>
+      <p:sp>
+        <p:nvSpPr>
+          <p:cNvPr id="5" name="TextBox 4">
+            <a:extLst>
+              <a:ext uri="{FF2B5EF4-FFF2-40B4-BE49-F238E27FC236}">
+                <a16:creationId xmlns:a16="http://schemas.microsoft.com/office/drawing/2014/main" id="{1131E52F-7633-4857-800F-EF0959CE03E8}"/>
+              </a:ext>
+            </a:extLst>
+          </p:cNvPr>
+          <p:cNvSpPr txBox="1"/>
+          <p:nvPr/>
+        </p:nvSpPr>
+        <p:spPr>
+          <a:xfrm>
+            <a:off x="4534670" y="268448"/>
+            <a:ext cx="2679862" cy="369332"/>
+          </a:xfrm>
+          <a:prstGeom prst="rect">
+            <a:avLst/>
+          </a:prstGeom>
+          <a:noFill/>
+        </p:spPr>
+        <p:txBody>
+          <a:bodyPr wrap="square" rtlCol="0">
+            <a:spAutoFit/>
+          </a:bodyPr>
+          <a:lstStyle/>
+          <a:p>
+            <a:r>
+              <a:rPr lang="en-US" dirty="0"/>
+              <a:t>K8smaster: 192.167.10.70</a:t>
+            </a:r>
+          </a:p>
+        </p:txBody>
+      </p:sp>
+      <p:sp>
+        <p:nvSpPr>
+          <p:cNvPr id="6" name="TextBox 5">
+            <a:extLst>
+              <a:ext uri="{FF2B5EF4-FFF2-40B4-BE49-F238E27FC236}">
+                <a16:creationId xmlns:a16="http://schemas.microsoft.com/office/drawing/2014/main" id="{E16A2925-51DD-4FB6-9FA6-655CE36032D4}"/>
+              </a:ext>
+            </a:extLst>
+          </p:cNvPr>
+          <p:cNvSpPr txBox="1"/>
+          <p:nvPr/>
+        </p:nvSpPr>
+        <p:spPr>
+          <a:xfrm>
+            <a:off x="6985656" y="5756252"/>
+            <a:ext cx="2679862" cy="369332"/>
+          </a:xfrm>
+          <a:prstGeom prst="rect">
+            <a:avLst/>
+          </a:prstGeom>
+          <a:noFill/>
+        </p:spPr>
+        <p:txBody>
+          <a:bodyPr wrap="square" rtlCol="0">
+            <a:spAutoFit/>
+          </a:bodyPr>
+          <a:lstStyle/>
+          <a:p>
+            <a:r>
+              <a:rPr lang="en-US" dirty="0"/>
+              <a:t>k8snode1: 192.167.10.71</a:t>
+            </a:r>
+          </a:p>
+        </p:txBody>
+      </p:sp>
+      <p:sp>
+        <p:nvSpPr>
+          <p:cNvPr id="7" name="TextBox 6">
+            <a:extLst>
+              <a:ext uri="{FF2B5EF4-FFF2-40B4-BE49-F238E27FC236}">
+                <a16:creationId xmlns:a16="http://schemas.microsoft.com/office/drawing/2014/main" id="{DFC300CB-6BD1-44C3-9B2C-F8B6CE8322C7}"/>
+              </a:ext>
+            </a:extLst>
+          </p:cNvPr>
+          <p:cNvSpPr txBox="1"/>
+          <p:nvPr/>
+        </p:nvSpPr>
+        <p:spPr>
+          <a:xfrm>
+            <a:off x="3572731" y="5749261"/>
+            <a:ext cx="2679862" cy="369332"/>
+          </a:xfrm>
+          <a:prstGeom prst="rect">
+            <a:avLst/>
+          </a:prstGeom>
+          <a:noFill/>
+        </p:spPr>
+        <p:txBody>
+          <a:bodyPr wrap="square" rtlCol="0">
+            <a:spAutoFit/>
+          </a:bodyPr>
+          <a:lstStyle/>
+          <a:p>
+            <a:r>
+              <a:rPr lang="en-US" dirty="0"/>
+              <a:t>k8snode2: 192.167.10.72</a:t>
+            </a:r>
+          </a:p>
+        </p:txBody>
+      </p:sp>
+      <p:sp>
+        <p:nvSpPr>
+          <p:cNvPr id="8" name="TextBox 7">
+            <a:extLst>
+              <a:ext uri="{FF2B5EF4-FFF2-40B4-BE49-F238E27FC236}">
+                <a16:creationId xmlns:a16="http://schemas.microsoft.com/office/drawing/2014/main" id="{A23132F9-269E-4206-8D77-2716665DB1B0}"/>
+              </a:ext>
+            </a:extLst>
+          </p:cNvPr>
+          <p:cNvSpPr txBox="1"/>
+          <p:nvPr/>
+        </p:nvSpPr>
+        <p:spPr>
+          <a:xfrm>
+            <a:off x="8590327" y="184341"/>
+            <a:ext cx="3473042" cy="2031325"/>
+          </a:xfrm>
+          <a:prstGeom prst="rect">
+            <a:avLst/>
+          </a:prstGeom>
+          <a:noFill/>
+        </p:spPr>
+        <p:txBody>
+          <a:bodyPr wrap="square" rtlCol="0">
+            <a:spAutoFit/>
+          </a:bodyPr>
+          <a:lstStyle/>
+          <a:p>
+            <a:pPr marL="342900" indent="-342900">
+              <a:buAutoNum type="arabicPeriod"/>
+            </a:pPr>
+            <a:r>
+              <a:rPr lang="en-US" dirty="0"/>
+              <a:t>Sysadmin will provision your infra</a:t>
+            </a:r>
+          </a:p>
+          <a:p>
+            <a:pPr marL="342900" indent="-342900">
+              <a:buAutoNum type="arabicPeriod"/>
+            </a:pPr>
+            <a:r>
+              <a:rPr lang="en-US" dirty="0"/>
+              <a:t>K8s admin </a:t>
+            </a:r>
+          </a:p>
+          <a:p>
+            <a:pPr marL="800100" lvl="1" indent="-342900">
+              <a:buAutoNum type="arabicPeriod"/>
+            </a:pPr>
+            <a:r>
+              <a:rPr lang="en-US" dirty="0"/>
+              <a:t>Docker </a:t>
+            </a:r>
+          </a:p>
+          <a:p>
+            <a:pPr marL="800100" lvl="1" indent="-342900">
+              <a:buAutoNum type="arabicPeriod"/>
+            </a:pPr>
+            <a:r>
+              <a:rPr lang="en-US" dirty="0"/>
+              <a:t>K8s master svc</a:t>
+            </a:r>
+          </a:p>
+          <a:p>
+            <a:pPr marL="800100" lvl="1" indent="-342900">
+              <a:buAutoNum type="arabicPeriod"/>
+            </a:pPr>
+            <a:r>
+              <a:rPr lang="en-US" dirty="0" err="1"/>
+              <a:t>Kubelet</a:t>
+            </a:r>
+            <a:r>
+              <a:rPr lang="en-US" dirty="0"/>
+              <a:t> on all nodes</a:t>
+            </a:r>
+          </a:p>
+          <a:p>
+            <a:pPr marL="800100" lvl="1" indent="-342900">
+              <a:buAutoNum type="arabicPeriod"/>
+            </a:pPr>
+            <a:r>
+              <a:rPr lang="en-US" dirty="0"/>
+              <a:t>Join command</a:t>
+            </a:r>
+          </a:p>
+        </p:txBody>
+      </p:sp>
+      <p:sp>
+        <p:nvSpPr>
+          <p:cNvPr id="9" name="TextBox 8">
+            <a:extLst>
+              <a:ext uri="{FF2B5EF4-FFF2-40B4-BE49-F238E27FC236}">
+                <a16:creationId xmlns:a16="http://schemas.microsoft.com/office/drawing/2014/main" id="{DBAF9E12-97A1-4CD4-BC9B-C2AC2375976F}"/>
+              </a:ext>
+            </a:extLst>
+          </p:cNvPr>
+          <p:cNvSpPr txBox="1"/>
+          <p:nvPr/>
+        </p:nvSpPr>
+        <p:spPr>
+          <a:xfrm>
+            <a:off x="6946084" y="543879"/>
+            <a:ext cx="956345" cy="369332"/>
+          </a:xfrm>
+          <a:prstGeom prst="rect">
+            <a:avLst/>
+          </a:prstGeom>
+          <a:noFill/>
+        </p:spPr>
+        <p:txBody>
+          <a:bodyPr wrap="square" rtlCol="0">
+            <a:spAutoFit/>
+          </a:bodyPr>
+          <a:lstStyle/>
+          <a:p>
+            <a:r>
+              <a:rPr lang="en-US" dirty="0"/>
+              <a:t>docker</a:t>
+            </a:r>
+          </a:p>
+        </p:txBody>
+      </p:sp>
+      <p:sp>
+        <p:nvSpPr>
+          <p:cNvPr id="10" name="TextBox 9">
+            <a:extLst>
+              <a:ext uri="{FF2B5EF4-FFF2-40B4-BE49-F238E27FC236}">
+                <a16:creationId xmlns:a16="http://schemas.microsoft.com/office/drawing/2014/main" id="{12433A70-D712-481D-81A9-42ECD42CE55E}"/>
+              </a:ext>
+            </a:extLst>
+          </p:cNvPr>
+          <p:cNvSpPr txBox="1"/>
+          <p:nvPr/>
+        </p:nvSpPr>
+        <p:spPr>
+          <a:xfrm>
+            <a:off x="8725950" y="5368952"/>
+            <a:ext cx="956345" cy="369332"/>
+          </a:xfrm>
+          <a:prstGeom prst="rect">
+            <a:avLst/>
+          </a:prstGeom>
+          <a:noFill/>
+        </p:spPr>
+        <p:txBody>
+          <a:bodyPr wrap="square" rtlCol="0">
+            <a:spAutoFit/>
+          </a:bodyPr>
+          <a:lstStyle/>
+          <a:p>
+            <a:r>
+              <a:rPr lang="en-US" dirty="0"/>
+              <a:t>docker</a:t>
+            </a:r>
+          </a:p>
+        </p:txBody>
+      </p:sp>
+      <p:sp>
+        <p:nvSpPr>
+          <p:cNvPr id="11" name="TextBox 10">
+            <a:extLst>
+              <a:ext uri="{FF2B5EF4-FFF2-40B4-BE49-F238E27FC236}">
+                <a16:creationId xmlns:a16="http://schemas.microsoft.com/office/drawing/2014/main" id="{9168ACAB-C276-41DC-8C78-0E26D40DDD7B}"/>
+              </a:ext>
+            </a:extLst>
+          </p:cNvPr>
+          <p:cNvSpPr txBox="1"/>
+          <p:nvPr/>
+        </p:nvSpPr>
+        <p:spPr>
+          <a:xfrm>
+            <a:off x="5371748" y="5353572"/>
+            <a:ext cx="956345" cy="369332"/>
+          </a:xfrm>
+          <a:prstGeom prst="rect">
+            <a:avLst/>
+          </a:prstGeom>
+          <a:noFill/>
+        </p:spPr>
+        <p:txBody>
+          <a:bodyPr wrap="square" rtlCol="0">
+            <a:spAutoFit/>
+          </a:bodyPr>
+          <a:lstStyle/>
+          <a:p>
+            <a:r>
+              <a:rPr lang="en-US" dirty="0"/>
+              <a:t>docker</a:t>
+            </a:r>
+          </a:p>
+        </p:txBody>
+      </p:sp>
+      <p:sp>
+        <p:nvSpPr>
+          <p:cNvPr id="12" name="TextBox 11">
+            <a:extLst>
+              <a:ext uri="{FF2B5EF4-FFF2-40B4-BE49-F238E27FC236}">
+                <a16:creationId xmlns:a16="http://schemas.microsoft.com/office/drawing/2014/main" id="{18743AE6-BAA5-4604-A8DF-901463812F0C}"/>
+              </a:ext>
+            </a:extLst>
+          </p:cNvPr>
+          <p:cNvSpPr txBox="1"/>
+          <p:nvPr/>
+        </p:nvSpPr>
+        <p:spPr>
+          <a:xfrm>
+            <a:off x="5075340" y="913211"/>
+            <a:ext cx="1568742" cy="369332"/>
+          </a:xfrm>
+          <a:prstGeom prst="rect">
+            <a:avLst/>
+          </a:prstGeom>
+          <a:noFill/>
+        </p:spPr>
+        <p:txBody>
+          <a:bodyPr wrap="square" rtlCol="0">
+            <a:spAutoFit/>
+          </a:bodyPr>
+          <a:lstStyle/>
+          <a:p>
+            <a:r>
+              <a:rPr lang="en-US" dirty="0" err="1"/>
+              <a:t>Api</a:t>
+            </a:r>
+            <a:r>
+              <a:rPr lang="en-US" dirty="0"/>
+              <a:t>-server</a:t>
+            </a:r>
+          </a:p>
+        </p:txBody>
+      </p:sp>
+      <p:sp>
+        <p:nvSpPr>
+          <p:cNvPr id="13" name="TextBox 12">
+            <a:extLst>
+              <a:ext uri="{FF2B5EF4-FFF2-40B4-BE49-F238E27FC236}">
+                <a16:creationId xmlns:a16="http://schemas.microsoft.com/office/drawing/2014/main" id="{39EDC98A-D05F-4775-86C4-E60390D1A25E}"/>
+              </a:ext>
+            </a:extLst>
+          </p:cNvPr>
+          <p:cNvSpPr txBox="1"/>
+          <p:nvPr/>
+        </p:nvSpPr>
+        <p:spPr>
+          <a:xfrm>
+            <a:off x="5209563" y="4110605"/>
+            <a:ext cx="889026" cy="369332"/>
+          </a:xfrm>
+          <a:prstGeom prst="rect">
+            <a:avLst/>
+          </a:prstGeom>
+          <a:noFill/>
+        </p:spPr>
+        <p:txBody>
+          <a:bodyPr wrap="none" rtlCol="0">
+            <a:spAutoFit/>
+          </a:bodyPr>
+          <a:lstStyle/>
+          <a:p>
+            <a:r>
+              <a:rPr lang="en-US" dirty="0" err="1"/>
+              <a:t>kubelet</a:t>
+            </a:r>
+            <a:endParaRPr lang="en-US" dirty="0"/>
+          </a:p>
+        </p:txBody>
+      </p:sp>
+      <p:sp>
+        <p:nvSpPr>
+          <p:cNvPr id="14" name="TextBox 13">
+            <a:extLst>
+              <a:ext uri="{FF2B5EF4-FFF2-40B4-BE49-F238E27FC236}">
+                <a16:creationId xmlns:a16="http://schemas.microsoft.com/office/drawing/2014/main" id="{F1F87BF5-FD9A-446F-A962-C48B6AC8AEF7}"/>
+              </a:ext>
+            </a:extLst>
+          </p:cNvPr>
+          <p:cNvSpPr txBox="1"/>
+          <p:nvPr/>
+        </p:nvSpPr>
+        <p:spPr>
+          <a:xfrm>
+            <a:off x="6913928" y="773181"/>
+            <a:ext cx="889026" cy="369332"/>
+          </a:xfrm>
+          <a:prstGeom prst="rect">
+            <a:avLst/>
+          </a:prstGeom>
+          <a:noFill/>
+        </p:spPr>
+        <p:txBody>
+          <a:bodyPr wrap="none" rtlCol="0">
+            <a:spAutoFit/>
+          </a:bodyPr>
+          <a:lstStyle/>
+          <a:p>
+            <a:r>
+              <a:rPr lang="en-US" dirty="0" err="1"/>
+              <a:t>kubelet</a:t>
+            </a:r>
+            <a:endParaRPr lang="en-US" dirty="0"/>
+          </a:p>
+        </p:txBody>
+      </p:sp>
+      <p:sp>
+        <p:nvSpPr>
+          <p:cNvPr id="15" name="TextBox 14">
+            <a:extLst>
+              <a:ext uri="{FF2B5EF4-FFF2-40B4-BE49-F238E27FC236}">
+                <a16:creationId xmlns:a16="http://schemas.microsoft.com/office/drawing/2014/main" id="{6F9FFF4A-8005-4EA7-9D22-B0C3C4CEA2FD}"/>
+              </a:ext>
+            </a:extLst>
+          </p:cNvPr>
+          <p:cNvSpPr txBox="1"/>
+          <p:nvPr/>
+        </p:nvSpPr>
+        <p:spPr>
+          <a:xfrm>
+            <a:off x="8635071" y="4113401"/>
+            <a:ext cx="889026" cy="369332"/>
+          </a:xfrm>
+          <a:prstGeom prst="rect">
+            <a:avLst/>
+          </a:prstGeom>
+          <a:noFill/>
+        </p:spPr>
+        <p:txBody>
+          <a:bodyPr wrap="none" rtlCol="0">
+            <a:spAutoFit/>
+          </a:bodyPr>
+          <a:lstStyle/>
+          <a:p>
+            <a:r>
+              <a:rPr lang="en-US" dirty="0" err="1"/>
+              <a:t>kubelet</a:t>
+            </a:r>
+            <a:endParaRPr lang="en-US" dirty="0"/>
+          </a:p>
+        </p:txBody>
+      </p:sp>
+      <p:sp>
+        <p:nvSpPr>
+          <p:cNvPr id="16" name="Freeform: Shape 15">
+            <a:extLst>
+              <a:ext uri="{FF2B5EF4-FFF2-40B4-BE49-F238E27FC236}">
+                <a16:creationId xmlns:a16="http://schemas.microsoft.com/office/drawing/2014/main" id="{6F64013C-FA33-4CEA-B487-FCA311E9307A}"/>
+              </a:ext>
+            </a:extLst>
+          </p:cNvPr>
+          <p:cNvSpPr/>
+          <p:nvPr/>
+        </p:nvSpPr>
+        <p:spPr>
+          <a:xfrm>
+            <a:off x="2742675" y="1132514"/>
+            <a:ext cx="2341053" cy="3842158"/>
+          </a:xfrm>
+          <a:custGeom>
+            <a:avLst/>
+            <a:gdLst>
+              <a:gd name="connsiteX0" fmla="*/ 839424 w 2341053"/>
+              <a:gd name="connsiteY0" fmla="*/ 3842158 h 3842158"/>
+              <a:gd name="connsiteX1" fmla="*/ 688422 w 2341053"/>
+              <a:gd name="connsiteY1" fmla="*/ 3816991 h 3842158"/>
+              <a:gd name="connsiteX2" fmla="*/ 638088 w 2341053"/>
+              <a:gd name="connsiteY2" fmla="*/ 3808602 h 3842158"/>
+              <a:gd name="connsiteX3" fmla="*/ 570976 w 2341053"/>
+              <a:gd name="connsiteY3" fmla="*/ 3783435 h 3842158"/>
+              <a:gd name="connsiteX4" fmla="*/ 537420 w 2341053"/>
+              <a:gd name="connsiteY4" fmla="*/ 3766657 h 3842158"/>
+              <a:gd name="connsiteX5" fmla="*/ 503864 w 2341053"/>
+              <a:gd name="connsiteY5" fmla="*/ 3758268 h 3842158"/>
+              <a:gd name="connsiteX6" fmla="*/ 436753 w 2341053"/>
+              <a:gd name="connsiteY6" fmla="*/ 3716323 h 3842158"/>
+              <a:gd name="connsiteX7" fmla="*/ 403197 w 2341053"/>
+              <a:gd name="connsiteY7" fmla="*/ 3699545 h 3842158"/>
+              <a:gd name="connsiteX8" fmla="*/ 378030 w 2341053"/>
+              <a:gd name="connsiteY8" fmla="*/ 3674378 h 3842158"/>
+              <a:gd name="connsiteX9" fmla="*/ 352863 w 2341053"/>
+              <a:gd name="connsiteY9" fmla="*/ 3665989 h 3842158"/>
+              <a:gd name="connsiteX10" fmla="*/ 302529 w 2341053"/>
+              <a:gd name="connsiteY10" fmla="*/ 3632433 h 3842158"/>
+              <a:gd name="connsiteX11" fmla="*/ 277362 w 2341053"/>
+              <a:gd name="connsiteY11" fmla="*/ 3615655 h 3842158"/>
+              <a:gd name="connsiteX12" fmla="*/ 252195 w 2341053"/>
+              <a:gd name="connsiteY12" fmla="*/ 3598877 h 3842158"/>
+              <a:gd name="connsiteX13" fmla="*/ 227028 w 2341053"/>
+              <a:gd name="connsiteY13" fmla="*/ 3582099 h 3842158"/>
+              <a:gd name="connsiteX14" fmla="*/ 176694 w 2341053"/>
+              <a:gd name="connsiteY14" fmla="*/ 3498209 h 3842158"/>
+              <a:gd name="connsiteX15" fmla="*/ 151527 w 2341053"/>
+              <a:gd name="connsiteY15" fmla="*/ 3464653 h 3842158"/>
+              <a:gd name="connsiteX16" fmla="*/ 134749 w 2341053"/>
+              <a:gd name="connsiteY16" fmla="*/ 3422708 h 3842158"/>
+              <a:gd name="connsiteX17" fmla="*/ 117971 w 2341053"/>
+              <a:gd name="connsiteY17" fmla="*/ 3397541 h 3842158"/>
+              <a:gd name="connsiteX18" fmla="*/ 101193 w 2341053"/>
+              <a:gd name="connsiteY18" fmla="*/ 3363985 h 3842158"/>
+              <a:gd name="connsiteX19" fmla="*/ 76026 w 2341053"/>
+              <a:gd name="connsiteY19" fmla="*/ 3322040 h 3842158"/>
+              <a:gd name="connsiteX20" fmla="*/ 59248 w 2341053"/>
+              <a:gd name="connsiteY20" fmla="*/ 3271706 h 3842158"/>
+              <a:gd name="connsiteX21" fmla="*/ 42470 w 2341053"/>
+              <a:gd name="connsiteY21" fmla="*/ 3212983 h 3842158"/>
+              <a:gd name="connsiteX22" fmla="*/ 34081 w 2341053"/>
+              <a:gd name="connsiteY22" fmla="*/ 3187816 h 3842158"/>
+              <a:gd name="connsiteX23" fmla="*/ 17303 w 2341053"/>
+              <a:gd name="connsiteY23" fmla="*/ 3120704 h 3842158"/>
+              <a:gd name="connsiteX24" fmla="*/ 8914 w 2341053"/>
+              <a:gd name="connsiteY24" fmla="*/ 3028425 h 3842158"/>
+              <a:gd name="connsiteX25" fmla="*/ 525 w 2341053"/>
+              <a:gd name="connsiteY25" fmla="*/ 3003258 h 3842158"/>
+              <a:gd name="connsiteX26" fmla="*/ 17303 w 2341053"/>
+              <a:gd name="connsiteY26" fmla="*/ 2676088 h 3842158"/>
+              <a:gd name="connsiteX27" fmla="*/ 34081 w 2341053"/>
+              <a:gd name="connsiteY27" fmla="*/ 2550253 h 3842158"/>
+              <a:gd name="connsiteX28" fmla="*/ 42470 w 2341053"/>
+              <a:gd name="connsiteY28" fmla="*/ 2457974 h 3842158"/>
+              <a:gd name="connsiteX29" fmla="*/ 50859 w 2341053"/>
+              <a:gd name="connsiteY29" fmla="*/ 2424418 h 3842158"/>
+              <a:gd name="connsiteX30" fmla="*/ 67637 w 2341053"/>
+              <a:gd name="connsiteY30" fmla="*/ 2306972 h 3842158"/>
+              <a:gd name="connsiteX31" fmla="*/ 101193 w 2341053"/>
+              <a:gd name="connsiteY31" fmla="*/ 2223082 h 3842158"/>
+              <a:gd name="connsiteX32" fmla="*/ 109582 w 2341053"/>
+              <a:gd name="connsiteY32" fmla="*/ 2172748 h 3842158"/>
+              <a:gd name="connsiteX33" fmla="*/ 134749 w 2341053"/>
+              <a:gd name="connsiteY33" fmla="*/ 2088858 h 3842158"/>
+              <a:gd name="connsiteX34" fmla="*/ 151527 w 2341053"/>
+              <a:gd name="connsiteY34" fmla="*/ 2046914 h 3842158"/>
+              <a:gd name="connsiteX35" fmla="*/ 168305 w 2341053"/>
+              <a:gd name="connsiteY35" fmla="*/ 2021747 h 3842158"/>
+              <a:gd name="connsiteX36" fmla="*/ 185083 w 2341053"/>
+              <a:gd name="connsiteY36" fmla="*/ 1963024 h 3842158"/>
+              <a:gd name="connsiteX37" fmla="*/ 201861 w 2341053"/>
+              <a:gd name="connsiteY37" fmla="*/ 1937857 h 3842158"/>
+              <a:gd name="connsiteX38" fmla="*/ 218639 w 2341053"/>
+              <a:gd name="connsiteY38" fmla="*/ 1904301 h 3842158"/>
+              <a:gd name="connsiteX39" fmla="*/ 227028 w 2341053"/>
+              <a:gd name="connsiteY39" fmla="*/ 1870745 h 3842158"/>
+              <a:gd name="connsiteX40" fmla="*/ 252195 w 2341053"/>
+              <a:gd name="connsiteY40" fmla="*/ 1828800 h 3842158"/>
+              <a:gd name="connsiteX41" fmla="*/ 268973 w 2341053"/>
+              <a:gd name="connsiteY41" fmla="*/ 1795244 h 3842158"/>
+              <a:gd name="connsiteX42" fmla="*/ 285751 w 2341053"/>
+              <a:gd name="connsiteY42" fmla="*/ 1753299 h 3842158"/>
+              <a:gd name="connsiteX43" fmla="*/ 294140 w 2341053"/>
+              <a:gd name="connsiteY43" fmla="*/ 1728132 h 3842158"/>
+              <a:gd name="connsiteX44" fmla="*/ 319307 w 2341053"/>
+              <a:gd name="connsiteY44" fmla="*/ 1677798 h 3842158"/>
+              <a:gd name="connsiteX45" fmla="*/ 344474 w 2341053"/>
+              <a:gd name="connsiteY45" fmla="*/ 1644242 h 3842158"/>
+              <a:gd name="connsiteX46" fmla="*/ 369641 w 2341053"/>
+              <a:gd name="connsiteY46" fmla="*/ 1577130 h 3842158"/>
+              <a:gd name="connsiteX47" fmla="*/ 394808 w 2341053"/>
+              <a:gd name="connsiteY47" fmla="*/ 1535185 h 3842158"/>
+              <a:gd name="connsiteX48" fmla="*/ 403197 w 2341053"/>
+              <a:gd name="connsiteY48" fmla="*/ 1510018 h 3842158"/>
+              <a:gd name="connsiteX49" fmla="*/ 436753 w 2341053"/>
+              <a:gd name="connsiteY49" fmla="*/ 1468073 h 3842158"/>
+              <a:gd name="connsiteX50" fmla="*/ 453531 w 2341053"/>
+              <a:gd name="connsiteY50" fmla="*/ 1426128 h 3842158"/>
+              <a:gd name="connsiteX51" fmla="*/ 503864 w 2341053"/>
+              <a:gd name="connsiteY51" fmla="*/ 1359016 h 3842158"/>
+              <a:gd name="connsiteX52" fmla="*/ 529031 w 2341053"/>
+              <a:gd name="connsiteY52" fmla="*/ 1300293 h 3842158"/>
+              <a:gd name="connsiteX53" fmla="*/ 554198 w 2341053"/>
+              <a:gd name="connsiteY53" fmla="*/ 1275126 h 3842158"/>
+              <a:gd name="connsiteX54" fmla="*/ 612921 w 2341053"/>
+              <a:gd name="connsiteY54" fmla="*/ 1199625 h 3842158"/>
+              <a:gd name="connsiteX55" fmla="*/ 638088 w 2341053"/>
+              <a:gd name="connsiteY55" fmla="*/ 1166069 h 3842158"/>
+              <a:gd name="connsiteX56" fmla="*/ 688422 w 2341053"/>
+              <a:gd name="connsiteY56" fmla="*/ 1124125 h 3842158"/>
+              <a:gd name="connsiteX57" fmla="*/ 780701 w 2341053"/>
+              <a:gd name="connsiteY57" fmla="*/ 1023457 h 3842158"/>
+              <a:gd name="connsiteX58" fmla="*/ 814257 w 2341053"/>
+              <a:gd name="connsiteY58" fmla="*/ 989901 h 3842158"/>
+              <a:gd name="connsiteX59" fmla="*/ 847813 w 2341053"/>
+              <a:gd name="connsiteY59" fmla="*/ 964734 h 3842158"/>
+              <a:gd name="connsiteX60" fmla="*/ 872980 w 2341053"/>
+              <a:gd name="connsiteY60" fmla="*/ 931178 h 3842158"/>
+              <a:gd name="connsiteX61" fmla="*/ 931703 w 2341053"/>
+              <a:gd name="connsiteY61" fmla="*/ 872455 h 3842158"/>
+              <a:gd name="connsiteX62" fmla="*/ 956870 w 2341053"/>
+              <a:gd name="connsiteY62" fmla="*/ 855677 h 3842158"/>
+              <a:gd name="connsiteX63" fmla="*/ 1015593 w 2341053"/>
+              <a:gd name="connsiteY63" fmla="*/ 796954 h 3842158"/>
+              <a:gd name="connsiteX64" fmla="*/ 1049149 w 2341053"/>
+              <a:gd name="connsiteY64" fmla="*/ 763398 h 3842158"/>
+              <a:gd name="connsiteX65" fmla="*/ 1074316 w 2341053"/>
+              <a:gd name="connsiteY65" fmla="*/ 738231 h 3842158"/>
+              <a:gd name="connsiteX66" fmla="*/ 1099483 w 2341053"/>
+              <a:gd name="connsiteY66" fmla="*/ 713064 h 3842158"/>
+              <a:gd name="connsiteX67" fmla="*/ 1141428 w 2341053"/>
+              <a:gd name="connsiteY67" fmla="*/ 679508 h 3842158"/>
+              <a:gd name="connsiteX68" fmla="*/ 1208540 w 2341053"/>
+              <a:gd name="connsiteY68" fmla="*/ 629174 h 3842158"/>
+              <a:gd name="connsiteX69" fmla="*/ 1258874 w 2341053"/>
+              <a:gd name="connsiteY69" fmla="*/ 578840 h 3842158"/>
+              <a:gd name="connsiteX70" fmla="*/ 1300819 w 2341053"/>
+              <a:gd name="connsiteY70" fmla="*/ 536895 h 3842158"/>
+              <a:gd name="connsiteX71" fmla="*/ 1351153 w 2341053"/>
+              <a:gd name="connsiteY71" fmla="*/ 494950 h 3842158"/>
+              <a:gd name="connsiteX72" fmla="*/ 1401486 w 2341053"/>
+              <a:gd name="connsiteY72" fmla="*/ 461394 h 3842158"/>
+              <a:gd name="connsiteX73" fmla="*/ 1435042 w 2341053"/>
+              <a:gd name="connsiteY73" fmla="*/ 427838 h 3842158"/>
+              <a:gd name="connsiteX74" fmla="*/ 1460209 w 2341053"/>
+              <a:gd name="connsiteY74" fmla="*/ 411060 h 3842158"/>
+              <a:gd name="connsiteX75" fmla="*/ 1510543 w 2341053"/>
+              <a:gd name="connsiteY75" fmla="*/ 360726 h 3842158"/>
+              <a:gd name="connsiteX76" fmla="*/ 1544099 w 2341053"/>
+              <a:gd name="connsiteY76" fmla="*/ 343948 h 3842158"/>
+              <a:gd name="connsiteX77" fmla="*/ 1686712 w 2341053"/>
+              <a:gd name="connsiteY77" fmla="*/ 251669 h 3842158"/>
+              <a:gd name="connsiteX78" fmla="*/ 1745435 w 2341053"/>
+              <a:gd name="connsiteY78" fmla="*/ 226503 h 3842158"/>
+              <a:gd name="connsiteX79" fmla="*/ 1812547 w 2341053"/>
+              <a:gd name="connsiteY79" fmla="*/ 184558 h 3842158"/>
+              <a:gd name="connsiteX80" fmla="*/ 1854492 w 2341053"/>
+              <a:gd name="connsiteY80" fmla="*/ 167780 h 3842158"/>
+              <a:gd name="connsiteX81" fmla="*/ 1921604 w 2341053"/>
+              <a:gd name="connsiteY81" fmla="*/ 125835 h 3842158"/>
+              <a:gd name="connsiteX82" fmla="*/ 1971938 w 2341053"/>
+              <a:gd name="connsiteY82" fmla="*/ 109057 h 3842158"/>
+              <a:gd name="connsiteX83" fmla="*/ 1997105 w 2341053"/>
+              <a:gd name="connsiteY83" fmla="*/ 92279 h 3842158"/>
+              <a:gd name="connsiteX84" fmla="*/ 2055828 w 2341053"/>
+              <a:gd name="connsiteY84" fmla="*/ 67112 h 3842158"/>
+              <a:gd name="connsiteX85" fmla="*/ 2089384 w 2341053"/>
+              <a:gd name="connsiteY85" fmla="*/ 50334 h 3842158"/>
+              <a:gd name="connsiteX86" fmla="*/ 2156496 w 2341053"/>
+              <a:gd name="connsiteY86" fmla="*/ 25167 h 3842158"/>
+              <a:gd name="connsiteX87" fmla="*/ 2190052 w 2341053"/>
+              <a:gd name="connsiteY87" fmla="*/ 16778 h 3842158"/>
+              <a:gd name="connsiteX88" fmla="*/ 2240386 w 2341053"/>
+              <a:gd name="connsiteY88" fmla="*/ 0 h 3842158"/>
+              <a:gd name="connsiteX89" fmla="*/ 2341053 w 2341053"/>
+              <a:gd name="connsiteY89" fmla="*/ 0 h 3842158"/>
+            </a:gdLst>
+            <a:ahLst/>
+            <a:cxnLst>
+              <a:cxn ang="0">
+                <a:pos x="connsiteX0" y="connsiteY0"/>
+              </a:cxn>
+              <a:cxn ang="0">
+                <a:pos x="connsiteX1" y="connsiteY1"/>
+              </a:cxn>
+              <a:cxn ang="0">
+                <a:pos x="connsiteX2" y="connsiteY2"/>
+              </a:cxn>
+              <a:cxn ang="0">
+                <a:pos x="connsiteX3" y="connsiteY3"/>
+              </a:cxn>
+              <a:cxn ang="0">
+                <a:pos x="connsiteX4" y="connsiteY4"/>
+              </a:cxn>
+              <a:cxn ang="0">
+                <a:pos x="connsiteX5" y="connsiteY5"/>
+              </a:cxn>
+              <a:cxn ang="0">
+                <a:pos x="connsiteX6" y="connsiteY6"/>
+              </a:cxn>
+              <a:cxn ang="0">
+                <a:pos x="connsiteX7" y="connsiteY7"/>
+              </a:cxn>
+              <a:cxn ang="0">
+                <a:pos x="connsiteX8" y="connsiteY8"/>
+              </a:cxn>
+              <a:cxn ang="0">
+                <a:pos x="connsiteX9" y="connsiteY9"/>
+              </a:cxn>
+              <a:cxn ang="0">
+                <a:pos x="connsiteX10" y="connsiteY10"/>
+              </a:cxn>
+              <a:cxn ang="0">
+                <a:pos x="connsiteX11" y="connsiteY11"/>
+              </a:cxn>
+              <a:cxn ang="0">
+                <a:pos x="connsiteX12" y="connsiteY12"/>
+              </a:cxn>
+              <a:cxn ang="0">
+                <a:pos x="connsiteX13" y="connsiteY13"/>
+              </a:cxn>
+              <a:cxn ang="0">
+                <a:pos x="connsiteX14" y="connsiteY14"/>
+              </a:cxn>
+              <a:cxn ang="0">
+                <a:pos x="connsiteX15" y="connsiteY15"/>
+              </a:cxn>
+              <a:cxn ang="0">
+                <a:pos x="connsiteX16" y="connsiteY16"/>
+              </a:cxn>
+              <a:cxn ang="0">
+                <a:pos x="connsiteX17" y="connsiteY17"/>
+              </a:cxn>
+              <a:cxn ang="0">
+                <a:pos x="connsiteX18" y="connsiteY18"/>
+              </a:cxn>
+              <a:cxn ang="0">
+                <a:pos x="connsiteX19" y="connsiteY19"/>
+              </a:cxn>
+              <a:cxn ang="0">
+                <a:pos x="connsiteX20" y="connsiteY20"/>
+              </a:cxn>
+              <a:cxn ang="0">
+                <a:pos x="connsiteX21" y="connsiteY21"/>
+              </a:cxn>
+              <a:cxn ang="0">
+                <a:pos x="connsiteX22" y="connsiteY22"/>
+              </a:cxn>
+              <a:cxn ang="0">
+                <a:pos x="connsiteX23" y="connsiteY23"/>
+              </a:cxn>
+              <a:cxn ang="0">
+                <a:pos x="connsiteX24" y="connsiteY24"/>
+              </a:cxn>
+              <a:cxn ang="0">
+                <a:pos x="connsiteX25" y="connsiteY25"/>
+              </a:cxn>
+              <a:cxn ang="0">
+                <a:pos x="connsiteX26" y="connsiteY26"/>
+              </a:cxn>
+              <a:cxn ang="0">
+                <a:pos x="connsiteX27" y="connsiteY27"/>
+              </a:cxn>
+              <a:cxn ang="0">
+                <a:pos x="connsiteX28" y="connsiteY28"/>
+              </a:cxn>
+              <a:cxn ang="0">
+                <a:pos x="connsiteX29" y="connsiteY29"/>
+              </a:cxn>
+              <a:cxn ang="0">
+                <a:pos x="connsiteX30" y="connsiteY30"/>
+              </a:cxn>
+              <a:cxn ang="0">
+                <a:pos x="connsiteX31" y="connsiteY31"/>
+              </a:cxn>
+              <a:cxn ang="0">
+                <a:pos x="connsiteX32" y="connsiteY32"/>
+              </a:cxn>
+              <a:cxn ang="0">
+                <a:pos x="connsiteX33" y="connsiteY33"/>
+              </a:cxn>
+              <a:cxn ang="0">
+                <a:pos x="connsiteX34" y="connsiteY34"/>
+              </a:cxn>
+              <a:cxn ang="0">
+                <a:pos x="connsiteX35" y="connsiteY35"/>
+              </a:cxn>
+              <a:cxn ang="0">
+                <a:pos x="connsiteX36" y="connsiteY36"/>
+              </a:cxn>
+              <a:cxn ang="0">
+                <a:pos x="connsiteX37" y="connsiteY37"/>
+              </a:cxn>
+              <a:cxn ang="0">
+                <a:pos x="connsiteX38" y="connsiteY38"/>
+              </a:cxn>
+              <a:cxn ang="0">
+                <a:pos x="connsiteX39" y="connsiteY39"/>
+              </a:cxn>
+              <a:cxn ang="0">
+                <a:pos x="connsiteX40" y="connsiteY40"/>
+              </a:cxn>
+              <a:cxn ang="0">
+                <a:pos x="connsiteX41" y="connsiteY41"/>
+              </a:cxn>
+              <a:cxn ang="0">
+                <a:pos x="connsiteX42" y="connsiteY42"/>
+              </a:cxn>
+              <a:cxn ang="0">
+                <a:pos x="connsiteX43" y="connsiteY43"/>
+              </a:cxn>
+              <a:cxn ang="0">
+                <a:pos x="connsiteX44" y="connsiteY44"/>
+              </a:cxn>
+              <a:cxn ang="0">
+                <a:pos x="connsiteX45" y="connsiteY45"/>
+              </a:cxn>
+              <a:cxn ang="0">
+                <a:pos x="connsiteX46" y="connsiteY46"/>
+              </a:cxn>
+              <a:cxn ang="0">
+                <a:pos x="connsiteX47" y="connsiteY47"/>
+              </a:cxn>
+              <a:cxn ang="0">
+                <a:pos x="connsiteX48" y="connsiteY48"/>
+              </a:cxn>
+              <a:cxn ang="0">
+                <a:pos x="connsiteX49" y="connsiteY49"/>
+              </a:cxn>
+              <a:cxn ang="0">
+                <a:pos x="connsiteX50" y="connsiteY50"/>
+              </a:cxn>
+              <a:cxn ang="0">
+                <a:pos x="connsiteX51" y="connsiteY51"/>
+              </a:cxn>
+              <a:cxn ang="0">
+                <a:pos x="connsiteX52" y="connsiteY52"/>
+              </a:cxn>
+              <a:cxn ang="0">
+                <a:pos x="connsiteX53" y="connsiteY53"/>
+              </a:cxn>
+              <a:cxn ang="0">
+                <a:pos x="connsiteX54" y="connsiteY54"/>
+              </a:cxn>
+              <a:cxn ang="0">
+                <a:pos x="connsiteX55" y="connsiteY55"/>
+              </a:cxn>
+              <a:cxn ang="0">
+                <a:pos x="connsiteX56" y="connsiteY56"/>
+              </a:cxn>
+              <a:cxn ang="0">
+                <a:pos x="connsiteX57" y="connsiteY57"/>
+              </a:cxn>
+              <a:cxn ang="0">
+                <a:pos x="connsiteX58" y="connsiteY58"/>
+              </a:cxn>
+              <a:cxn ang="0">
+                <a:pos x="connsiteX59" y="connsiteY59"/>
+              </a:cxn>
+              <a:cxn ang="0">
+                <a:pos x="connsiteX60" y="connsiteY60"/>
+              </a:cxn>
+              <a:cxn ang="0">
+                <a:pos x="connsiteX61" y="connsiteY61"/>
+              </a:cxn>
+              <a:cxn ang="0">
+                <a:pos x="connsiteX62" y="connsiteY62"/>
+              </a:cxn>
+              <a:cxn ang="0">
+                <a:pos x="connsiteX63" y="connsiteY63"/>
+              </a:cxn>
+              <a:cxn ang="0">
+                <a:pos x="connsiteX64" y="connsiteY64"/>
+              </a:cxn>
+              <a:cxn ang="0">
+                <a:pos x="connsiteX65" y="connsiteY65"/>
+              </a:cxn>
+              <a:cxn ang="0">
+                <a:pos x="connsiteX66" y="connsiteY66"/>
+              </a:cxn>
+              <a:cxn ang="0">
+                <a:pos x="connsiteX67" y="connsiteY67"/>
+              </a:cxn>
+              <a:cxn ang="0">
+                <a:pos x="connsiteX68" y="connsiteY68"/>
+              </a:cxn>
+              <a:cxn ang="0">
+                <a:pos x="connsiteX69" y="connsiteY69"/>
+              </a:cxn>
+              <a:cxn ang="0">
+                <a:pos x="connsiteX70" y="connsiteY70"/>
+              </a:cxn>
+              <a:cxn ang="0">
+                <a:pos x="connsiteX71" y="connsiteY71"/>
+              </a:cxn>
+              <a:cxn ang="0">
+                <a:pos x="connsiteX72" y="connsiteY72"/>
+              </a:cxn>
+              <a:cxn ang="0">
+                <a:pos x="connsiteX73" y="connsiteY73"/>
+              </a:cxn>
+              <a:cxn ang="0">
+                <a:pos x="connsiteX74" y="connsiteY74"/>
+              </a:cxn>
+              <a:cxn ang="0">
+                <a:pos x="connsiteX75" y="connsiteY75"/>
+              </a:cxn>
+              <a:cxn ang="0">
+                <a:pos x="connsiteX76" y="connsiteY76"/>
+              </a:cxn>
+              <a:cxn ang="0">
+                <a:pos x="connsiteX77" y="connsiteY77"/>
+              </a:cxn>
+              <a:cxn ang="0">
+                <a:pos x="connsiteX78" y="connsiteY78"/>
+              </a:cxn>
+              <a:cxn ang="0">
+                <a:pos x="connsiteX79" y="connsiteY79"/>
+              </a:cxn>
+              <a:cxn ang="0">
+                <a:pos x="connsiteX80" y="connsiteY80"/>
+              </a:cxn>
+              <a:cxn ang="0">
+                <a:pos x="connsiteX81" y="connsiteY81"/>
+              </a:cxn>
+              <a:cxn ang="0">
+                <a:pos x="connsiteX82" y="connsiteY82"/>
+              </a:cxn>
+              <a:cxn ang="0">
+                <a:pos x="connsiteX83" y="connsiteY83"/>
+              </a:cxn>
+              <a:cxn ang="0">
+                <a:pos x="connsiteX84" y="connsiteY84"/>
+              </a:cxn>
+              <a:cxn ang="0">
+                <a:pos x="connsiteX85" y="connsiteY85"/>
+              </a:cxn>
+              <a:cxn ang="0">
+                <a:pos x="connsiteX86" y="connsiteY86"/>
+              </a:cxn>
+              <a:cxn ang="0">
+                <a:pos x="connsiteX87" y="connsiteY87"/>
+              </a:cxn>
+              <a:cxn ang="0">
+                <a:pos x="connsiteX88" y="connsiteY88"/>
+              </a:cxn>
+              <a:cxn ang="0">
+                <a:pos x="connsiteX89" y="connsiteY89"/>
+              </a:cxn>
+            </a:cxnLst>
+            <a:rect l="l" t="t" r="r" b="b"/>
+            <a:pathLst>
+              <a:path w="2341053" h="3842158">
+                <a:moveTo>
+                  <a:pt x="839424" y="3842158"/>
+                </a:moveTo>
+                <a:cubicBezTo>
+                  <a:pt x="713691" y="3828188"/>
+                  <a:pt x="813697" y="3842046"/>
+                  <a:pt x="688422" y="3816991"/>
+                </a:cubicBezTo>
+                <a:cubicBezTo>
+                  <a:pt x="671743" y="3813655"/>
+                  <a:pt x="654692" y="3812292"/>
+                  <a:pt x="638088" y="3808602"/>
+                </a:cubicBezTo>
+                <a:cubicBezTo>
+                  <a:pt x="624252" y="3805527"/>
+                  <a:pt x="577507" y="3786338"/>
+                  <a:pt x="570976" y="3783435"/>
+                </a:cubicBezTo>
+                <a:cubicBezTo>
+                  <a:pt x="559548" y="3778356"/>
+                  <a:pt x="549129" y="3771048"/>
+                  <a:pt x="537420" y="3766657"/>
+                </a:cubicBezTo>
+                <a:cubicBezTo>
+                  <a:pt x="526625" y="3762609"/>
+                  <a:pt x="514659" y="3762316"/>
+                  <a:pt x="503864" y="3758268"/>
+                </a:cubicBezTo>
+                <a:cubicBezTo>
+                  <a:pt x="461350" y="3742325"/>
+                  <a:pt x="476346" y="3741069"/>
+                  <a:pt x="436753" y="3716323"/>
+                </a:cubicBezTo>
+                <a:cubicBezTo>
+                  <a:pt x="426148" y="3709695"/>
+                  <a:pt x="413373" y="3706814"/>
+                  <a:pt x="403197" y="3699545"/>
+                </a:cubicBezTo>
+                <a:cubicBezTo>
+                  <a:pt x="393543" y="3692649"/>
+                  <a:pt x="387901" y="3680959"/>
+                  <a:pt x="378030" y="3674378"/>
+                </a:cubicBezTo>
+                <a:cubicBezTo>
+                  <a:pt x="370672" y="3669473"/>
+                  <a:pt x="360593" y="3670283"/>
+                  <a:pt x="352863" y="3665989"/>
+                </a:cubicBezTo>
+                <a:cubicBezTo>
+                  <a:pt x="335236" y="3656196"/>
+                  <a:pt x="319307" y="3643618"/>
+                  <a:pt x="302529" y="3632433"/>
+                </a:cubicBezTo>
+                <a:lnTo>
+                  <a:pt x="277362" y="3615655"/>
+                </a:lnTo>
+                <a:lnTo>
+                  <a:pt x="252195" y="3598877"/>
+                </a:lnTo>
+                <a:lnTo>
+                  <a:pt x="227028" y="3582099"/>
+                </a:lnTo>
+                <a:cubicBezTo>
+                  <a:pt x="207510" y="3543063"/>
+                  <a:pt x="207064" y="3538702"/>
+                  <a:pt x="176694" y="3498209"/>
+                </a:cubicBezTo>
+                <a:cubicBezTo>
+                  <a:pt x="168305" y="3487024"/>
+                  <a:pt x="158317" y="3476875"/>
+                  <a:pt x="151527" y="3464653"/>
+                </a:cubicBezTo>
+                <a:cubicBezTo>
+                  <a:pt x="144214" y="3451489"/>
+                  <a:pt x="141483" y="3436177"/>
+                  <a:pt x="134749" y="3422708"/>
+                </a:cubicBezTo>
+                <a:cubicBezTo>
+                  <a:pt x="130240" y="3413690"/>
+                  <a:pt x="122973" y="3406295"/>
+                  <a:pt x="117971" y="3397541"/>
+                </a:cubicBezTo>
+                <a:cubicBezTo>
+                  <a:pt x="111766" y="3386683"/>
+                  <a:pt x="107266" y="3374917"/>
+                  <a:pt x="101193" y="3363985"/>
+                </a:cubicBezTo>
+                <a:cubicBezTo>
+                  <a:pt x="93274" y="3349732"/>
+                  <a:pt x="82773" y="3336884"/>
+                  <a:pt x="76026" y="3322040"/>
+                </a:cubicBezTo>
+                <a:cubicBezTo>
+                  <a:pt x="68708" y="3305940"/>
+                  <a:pt x="64841" y="3288484"/>
+                  <a:pt x="59248" y="3271706"/>
+                </a:cubicBezTo>
+                <a:cubicBezTo>
+                  <a:pt x="39134" y="3211364"/>
+                  <a:pt x="63537" y="3286719"/>
+                  <a:pt x="42470" y="3212983"/>
+                </a:cubicBezTo>
+                <a:cubicBezTo>
+                  <a:pt x="40041" y="3204480"/>
+                  <a:pt x="36226" y="3196395"/>
+                  <a:pt x="34081" y="3187816"/>
+                </a:cubicBezTo>
+                <a:lnTo>
+                  <a:pt x="17303" y="3120704"/>
+                </a:lnTo>
+                <a:cubicBezTo>
+                  <a:pt x="14507" y="3089944"/>
+                  <a:pt x="13282" y="3059001"/>
+                  <a:pt x="8914" y="3028425"/>
+                </a:cubicBezTo>
+                <a:cubicBezTo>
+                  <a:pt x="7663" y="3019671"/>
+                  <a:pt x="525" y="3012101"/>
+                  <a:pt x="525" y="3003258"/>
+                </a:cubicBezTo>
+                <a:cubicBezTo>
+                  <a:pt x="525" y="2524833"/>
+                  <a:pt x="-4623" y="2851496"/>
+                  <a:pt x="17303" y="2676088"/>
+                </a:cubicBezTo>
+                <a:cubicBezTo>
+                  <a:pt x="33649" y="2545318"/>
+                  <a:pt x="16863" y="2636342"/>
+                  <a:pt x="34081" y="2550253"/>
+                </a:cubicBezTo>
+                <a:cubicBezTo>
+                  <a:pt x="36877" y="2519493"/>
+                  <a:pt x="38388" y="2488590"/>
+                  <a:pt x="42470" y="2457974"/>
+                </a:cubicBezTo>
+                <a:cubicBezTo>
+                  <a:pt x="43994" y="2446546"/>
+                  <a:pt x="48964" y="2435791"/>
+                  <a:pt x="50859" y="2424418"/>
+                </a:cubicBezTo>
+                <a:cubicBezTo>
+                  <a:pt x="57360" y="2385410"/>
+                  <a:pt x="55131" y="2344489"/>
+                  <a:pt x="67637" y="2306972"/>
+                </a:cubicBezTo>
+                <a:cubicBezTo>
+                  <a:pt x="88370" y="2244774"/>
+                  <a:pt x="76506" y="2272456"/>
+                  <a:pt x="101193" y="2223082"/>
+                </a:cubicBezTo>
+                <a:cubicBezTo>
+                  <a:pt x="103989" y="2206304"/>
+                  <a:pt x="106246" y="2189427"/>
+                  <a:pt x="109582" y="2172748"/>
+                </a:cubicBezTo>
+                <a:cubicBezTo>
+                  <a:pt x="115146" y="2144928"/>
+                  <a:pt x="125238" y="2115013"/>
+                  <a:pt x="134749" y="2088858"/>
+                </a:cubicBezTo>
+                <a:cubicBezTo>
+                  <a:pt x="139895" y="2074706"/>
+                  <a:pt x="144793" y="2060383"/>
+                  <a:pt x="151527" y="2046914"/>
+                </a:cubicBezTo>
+                <a:cubicBezTo>
+                  <a:pt x="156036" y="2037896"/>
+                  <a:pt x="163796" y="2030765"/>
+                  <a:pt x="168305" y="2021747"/>
+                </a:cubicBezTo>
+                <a:cubicBezTo>
+                  <a:pt x="184630" y="1989097"/>
+                  <a:pt x="168956" y="2000654"/>
+                  <a:pt x="185083" y="1963024"/>
+                </a:cubicBezTo>
+                <a:cubicBezTo>
+                  <a:pt x="189055" y="1953757"/>
+                  <a:pt x="196859" y="1946611"/>
+                  <a:pt x="201861" y="1937857"/>
+                </a:cubicBezTo>
+                <a:cubicBezTo>
+                  <a:pt x="208066" y="1926999"/>
+                  <a:pt x="214248" y="1916010"/>
+                  <a:pt x="218639" y="1904301"/>
+                </a:cubicBezTo>
+                <a:cubicBezTo>
+                  <a:pt x="222687" y="1893506"/>
+                  <a:pt x="222345" y="1881281"/>
+                  <a:pt x="227028" y="1870745"/>
+                </a:cubicBezTo>
+                <a:cubicBezTo>
+                  <a:pt x="233650" y="1855845"/>
+                  <a:pt x="244276" y="1843053"/>
+                  <a:pt x="252195" y="1828800"/>
+                </a:cubicBezTo>
+                <a:cubicBezTo>
+                  <a:pt x="258268" y="1817868"/>
+                  <a:pt x="263894" y="1806672"/>
+                  <a:pt x="268973" y="1795244"/>
+                </a:cubicBezTo>
+                <a:cubicBezTo>
+                  <a:pt x="275089" y="1781483"/>
+                  <a:pt x="280464" y="1767399"/>
+                  <a:pt x="285751" y="1753299"/>
+                </a:cubicBezTo>
+                <a:cubicBezTo>
+                  <a:pt x="288856" y="1745019"/>
+                  <a:pt x="290549" y="1736213"/>
+                  <a:pt x="294140" y="1728132"/>
+                </a:cubicBezTo>
+                <a:cubicBezTo>
+                  <a:pt x="301758" y="1710990"/>
+                  <a:pt x="309656" y="1693883"/>
+                  <a:pt x="319307" y="1677798"/>
+                </a:cubicBezTo>
+                <a:cubicBezTo>
+                  <a:pt x="326501" y="1665809"/>
+                  <a:pt x="337684" y="1656464"/>
+                  <a:pt x="344474" y="1644242"/>
+                </a:cubicBezTo>
+                <a:cubicBezTo>
+                  <a:pt x="406295" y="1532964"/>
+                  <a:pt x="331968" y="1652476"/>
+                  <a:pt x="369641" y="1577130"/>
+                </a:cubicBezTo>
+                <a:cubicBezTo>
+                  <a:pt x="376933" y="1562546"/>
+                  <a:pt x="387516" y="1549769"/>
+                  <a:pt x="394808" y="1535185"/>
+                </a:cubicBezTo>
+                <a:cubicBezTo>
+                  <a:pt x="398763" y="1527276"/>
+                  <a:pt x="398510" y="1517517"/>
+                  <a:pt x="403197" y="1510018"/>
+                </a:cubicBezTo>
+                <a:cubicBezTo>
+                  <a:pt x="412687" y="1494834"/>
+                  <a:pt x="427541" y="1483427"/>
+                  <a:pt x="436753" y="1468073"/>
+                </a:cubicBezTo>
+                <a:cubicBezTo>
+                  <a:pt x="444501" y="1455160"/>
+                  <a:pt x="445639" y="1438953"/>
+                  <a:pt x="453531" y="1426128"/>
+                </a:cubicBezTo>
+                <a:cubicBezTo>
+                  <a:pt x="468186" y="1402313"/>
+                  <a:pt x="503864" y="1359016"/>
+                  <a:pt x="503864" y="1359016"/>
+                </a:cubicBezTo>
+                <a:cubicBezTo>
+                  <a:pt x="510710" y="1338478"/>
+                  <a:pt x="516073" y="1318434"/>
+                  <a:pt x="529031" y="1300293"/>
+                </a:cubicBezTo>
+                <a:cubicBezTo>
+                  <a:pt x="535927" y="1290639"/>
+                  <a:pt x="545809" y="1283515"/>
+                  <a:pt x="554198" y="1275126"/>
+                </a:cubicBezTo>
+                <a:cubicBezTo>
+                  <a:pt x="574308" y="1214796"/>
+                  <a:pt x="545017" y="1290164"/>
+                  <a:pt x="612921" y="1199625"/>
+                </a:cubicBezTo>
+                <a:cubicBezTo>
+                  <a:pt x="621310" y="1188440"/>
+                  <a:pt x="628201" y="1175955"/>
+                  <a:pt x="638088" y="1166069"/>
+                </a:cubicBezTo>
+                <a:cubicBezTo>
+                  <a:pt x="715757" y="1088402"/>
+                  <a:pt x="605962" y="1220328"/>
+                  <a:pt x="688422" y="1124125"/>
+                </a:cubicBezTo>
+                <a:cubicBezTo>
+                  <a:pt x="776720" y="1021110"/>
+                  <a:pt x="603804" y="1200354"/>
+                  <a:pt x="780701" y="1023457"/>
+                </a:cubicBezTo>
+                <a:cubicBezTo>
+                  <a:pt x="791886" y="1012272"/>
+                  <a:pt x="801602" y="999392"/>
+                  <a:pt x="814257" y="989901"/>
+                </a:cubicBezTo>
+                <a:cubicBezTo>
+                  <a:pt x="825442" y="981512"/>
+                  <a:pt x="837926" y="974621"/>
+                  <a:pt x="847813" y="964734"/>
+                </a:cubicBezTo>
+                <a:cubicBezTo>
+                  <a:pt x="857700" y="954847"/>
+                  <a:pt x="863575" y="941524"/>
+                  <a:pt x="872980" y="931178"/>
+                </a:cubicBezTo>
+                <a:cubicBezTo>
+                  <a:pt x="891601" y="910695"/>
+                  <a:pt x="908670" y="887810"/>
+                  <a:pt x="931703" y="872455"/>
+                </a:cubicBezTo>
+                <a:cubicBezTo>
+                  <a:pt x="940092" y="866862"/>
+                  <a:pt x="949376" y="862422"/>
+                  <a:pt x="956870" y="855677"/>
+                </a:cubicBezTo>
+                <a:cubicBezTo>
+                  <a:pt x="977446" y="837159"/>
+                  <a:pt x="996019" y="816528"/>
+                  <a:pt x="1015593" y="796954"/>
+                </a:cubicBezTo>
+                <a:lnTo>
+                  <a:pt x="1049149" y="763398"/>
+                </a:lnTo>
+                <a:lnTo>
+                  <a:pt x="1074316" y="738231"/>
+                </a:lnTo>
+                <a:cubicBezTo>
+                  <a:pt x="1082705" y="729842"/>
+                  <a:pt x="1090219" y="720475"/>
+                  <a:pt x="1099483" y="713064"/>
+                </a:cubicBezTo>
+                <a:cubicBezTo>
+                  <a:pt x="1113465" y="701879"/>
+                  <a:pt x="1127104" y="690251"/>
+                  <a:pt x="1141428" y="679508"/>
+                </a:cubicBezTo>
+                <a:cubicBezTo>
+                  <a:pt x="1183244" y="648146"/>
+                  <a:pt x="1155613" y="677290"/>
+                  <a:pt x="1208540" y="629174"/>
+                </a:cubicBezTo>
+                <a:cubicBezTo>
+                  <a:pt x="1226097" y="613213"/>
+                  <a:pt x="1242096" y="595618"/>
+                  <a:pt x="1258874" y="578840"/>
+                </a:cubicBezTo>
+                <a:cubicBezTo>
+                  <a:pt x="1272856" y="564858"/>
+                  <a:pt x="1284367" y="547863"/>
+                  <a:pt x="1300819" y="536895"/>
+                </a:cubicBezTo>
+                <a:cubicBezTo>
+                  <a:pt x="1390743" y="476946"/>
+                  <a:pt x="1254273" y="570302"/>
+                  <a:pt x="1351153" y="494950"/>
+                </a:cubicBezTo>
+                <a:cubicBezTo>
+                  <a:pt x="1367070" y="482570"/>
+                  <a:pt x="1387228" y="475652"/>
+                  <a:pt x="1401486" y="461394"/>
+                </a:cubicBezTo>
+                <a:cubicBezTo>
+                  <a:pt x="1412671" y="450209"/>
+                  <a:pt x="1423032" y="438133"/>
+                  <a:pt x="1435042" y="427838"/>
+                </a:cubicBezTo>
+                <a:cubicBezTo>
+                  <a:pt x="1442697" y="421277"/>
+                  <a:pt x="1452673" y="417758"/>
+                  <a:pt x="1460209" y="411060"/>
+                </a:cubicBezTo>
+                <a:cubicBezTo>
+                  <a:pt x="1477943" y="395296"/>
+                  <a:pt x="1492015" y="375549"/>
+                  <a:pt x="1510543" y="360726"/>
+                </a:cubicBezTo>
+                <a:cubicBezTo>
+                  <a:pt x="1520308" y="352914"/>
+                  <a:pt x="1533549" y="350662"/>
+                  <a:pt x="1544099" y="343948"/>
+                </a:cubicBezTo>
+                <a:cubicBezTo>
+                  <a:pt x="1640587" y="282547"/>
+                  <a:pt x="1566973" y="315059"/>
+                  <a:pt x="1686712" y="251669"/>
+                </a:cubicBezTo>
+                <a:cubicBezTo>
+                  <a:pt x="1705533" y="241705"/>
+                  <a:pt x="1726644" y="236525"/>
+                  <a:pt x="1745435" y="226503"/>
+                </a:cubicBezTo>
+                <a:cubicBezTo>
+                  <a:pt x="1768712" y="214089"/>
+                  <a:pt x="1789320" y="197065"/>
+                  <a:pt x="1812547" y="184558"/>
+                </a:cubicBezTo>
+                <a:cubicBezTo>
+                  <a:pt x="1825806" y="177419"/>
+                  <a:pt x="1841233" y="174919"/>
+                  <a:pt x="1854492" y="167780"/>
+                </a:cubicBezTo>
+                <a:cubicBezTo>
+                  <a:pt x="1877719" y="155273"/>
+                  <a:pt x="1898009" y="137633"/>
+                  <a:pt x="1921604" y="125835"/>
+                </a:cubicBezTo>
+                <a:cubicBezTo>
+                  <a:pt x="1937422" y="117926"/>
+                  <a:pt x="1955777" y="116240"/>
+                  <a:pt x="1971938" y="109057"/>
+                </a:cubicBezTo>
+                <a:cubicBezTo>
+                  <a:pt x="1981151" y="104962"/>
+                  <a:pt x="1988351" y="97281"/>
+                  <a:pt x="1997105" y="92279"/>
+                </a:cubicBezTo>
+                <a:cubicBezTo>
+                  <a:pt x="2052751" y="60482"/>
+                  <a:pt x="2008770" y="87280"/>
+                  <a:pt x="2055828" y="67112"/>
+                </a:cubicBezTo>
+                <a:cubicBezTo>
+                  <a:pt x="2067322" y="62186"/>
+                  <a:pt x="2077956" y="55413"/>
+                  <a:pt x="2089384" y="50334"/>
+                </a:cubicBezTo>
+                <a:cubicBezTo>
+                  <a:pt x="2105340" y="43242"/>
+                  <a:pt x="2137126" y="30701"/>
+                  <a:pt x="2156496" y="25167"/>
+                </a:cubicBezTo>
+                <a:cubicBezTo>
+                  <a:pt x="2167582" y="22000"/>
+                  <a:pt x="2179009" y="20091"/>
+                  <a:pt x="2190052" y="16778"/>
+                </a:cubicBezTo>
+                <a:cubicBezTo>
+                  <a:pt x="2206992" y="11696"/>
+                  <a:pt x="2222700" y="0"/>
+                  <a:pt x="2240386" y="0"/>
+                </a:cubicBezTo>
+                <a:lnTo>
+                  <a:pt x="2341053" y="0"/>
+                </a:lnTo>
+              </a:path>
+            </a:pathLst>
+          </a:custGeom>
+          <a:noFill/>
+          <a:ln>
+            <a:prstDash val="sysDot"/>
+          </a:ln>
+        </p:spPr>
+        <p:style>
+          <a:lnRef idx="2">
+            <a:schemeClr val="accent1">
+              <a:shade val="50000"/>
+            </a:schemeClr>
+          </a:lnRef>
+          <a:fillRef idx="1">
+            <a:schemeClr val="accent1"/>
+          </a:fillRef>
+          <a:effectRef idx="0">
+            <a:schemeClr val="accent1"/>
+          </a:effectRef>
+          <a:fontRef idx="minor">
+            <a:schemeClr val="lt1"/>
+          </a:fontRef>
+        </p:style>
+        <p:txBody>
+          <a:bodyPr rtlCol="0" anchor="ctr"/>
+          <a:lstStyle/>
+          <a:p>
+            <a:pPr algn="ctr"/>
+            <a:endParaRPr lang="en-US"/>
+          </a:p>
+        </p:txBody>
+      </p:sp>
+      <p:sp>
+        <p:nvSpPr>
+          <p:cNvPr id="17" name="Freeform: Shape 16">
+            <a:extLst>
+              <a:ext uri="{FF2B5EF4-FFF2-40B4-BE49-F238E27FC236}">
+                <a16:creationId xmlns:a16="http://schemas.microsoft.com/office/drawing/2014/main" id="{4154D309-9BB8-4733-84DA-8418589EFB71}"/>
+              </a:ext>
+            </a:extLst>
+          </p:cNvPr>
+          <p:cNvSpPr/>
+          <p:nvPr/>
+        </p:nvSpPr>
+        <p:spPr>
+          <a:xfrm>
+            <a:off x="6518246" y="1123177"/>
+            <a:ext cx="3380763" cy="3784383"/>
+          </a:xfrm>
+          <a:custGeom>
+            <a:avLst/>
+            <a:gdLst>
+              <a:gd name="connsiteX0" fmla="*/ 2986481 w 3380763"/>
+              <a:gd name="connsiteY0" fmla="*/ 3784383 h 3784383"/>
+              <a:gd name="connsiteX1" fmla="*/ 3020037 w 3380763"/>
+              <a:gd name="connsiteY1" fmla="*/ 3742438 h 3784383"/>
+              <a:gd name="connsiteX2" fmla="*/ 3070371 w 3380763"/>
+              <a:gd name="connsiteY2" fmla="*/ 3692104 h 3784383"/>
+              <a:gd name="connsiteX3" fmla="*/ 3078760 w 3380763"/>
+              <a:gd name="connsiteY3" fmla="*/ 3666937 h 3784383"/>
+              <a:gd name="connsiteX4" fmla="*/ 3112315 w 3380763"/>
+              <a:gd name="connsiteY4" fmla="*/ 3599825 h 3784383"/>
+              <a:gd name="connsiteX5" fmla="*/ 3129093 w 3380763"/>
+              <a:gd name="connsiteY5" fmla="*/ 3549491 h 3784383"/>
+              <a:gd name="connsiteX6" fmla="*/ 3145871 w 3380763"/>
+              <a:gd name="connsiteY6" fmla="*/ 3515935 h 3784383"/>
+              <a:gd name="connsiteX7" fmla="*/ 3154260 w 3380763"/>
+              <a:gd name="connsiteY7" fmla="*/ 3482379 h 3784383"/>
+              <a:gd name="connsiteX8" fmla="*/ 3187816 w 3380763"/>
+              <a:gd name="connsiteY8" fmla="*/ 3432045 h 3784383"/>
+              <a:gd name="connsiteX9" fmla="*/ 3196205 w 3380763"/>
+              <a:gd name="connsiteY9" fmla="*/ 3390100 h 3784383"/>
+              <a:gd name="connsiteX10" fmla="*/ 3221372 w 3380763"/>
+              <a:gd name="connsiteY10" fmla="*/ 3348155 h 3784383"/>
+              <a:gd name="connsiteX11" fmla="*/ 3238150 w 3380763"/>
+              <a:gd name="connsiteY11" fmla="*/ 3314599 h 3784383"/>
+              <a:gd name="connsiteX12" fmla="*/ 3280095 w 3380763"/>
+              <a:gd name="connsiteY12" fmla="*/ 3230709 h 3784383"/>
+              <a:gd name="connsiteX13" fmla="*/ 3288484 w 3380763"/>
+              <a:gd name="connsiteY13" fmla="*/ 3197153 h 3784383"/>
+              <a:gd name="connsiteX14" fmla="*/ 3338818 w 3380763"/>
+              <a:gd name="connsiteY14" fmla="*/ 3104874 h 3784383"/>
+              <a:gd name="connsiteX15" fmla="*/ 3347207 w 3380763"/>
+              <a:gd name="connsiteY15" fmla="*/ 3062929 h 3784383"/>
+              <a:gd name="connsiteX16" fmla="*/ 3363985 w 3380763"/>
+              <a:gd name="connsiteY16" fmla="*/ 3012595 h 3784383"/>
+              <a:gd name="connsiteX17" fmla="*/ 3380763 w 3380763"/>
+              <a:gd name="connsiteY17" fmla="*/ 2945484 h 3784383"/>
+              <a:gd name="connsiteX18" fmla="*/ 3372374 w 3380763"/>
+              <a:gd name="connsiteY18" fmla="*/ 2542812 h 3784383"/>
+              <a:gd name="connsiteX19" fmla="*/ 3355596 w 3380763"/>
+              <a:gd name="connsiteY19" fmla="*/ 2433755 h 3784383"/>
+              <a:gd name="connsiteX20" fmla="*/ 3347207 w 3380763"/>
+              <a:gd name="connsiteY20" fmla="*/ 2400199 h 3784383"/>
+              <a:gd name="connsiteX21" fmla="*/ 3330429 w 3380763"/>
+              <a:gd name="connsiteY21" fmla="*/ 2274364 h 3784383"/>
+              <a:gd name="connsiteX22" fmla="*/ 3313651 w 3380763"/>
+              <a:gd name="connsiteY22" fmla="*/ 2224030 h 3784383"/>
+              <a:gd name="connsiteX23" fmla="*/ 3305262 w 3380763"/>
+              <a:gd name="connsiteY23" fmla="*/ 2198863 h 3784383"/>
+              <a:gd name="connsiteX24" fmla="*/ 3280095 w 3380763"/>
+              <a:gd name="connsiteY24" fmla="*/ 2081417 h 3784383"/>
+              <a:gd name="connsiteX25" fmla="*/ 3263317 w 3380763"/>
+              <a:gd name="connsiteY25" fmla="*/ 2022695 h 3784383"/>
+              <a:gd name="connsiteX26" fmla="*/ 3254928 w 3380763"/>
+              <a:gd name="connsiteY26" fmla="*/ 1997528 h 3784383"/>
+              <a:gd name="connsiteX27" fmla="*/ 3229761 w 3380763"/>
+              <a:gd name="connsiteY27" fmla="*/ 1955583 h 3784383"/>
+              <a:gd name="connsiteX28" fmla="*/ 3187816 w 3380763"/>
+              <a:gd name="connsiteY28" fmla="*/ 1838137 h 3784383"/>
+              <a:gd name="connsiteX29" fmla="*/ 3171038 w 3380763"/>
+              <a:gd name="connsiteY29" fmla="*/ 1812970 h 3784383"/>
+              <a:gd name="connsiteX30" fmla="*/ 3154260 w 3380763"/>
+              <a:gd name="connsiteY30" fmla="*/ 1771025 h 3784383"/>
+              <a:gd name="connsiteX31" fmla="*/ 3103926 w 3380763"/>
+              <a:gd name="connsiteY31" fmla="*/ 1678746 h 3784383"/>
+              <a:gd name="connsiteX32" fmla="*/ 3087148 w 3380763"/>
+              <a:gd name="connsiteY32" fmla="*/ 1645190 h 3784383"/>
+              <a:gd name="connsiteX33" fmla="*/ 3053593 w 3380763"/>
+              <a:gd name="connsiteY33" fmla="*/ 1611634 h 3784383"/>
+              <a:gd name="connsiteX34" fmla="*/ 3045204 w 3380763"/>
+              <a:gd name="connsiteY34" fmla="*/ 1586467 h 3784383"/>
+              <a:gd name="connsiteX35" fmla="*/ 3020037 w 3380763"/>
+              <a:gd name="connsiteY35" fmla="*/ 1552911 h 3784383"/>
+              <a:gd name="connsiteX36" fmla="*/ 2936147 w 3380763"/>
+              <a:gd name="connsiteY36" fmla="*/ 1477410 h 3784383"/>
+              <a:gd name="connsiteX37" fmla="*/ 2919369 w 3380763"/>
+              <a:gd name="connsiteY37" fmla="*/ 1452243 h 3784383"/>
+              <a:gd name="connsiteX38" fmla="*/ 2818701 w 3380763"/>
+              <a:gd name="connsiteY38" fmla="*/ 1351575 h 3784383"/>
+              <a:gd name="connsiteX39" fmla="*/ 2734811 w 3380763"/>
+              <a:gd name="connsiteY39" fmla="*/ 1267685 h 3784383"/>
+              <a:gd name="connsiteX40" fmla="*/ 2709644 w 3380763"/>
+              <a:gd name="connsiteY40" fmla="*/ 1242518 h 3784383"/>
+              <a:gd name="connsiteX41" fmla="*/ 2667699 w 3380763"/>
+              <a:gd name="connsiteY41" fmla="*/ 1208962 h 3784383"/>
+              <a:gd name="connsiteX42" fmla="*/ 2608976 w 3380763"/>
+              <a:gd name="connsiteY42" fmla="*/ 1167017 h 3784383"/>
+              <a:gd name="connsiteX43" fmla="*/ 2525086 w 3380763"/>
+              <a:gd name="connsiteY43" fmla="*/ 1091517 h 3784383"/>
+              <a:gd name="connsiteX44" fmla="*/ 2483141 w 3380763"/>
+              <a:gd name="connsiteY44" fmla="*/ 1049572 h 3784383"/>
+              <a:gd name="connsiteX45" fmla="*/ 2457974 w 3380763"/>
+              <a:gd name="connsiteY45" fmla="*/ 1024405 h 3784383"/>
+              <a:gd name="connsiteX46" fmla="*/ 2407640 w 3380763"/>
+              <a:gd name="connsiteY46" fmla="*/ 990849 h 3784383"/>
+              <a:gd name="connsiteX47" fmla="*/ 2315361 w 3380763"/>
+              <a:gd name="connsiteY47" fmla="*/ 915348 h 3784383"/>
+              <a:gd name="connsiteX48" fmla="*/ 2265027 w 3380763"/>
+              <a:gd name="connsiteY48" fmla="*/ 890181 h 3784383"/>
+              <a:gd name="connsiteX49" fmla="*/ 2239860 w 3380763"/>
+              <a:gd name="connsiteY49" fmla="*/ 865014 h 3784383"/>
+              <a:gd name="connsiteX50" fmla="*/ 2164360 w 3380763"/>
+              <a:gd name="connsiteY50" fmla="*/ 814680 h 3784383"/>
+              <a:gd name="connsiteX51" fmla="*/ 2055303 w 3380763"/>
+              <a:gd name="connsiteY51" fmla="*/ 747568 h 3784383"/>
+              <a:gd name="connsiteX52" fmla="*/ 1912690 w 3380763"/>
+              <a:gd name="connsiteY52" fmla="*/ 655289 h 3784383"/>
+              <a:gd name="connsiteX53" fmla="*/ 1812022 w 3380763"/>
+              <a:gd name="connsiteY53" fmla="*/ 588177 h 3784383"/>
+              <a:gd name="connsiteX54" fmla="*/ 1778466 w 3380763"/>
+              <a:gd name="connsiteY54" fmla="*/ 571399 h 3784383"/>
+              <a:gd name="connsiteX55" fmla="*/ 1753299 w 3380763"/>
+              <a:gd name="connsiteY55" fmla="*/ 554621 h 3784383"/>
+              <a:gd name="connsiteX56" fmla="*/ 1711354 w 3380763"/>
+              <a:gd name="connsiteY56" fmla="*/ 537843 h 3784383"/>
+              <a:gd name="connsiteX57" fmla="*/ 1677798 w 3380763"/>
+              <a:gd name="connsiteY57" fmla="*/ 512676 h 3784383"/>
+              <a:gd name="connsiteX58" fmla="*/ 1652631 w 3380763"/>
+              <a:gd name="connsiteY58" fmla="*/ 504287 h 3784383"/>
+              <a:gd name="connsiteX59" fmla="*/ 1619075 w 3380763"/>
+              <a:gd name="connsiteY59" fmla="*/ 487509 h 3784383"/>
+              <a:gd name="connsiteX60" fmla="*/ 1551963 w 3380763"/>
+              <a:gd name="connsiteY60" fmla="*/ 470731 h 3784383"/>
+              <a:gd name="connsiteX61" fmla="*/ 1459684 w 3380763"/>
+              <a:gd name="connsiteY61" fmla="*/ 420397 h 3784383"/>
+              <a:gd name="connsiteX62" fmla="*/ 1409350 w 3380763"/>
+              <a:gd name="connsiteY62" fmla="*/ 395230 h 3784383"/>
+              <a:gd name="connsiteX63" fmla="*/ 1342238 w 3380763"/>
+              <a:gd name="connsiteY63" fmla="*/ 378452 h 3784383"/>
+              <a:gd name="connsiteX64" fmla="*/ 1283515 w 3380763"/>
+              <a:gd name="connsiteY64" fmla="*/ 353285 h 3784383"/>
+              <a:gd name="connsiteX65" fmla="*/ 1249960 w 3380763"/>
+              <a:gd name="connsiteY65" fmla="*/ 336507 h 3784383"/>
+              <a:gd name="connsiteX66" fmla="*/ 1208015 w 3380763"/>
+              <a:gd name="connsiteY66" fmla="*/ 319729 h 3784383"/>
+              <a:gd name="connsiteX67" fmla="*/ 1174459 w 3380763"/>
+              <a:gd name="connsiteY67" fmla="*/ 302951 h 3784383"/>
+              <a:gd name="connsiteX68" fmla="*/ 1115736 w 3380763"/>
+              <a:gd name="connsiteY68" fmla="*/ 269395 h 3784383"/>
+              <a:gd name="connsiteX69" fmla="*/ 1031846 w 3380763"/>
+              <a:gd name="connsiteY69" fmla="*/ 244229 h 3784383"/>
+              <a:gd name="connsiteX70" fmla="*/ 989901 w 3380763"/>
+              <a:gd name="connsiteY70" fmla="*/ 227451 h 3784383"/>
+              <a:gd name="connsiteX71" fmla="*/ 964734 w 3380763"/>
+              <a:gd name="connsiteY71" fmla="*/ 219062 h 3784383"/>
+              <a:gd name="connsiteX72" fmla="*/ 914400 w 3380763"/>
+              <a:gd name="connsiteY72" fmla="*/ 193895 h 3784383"/>
+              <a:gd name="connsiteX73" fmla="*/ 855677 w 3380763"/>
+              <a:gd name="connsiteY73" fmla="*/ 168728 h 3784383"/>
+              <a:gd name="connsiteX74" fmla="*/ 822121 w 3380763"/>
+              <a:gd name="connsiteY74" fmla="*/ 143561 h 3784383"/>
+              <a:gd name="connsiteX75" fmla="*/ 755009 w 3380763"/>
+              <a:gd name="connsiteY75" fmla="*/ 126783 h 3784383"/>
+              <a:gd name="connsiteX76" fmla="*/ 704675 w 3380763"/>
+              <a:gd name="connsiteY76" fmla="*/ 101616 h 3784383"/>
+              <a:gd name="connsiteX77" fmla="*/ 595618 w 3380763"/>
+              <a:gd name="connsiteY77" fmla="*/ 84838 h 3784383"/>
+              <a:gd name="connsiteX78" fmla="*/ 461394 w 3380763"/>
+              <a:gd name="connsiteY78" fmla="*/ 59671 h 3784383"/>
+              <a:gd name="connsiteX79" fmla="*/ 436227 w 3380763"/>
+              <a:gd name="connsiteY79" fmla="*/ 51282 h 3784383"/>
+              <a:gd name="connsiteX80" fmla="*/ 302004 w 3380763"/>
+              <a:gd name="connsiteY80" fmla="*/ 42893 h 3784383"/>
+              <a:gd name="connsiteX81" fmla="*/ 167780 w 3380763"/>
+              <a:gd name="connsiteY81" fmla="*/ 17726 h 3784383"/>
+              <a:gd name="connsiteX82" fmla="*/ 109057 w 3380763"/>
+              <a:gd name="connsiteY82" fmla="*/ 948 h 3784383"/>
+              <a:gd name="connsiteX83" fmla="*/ 0 w 3380763"/>
+              <a:gd name="connsiteY83" fmla="*/ 948 h 3784383"/>
+            </a:gdLst>
+            <a:ahLst/>
+            <a:cxnLst>
+              <a:cxn ang="0">
+                <a:pos x="connsiteX0" y="connsiteY0"/>
+              </a:cxn>
+              <a:cxn ang="0">
+                <a:pos x="connsiteX1" y="connsiteY1"/>
+              </a:cxn>
+              <a:cxn ang="0">
+                <a:pos x="connsiteX2" y="connsiteY2"/>
+              </a:cxn>
+              <a:cxn ang="0">
+                <a:pos x="connsiteX3" y="connsiteY3"/>
+              </a:cxn>
+              <a:cxn ang="0">
+                <a:pos x="connsiteX4" y="connsiteY4"/>
+              </a:cxn>
+              <a:cxn ang="0">
+                <a:pos x="connsiteX5" y="connsiteY5"/>
+              </a:cxn>
+              <a:cxn ang="0">
+                <a:pos x="connsiteX6" y="connsiteY6"/>
+              </a:cxn>
+              <a:cxn ang="0">
+                <a:pos x="connsiteX7" y="connsiteY7"/>
+              </a:cxn>
+              <a:cxn ang="0">
+                <a:pos x="connsiteX8" y="connsiteY8"/>
+              </a:cxn>
+              <a:cxn ang="0">
+                <a:pos x="connsiteX9" y="connsiteY9"/>
+              </a:cxn>
+              <a:cxn ang="0">
+                <a:pos x="connsiteX10" y="connsiteY10"/>
+              </a:cxn>
+              <a:cxn ang="0">
+                <a:pos x="connsiteX11" y="connsiteY11"/>
+              </a:cxn>
+              <a:cxn ang="0">
+                <a:pos x="connsiteX12" y="connsiteY12"/>
+              </a:cxn>
+              <a:cxn ang="0">
+                <a:pos x="connsiteX13" y="connsiteY13"/>
+              </a:cxn>
+              <a:cxn ang="0">
+                <a:pos x="connsiteX14" y="connsiteY14"/>
+              </a:cxn>
+              <a:cxn ang="0">
+                <a:pos x="connsiteX15" y="connsiteY15"/>
+              </a:cxn>
+              <a:cxn ang="0">
+                <a:pos x="connsiteX16" y="connsiteY16"/>
+              </a:cxn>
+              <a:cxn ang="0">
+                <a:pos x="connsiteX17" y="connsiteY17"/>
+              </a:cxn>
+              <a:cxn ang="0">
+                <a:pos x="connsiteX18" y="connsiteY18"/>
+              </a:cxn>
+              <a:cxn ang="0">
+                <a:pos x="connsiteX19" y="connsiteY19"/>
+              </a:cxn>
+              <a:cxn ang="0">
+                <a:pos x="connsiteX20" y="connsiteY20"/>
+              </a:cxn>
+              <a:cxn ang="0">
+                <a:pos x="connsiteX21" y="connsiteY21"/>
+              </a:cxn>
+              <a:cxn ang="0">
+                <a:pos x="connsiteX22" y="connsiteY22"/>
+              </a:cxn>
+              <a:cxn ang="0">
+                <a:pos x="connsiteX23" y="connsiteY23"/>
+              </a:cxn>
+              <a:cxn ang="0">
+                <a:pos x="connsiteX24" y="connsiteY24"/>
+              </a:cxn>
+              <a:cxn ang="0">
+                <a:pos x="connsiteX25" y="connsiteY25"/>
+              </a:cxn>
+              <a:cxn ang="0">
+                <a:pos x="connsiteX26" y="connsiteY26"/>
+              </a:cxn>
+              <a:cxn ang="0">
+                <a:pos x="connsiteX27" y="connsiteY27"/>
+              </a:cxn>
+              <a:cxn ang="0">
+                <a:pos x="connsiteX28" y="connsiteY28"/>
+              </a:cxn>
+              <a:cxn ang="0">
+                <a:pos x="connsiteX29" y="connsiteY29"/>
+              </a:cxn>
+              <a:cxn ang="0">
+                <a:pos x="connsiteX30" y="connsiteY30"/>
+              </a:cxn>
+              <a:cxn ang="0">
+                <a:pos x="connsiteX31" y="connsiteY31"/>
+              </a:cxn>
+              <a:cxn ang="0">
+                <a:pos x="connsiteX32" y="connsiteY32"/>
+              </a:cxn>
+              <a:cxn ang="0">
+                <a:pos x="connsiteX33" y="connsiteY33"/>
+              </a:cxn>
+              <a:cxn ang="0">
+                <a:pos x="connsiteX34" y="connsiteY34"/>
+              </a:cxn>
+              <a:cxn ang="0">
+                <a:pos x="connsiteX35" y="connsiteY35"/>
+              </a:cxn>
+              <a:cxn ang="0">
+                <a:pos x="connsiteX36" y="connsiteY36"/>
+              </a:cxn>
+              <a:cxn ang="0">
+                <a:pos x="connsiteX37" y="connsiteY37"/>
+              </a:cxn>
+              <a:cxn ang="0">
+                <a:pos x="connsiteX38" y="connsiteY38"/>
+              </a:cxn>
+              <a:cxn ang="0">
+                <a:pos x="connsiteX39" y="connsiteY39"/>
+              </a:cxn>
+              <a:cxn ang="0">
+                <a:pos x="connsiteX40" y="connsiteY40"/>
+              </a:cxn>
+              <a:cxn ang="0">
+                <a:pos x="connsiteX41" y="connsiteY41"/>
+              </a:cxn>
+              <a:cxn ang="0">
+                <a:pos x="connsiteX42" y="connsiteY42"/>
+              </a:cxn>
+              <a:cxn ang="0">
+                <a:pos x="connsiteX43" y="connsiteY43"/>
+              </a:cxn>
+              <a:cxn ang="0">
+                <a:pos x="connsiteX44" y="connsiteY44"/>
+              </a:cxn>
+              <a:cxn ang="0">
+                <a:pos x="connsiteX45" y="connsiteY45"/>
+              </a:cxn>
+              <a:cxn ang="0">
+                <a:pos x="connsiteX46" y="connsiteY46"/>
+              </a:cxn>
+              <a:cxn ang="0">
+                <a:pos x="connsiteX47" y="connsiteY47"/>
+              </a:cxn>
+              <a:cxn ang="0">
+                <a:pos x="connsiteX48" y="connsiteY48"/>
+              </a:cxn>
+              <a:cxn ang="0">
+                <a:pos x="connsiteX49" y="connsiteY49"/>
+              </a:cxn>
+              <a:cxn ang="0">
+                <a:pos x="connsiteX50" y="connsiteY50"/>
+              </a:cxn>
+              <a:cxn ang="0">
+                <a:pos x="connsiteX51" y="connsiteY51"/>
+              </a:cxn>
+              <a:cxn ang="0">
+                <a:pos x="connsiteX52" y="connsiteY52"/>
+              </a:cxn>
+              <a:cxn ang="0">
+                <a:pos x="connsiteX53" y="connsiteY53"/>
+              </a:cxn>
+              <a:cxn ang="0">
+                <a:pos x="connsiteX54" y="connsiteY54"/>
+              </a:cxn>
+              <a:cxn ang="0">
+                <a:pos x="connsiteX55" y="connsiteY55"/>
+              </a:cxn>
+              <a:cxn ang="0">
+                <a:pos x="connsiteX56" y="connsiteY56"/>
+              </a:cxn>
+              <a:cxn ang="0">
+                <a:pos x="connsiteX57" y="connsiteY57"/>
+              </a:cxn>
+              <a:cxn ang="0">
+                <a:pos x="connsiteX58" y="connsiteY58"/>
+              </a:cxn>
+              <a:cxn ang="0">
+                <a:pos x="connsiteX59" y="connsiteY59"/>
+              </a:cxn>
+              <a:cxn ang="0">
+                <a:pos x="connsiteX60" y="connsiteY60"/>
+              </a:cxn>
+              <a:cxn ang="0">
+                <a:pos x="connsiteX61" y="connsiteY61"/>
+              </a:cxn>
+              <a:cxn ang="0">
+                <a:pos x="connsiteX62" y="connsiteY62"/>
+              </a:cxn>
+              <a:cxn ang="0">
+                <a:pos x="connsiteX63" y="connsiteY63"/>
+              </a:cxn>
+              <a:cxn ang="0">
+                <a:pos x="connsiteX64" y="connsiteY64"/>
+              </a:cxn>
+              <a:cxn ang="0">
+                <a:pos x="connsiteX65" y="connsiteY65"/>
+              </a:cxn>
+              <a:cxn ang="0">
+                <a:pos x="connsiteX66" y="connsiteY66"/>
+              </a:cxn>
+              <a:cxn ang="0">
+                <a:pos x="connsiteX67" y="connsiteY67"/>
+              </a:cxn>
+              <a:cxn ang="0">
+                <a:pos x="connsiteX68" y="connsiteY68"/>
+              </a:cxn>
+              <a:cxn ang="0">
+                <a:pos x="connsiteX69" y="connsiteY69"/>
+              </a:cxn>
+              <a:cxn ang="0">
+                <a:pos x="connsiteX70" y="connsiteY70"/>
+              </a:cxn>
+              <a:cxn ang="0">
+                <a:pos x="connsiteX71" y="connsiteY71"/>
+              </a:cxn>
+              <a:cxn ang="0">
+                <a:pos x="connsiteX72" y="connsiteY72"/>
+              </a:cxn>
+              <a:cxn ang="0">
+                <a:pos x="connsiteX73" y="connsiteY73"/>
+              </a:cxn>
+              <a:cxn ang="0">
+                <a:pos x="connsiteX74" y="connsiteY74"/>
+              </a:cxn>
+              <a:cxn ang="0">
+                <a:pos x="connsiteX75" y="connsiteY75"/>
+              </a:cxn>
+              <a:cxn ang="0">
+                <a:pos x="connsiteX76" y="connsiteY76"/>
+              </a:cxn>
+              <a:cxn ang="0">
+                <a:pos x="connsiteX77" y="connsiteY77"/>
+              </a:cxn>
+              <a:cxn ang="0">
+                <a:pos x="connsiteX78" y="connsiteY78"/>
+              </a:cxn>
+              <a:cxn ang="0">
+                <a:pos x="connsiteX79" y="connsiteY79"/>
+              </a:cxn>
+              <a:cxn ang="0">
+                <a:pos x="connsiteX80" y="connsiteY80"/>
+              </a:cxn>
+              <a:cxn ang="0">
+                <a:pos x="connsiteX81" y="connsiteY81"/>
+              </a:cxn>
+              <a:cxn ang="0">
+                <a:pos x="connsiteX82" y="connsiteY82"/>
+              </a:cxn>
+              <a:cxn ang="0">
+                <a:pos x="connsiteX83" y="connsiteY83"/>
+              </a:cxn>
+            </a:cxnLst>
+            <a:rect l="l" t="t" r="r" b="b"/>
+            <a:pathLst>
+              <a:path w="3380763" h="3784383">
+                <a:moveTo>
+                  <a:pt x="2986481" y="3784383"/>
+                </a:moveTo>
+                <a:cubicBezTo>
+                  <a:pt x="2997666" y="3770401"/>
+                  <a:pt x="3007993" y="3755687"/>
+                  <a:pt x="3020037" y="3742438"/>
+                </a:cubicBezTo>
+                <a:cubicBezTo>
+                  <a:pt x="3035998" y="3724881"/>
+                  <a:pt x="3070371" y="3692104"/>
+                  <a:pt x="3070371" y="3692104"/>
+                </a:cubicBezTo>
+                <a:cubicBezTo>
+                  <a:pt x="3073167" y="3683715"/>
+                  <a:pt x="3075101" y="3674987"/>
+                  <a:pt x="3078760" y="3666937"/>
+                </a:cubicBezTo>
+                <a:cubicBezTo>
+                  <a:pt x="3089109" y="3644168"/>
+                  <a:pt x="3104406" y="3623553"/>
+                  <a:pt x="3112315" y="3599825"/>
+                </a:cubicBezTo>
+                <a:cubicBezTo>
+                  <a:pt x="3117908" y="3583047"/>
+                  <a:pt x="3122525" y="3565912"/>
+                  <a:pt x="3129093" y="3549491"/>
+                </a:cubicBezTo>
+                <a:cubicBezTo>
+                  <a:pt x="3133737" y="3537880"/>
+                  <a:pt x="3141480" y="3527644"/>
+                  <a:pt x="3145871" y="3515935"/>
+                </a:cubicBezTo>
+                <a:cubicBezTo>
+                  <a:pt x="3149919" y="3505140"/>
+                  <a:pt x="3149104" y="3492691"/>
+                  <a:pt x="3154260" y="3482379"/>
+                </a:cubicBezTo>
+                <a:cubicBezTo>
+                  <a:pt x="3163278" y="3464343"/>
+                  <a:pt x="3187816" y="3432045"/>
+                  <a:pt x="3187816" y="3432045"/>
+                </a:cubicBezTo>
+                <a:cubicBezTo>
+                  <a:pt x="3190612" y="3418063"/>
+                  <a:pt x="3190910" y="3403339"/>
+                  <a:pt x="3196205" y="3390100"/>
+                </a:cubicBezTo>
+                <a:cubicBezTo>
+                  <a:pt x="3202261" y="3374961"/>
+                  <a:pt x="3213453" y="3362408"/>
+                  <a:pt x="3221372" y="3348155"/>
+                </a:cubicBezTo>
+                <a:cubicBezTo>
+                  <a:pt x="3227445" y="3337223"/>
+                  <a:pt x="3232975" y="3325984"/>
+                  <a:pt x="3238150" y="3314599"/>
+                </a:cubicBezTo>
+                <a:cubicBezTo>
+                  <a:pt x="3272839" y="3238284"/>
+                  <a:pt x="3248876" y="3277537"/>
+                  <a:pt x="3280095" y="3230709"/>
+                </a:cubicBezTo>
+                <a:cubicBezTo>
+                  <a:pt x="3282891" y="3219524"/>
+                  <a:pt x="3284202" y="3207858"/>
+                  <a:pt x="3288484" y="3197153"/>
+                </a:cubicBezTo>
+                <a:cubicBezTo>
+                  <a:pt x="3301468" y="3164694"/>
+                  <a:pt x="3320928" y="3134690"/>
+                  <a:pt x="3338818" y="3104874"/>
+                </a:cubicBezTo>
+                <a:cubicBezTo>
+                  <a:pt x="3341614" y="3090892"/>
+                  <a:pt x="3343455" y="3076685"/>
+                  <a:pt x="3347207" y="3062929"/>
+                </a:cubicBezTo>
+                <a:cubicBezTo>
+                  <a:pt x="3351860" y="3045867"/>
+                  <a:pt x="3359696" y="3029753"/>
+                  <a:pt x="3363985" y="3012595"/>
+                </a:cubicBezTo>
+                <a:lnTo>
+                  <a:pt x="3380763" y="2945484"/>
+                </a:lnTo>
+                <a:cubicBezTo>
+                  <a:pt x="3377967" y="2811260"/>
+                  <a:pt x="3377166" y="2676980"/>
+                  <a:pt x="3372374" y="2542812"/>
+                </a:cubicBezTo>
+                <a:cubicBezTo>
+                  <a:pt x="3371292" y="2512520"/>
+                  <a:pt x="3362666" y="2465572"/>
+                  <a:pt x="3355596" y="2433755"/>
+                </a:cubicBezTo>
+                <a:cubicBezTo>
+                  <a:pt x="3353095" y="2422500"/>
+                  <a:pt x="3349102" y="2411572"/>
+                  <a:pt x="3347207" y="2400199"/>
+                </a:cubicBezTo>
+                <a:cubicBezTo>
+                  <a:pt x="3344476" y="2383812"/>
+                  <a:pt x="3334893" y="2293708"/>
+                  <a:pt x="3330429" y="2274364"/>
+                </a:cubicBezTo>
+                <a:cubicBezTo>
+                  <a:pt x="3326452" y="2257131"/>
+                  <a:pt x="3319244" y="2240808"/>
+                  <a:pt x="3313651" y="2224030"/>
+                </a:cubicBezTo>
+                <a:cubicBezTo>
+                  <a:pt x="3310855" y="2215641"/>
+                  <a:pt x="3306716" y="2207585"/>
+                  <a:pt x="3305262" y="2198863"/>
+                </a:cubicBezTo>
+                <a:cubicBezTo>
+                  <a:pt x="3296166" y="2144288"/>
+                  <a:pt x="3296817" y="2139944"/>
+                  <a:pt x="3280095" y="2081417"/>
+                </a:cubicBezTo>
+                <a:cubicBezTo>
+                  <a:pt x="3274502" y="2061843"/>
+                  <a:pt x="3269167" y="2042194"/>
+                  <a:pt x="3263317" y="2022695"/>
+                </a:cubicBezTo>
+                <a:cubicBezTo>
+                  <a:pt x="3260776" y="2014225"/>
+                  <a:pt x="3258883" y="2005437"/>
+                  <a:pt x="3254928" y="1997528"/>
+                </a:cubicBezTo>
+                <a:cubicBezTo>
+                  <a:pt x="3247636" y="1982944"/>
+                  <a:pt x="3238150" y="1969565"/>
+                  <a:pt x="3229761" y="1955583"/>
+                </a:cubicBezTo>
+                <a:cubicBezTo>
+                  <a:pt x="3214182" y="1901057"/>
+                  <a:pt x="3213628" y="1889760"/>
+                  <a:pt x="3187816" y="1838137"/>
+                </a:cubicBezTo>
+                <a:cubicBezTo>
+                  <a:pt x="3183307" y="1829119"/>
+                  <a:pt x="3175547" y="1821988"/>
+                  <a:pt x="3171038" y="1812970"/>
+                </a:cubicBezTo>
+                <a:cubicBezTo>
+                  <a:pt x="3164304" y="1799501"/>
+                  <a:pt x="3160491" y="1784734"/>
+                  <a:pt x="3154260" y="1771025"/>
+                </a:cubicBezTo>
+                <a:cubicBezTo>
+                  <a:pt x="3124678" y="1705945"/>
+                  <a:pt x="3136243" y="1736917"/>
+                  <a:pt x="3103926" y="1678746"/>
+                </a:cubicBezTo>
+                <a:cubicBezTo>
+                  <a:pt x="3097853" y="1667814"/>
+                  <a:pt x="3094651" y="1655195"/>
+                  <a:pt x="3087148" y="1645190"/>
+                </a:cubicBezTo>
+                <a:cubicBezTo>
+                  <a:pt x="3077657" y="1632535"/>
+                  <a:pt x="3064778" y="1622819"/>
+                  <a:pt x="3053593" y="1611634"/>
+                </a:cubicBezTo>
+                <a:cubicBezTo>
+                  <a:pt x="3050797" y="1603245"/>
+                  <a:pt x="3049591" y="1594145"/>
+                  <a:pt x="3045204" y="1586467"/>
+                </a:cubicBezTo>
+                <a:cubicBezTo>
+                  <a:pt x="3038267" y="1574328"/>
+                  <a:pt x="3029442" y="1563257"/>
+                  <a:pt x="3020037" y="1552911"/>
+                </a:cubicBezTo>
+                <a:cubicBezTo>
+                  <a:pt x="2969381" y="1497190"/>
+                  <a:pt x="2978812" y="1505853"/>
+                  <a:pt x="2936147" y="1477410"/>
+                </a:cubicBezTo>
+                <a:cubicBezTo>
+                  <a:pt x="2930554" y="1469021"/>
+                  <a:pt x="2926182" y="1459675"/>
+                  <a:pt x="2919369" y="1452243"/>
+                </a:cubicBezTo>
+                <a:lnTo>
+                  <a:pt x="2818701" y="1351575"/>
+                </a:lnTo>
+                <a:lnTo>
+                  <a:pt x="2734811" y="1267685"/>
+                </a:lnTo>
+                <a:cubicBezTo>
+                  <a:pt x="2726422" y="1259296"/>
+                  <a:pt x="2718908" y="1249929"/>
+                  <a:pt x="2709644" y="1242518"/>
+                </a:cubicBezTo>
+                <a:cubicBezTo>
+                  <a:pt x="2695662" y="1231333"/>
+                  <a:pt x="2682023" y="1219705"/>
+                  <a:pt x="2667699" y="1208962"/>
+                </a:cubicBezTo>
+                <a:cubicBezTo>
+                  <a:pt x="2641635" y="1189414"/>
+                  <a:pt x="2635709" y="1191320"/>
+                  <a:pt x="2608976" y="1167017"/>
+                </a:cubicBezTo>
+                <a:cubicBezTo>
+                  <a:pt x="2518430" y="1084703"/>
+                  <a:pt x="2582280" y="1129646"/>
+                  <a:pt x="2525086" y="1091517"/>
+                </a:cubicBezTo>
+                <a:cubicBezTo>
+                  <a:pt x="2494326" y="1045378"/>
+                  <a:pt x="2525086" y="1084526"/>
+                  <a:pt x="2483141" y="1049572"/>
+                </a:cubicBezTo>
+                <a:cubicBezTo>
+                  <a:pt x="2474027" y="1041977"/>
+                  <a:pt x="2467339" y="1031689"/>
+                  <a:pt x="2457974" y="1024405"/>
+                </a:cubicBezTo>
+                <a:cubicBezTo>
+                  <a:pt x="2442057" y="1012025"/>
+                  <a:pt x="2421899" y="1005108"/>
+                  <a:pt x="2407640" y="990849"/>
+                </a:cubicBezTo>
+                <a:cubicBezTo>
+                  <a:pt x="2378950" y="962159"/>
+                  <a:pt x="2353663" y="934499"/>
+                  <a:pt x="2315361" y="915348"/>
+                </a:cubicBezTo>
+                <a:cubicBezTo>
+                  <a:pt x="2298583" y="906959"/>
+                  <a:pt x="2280635" y="900586"/>
+                  <a:pt x="2265027" y="890181"/>
+                </a:cubicBezTo>
+                <a:cubicBezTo>
+                  <a:pt x="2255156" y="883600"/>
+                  <a:pt x="2249225" y="872298"/>
+                  <a:pt x="2239860" y="865014"/>
+                </a:cubicBezTo>
+                <a:cubicBezTo>
+                  <a:pt x="2164439" y="806353"/>
+                  <a:pt x="2214653" y="852400"/>
+                  <a:pt x="2164360" y="814680"/>
+                </a:cubicBezTo>
+                <a:cubicBezTo>
+                  <a:pt x="2085201" y="755311"/>
+                  <a:pt x="2123211" y="774731"/>
+                  <a:pt x="2055303" y="747568"/>
+                </a:cubicBezTo>
+                <a:cubicBezTo>
+                  <a:pt x="1988649" y="680914"/>
+                  <a:pt x="2076936" y="764786"/>
+                  <a:pt x="1912690" y="655289"/>
+                </a:cubicBezTo>
+                <a:cubicBezTo>
+                  <a:pt x="1879134" y="632918"/>
+                  <a:pt x="1848094" y="606213"/>
+                  <a:pt x="1812022" y="588177"/>
+                </a:cubicBezTo>
+                <a:cubicBezTo>
+                  <a:pt x="1800837" y="582584"/>
+                  <a:pt x="1789324" y="577604"/>
+                  <a:pt x="1778466" y="571399"/>
+                </a:cubicBezTo>
+                <a:cubicBezTo>
+                  <a:pt x="1769712" y="566397"/>
+                  <a:pt x="1762317" y="559130"/>
+                  <a:pt x="1753299" y="554621"/>
+                </a:cubicBezTo>
+                <a:cubicBezTo>
+                  <a:pt x="1739830" y="547887"/>
+                  <a:pt x="1724518" y="545156"/>
+                  <a:pt x="1711354" y="537843"/>
+                </a:cubicBezTo>
+                <a:cubicBezTo>
+                  <a:pt x="1699132" y="531053"/>
+                  <a:pt x="1689937" y="519613"/>
+                  <a:pt x="1677798" y="512676"/>
+                </a:cubicBezTo>
+                <a:cubicBezTo>
+                  <a:pt x="1670120" y="508289"/>
+                  <a:pt x="1660759" y="507770"/>
+                  <a:pt x="1652631" y="504287"/>
+                </a:cubicBezTo>
+                <a:cubicBezTo>
+                  <a:pt x="1641137" y="499361"/>
+                  <a:pt x="1630569" y="492435"/>
+                  <a:pt x="1619075" y="487509"/>
+                </a:cubicBezTo>
+                <a:cubicBezTo>
+                  <a:pt x="1596504" y="477836"/>
+                  <a:pt x="1576582" y="475655"/>
+                  <a:pt x="1551963" y="470731"/>
+                </a:cubicBezTo>
+                <a:cubicBezTo>
+                  <a:pt x="1500397" y="444948"/>
+                  <a:pt x="1506108" y="449412"/>
+                  <a:pt x="1459684" y="420397"/>
+                </a:cubicBezTo>
+                <a:cubicBezTo>
+                  <a:pt x="1430125" y="401923"/>
+                  <a:pt x="1441481" y="403993"/>
+                  <a:pt x="1409350" y="395230"/>
+                </a:cubicBezTo>
+                <a:cubicBezTo>
+                  <a:pt x="1387103" y="389163"/>
+                  <a:pt x="1342238" y="378452"/>
+                  <a:pt x="1342238" y="378452"/>
+                </a:cubicBezTo>
+                <a:cubicBezTo>
+                  <a:pt x="1291235" y="344450"/>
+                  <a:pt x="1345427" y="376502"/>
+                  <a:pt x="1283515" y="353285"/>
+                </a:cubicBezTo>
+                <a:cubicBezTo>
+                  <a:pt x="1271806" y="348894"/>
+                  <a:pt x="1261387" y="341586"/>
+                  <a:pt x="1249960" y="336507"/>
+                </a:cubicBezTo>
+                <a:cubicBezTo>
+                  <a:pt x="1236199" y="330391"/>
+                  <a:pt x="1221776" y="325845"/>
+                  <a:pt x="1208015" y="319729"/>
+                </a:cubicBezTo>
+                <a:cubicBezTo>
+                  <a:pt x="1196587" y="314650"/>
+                  <a:pt x="1185317" y="309156"/>
+                  <a:pt x="1174459" y="302951"/>
+                </a:cubicBezTo>
+                <a:cubicBezTo>
+                  <a:pt x="1139147" y="282773"/>
+                  <a:pt x="1157987" y="286296"/>
+                  <a:pt x="1115736" y="269395"/>
+                </a:cubicBezTo>
+                <a:cubicBezTo>
+                  <a:pt x="1018484" y="230494"/>
+                  <a:pt x="1106016" y="268951"/>
+                  <a:pt x="1031846" y="244229"/>
+                </a:cubicBezTo>
+                <a:cubicBezTo>
+                  <a:pt x="1017560" y="239467"/>
+                  <a:pt x="1004001" y="232738"/>
+                  <a:pt x="989901" y="227451"/>
+                </a:cubicBezTo>
+                <a:cubicBezTo>
+                  <a:pt x="981621" y="224346"/>
+                  <a:pt x="972815" y="222653"/>
+                  <a:pt x="964734" y="219062"/>
+                </a:cubicBezTo>
+                <a:cubicBezTo>
+                  <a:pt x="947592" y="211444"/>
+                  <a:pt x="931432" y="201756"/>
+                  <a:pt x="914400" y="193895"/>
+                </a:cubicBezTo>
+                <a:cubicBezTo>
+                  <a:pt x="895064" y="184971"/>
+                  <a:pt x="874373" y="178926"/>
+                  <a:pt x="855677" y="168728"/>
+                </a:cubicBezTo>
+                <a:cubicBezTo>
+                  <a:pt x="843403" y="162033"/>
+                  <a:pt x="834260" y="150498"/>
+                  <a:pt x="822121" y="143561"/>
+                </a:cubicBezTo>
+                <a:cubicBezTo>
+                  <a:pt x="807206" y="135038"/>
+                  <a:pt x="767282" y="129851"/>
+                  <a:pt x="755009" y="126783"/>
+                </a:cubicBezTo>
+                <a:cubicBezTo>
+                  <a:pt x="640905" y="98257"/>
+                  <a:pt x="827698" y="142624"/>
+                  <a:pt x="704675" y="101616"/>
+                </a:cubicBezTo>
+                <a:cubicBezTo>
+                  <a:pt x="695945" y="98706"/>
+                  <a:pt x="600143" y="85484"/>
+                  <a:pt x="595618" y="84838"/>
+                </a:cubicBezTo>
+                <a:cubicBezTo>
+                  <a:pt x="499463" y="52786"/>
+                  <a:pt x="593328" y="79969"/>
+                  <a:pt x="461394" y="59671"/>
+                </a:cubicBezTo>
+                <a:cubicBezTo>
+                  <a:pt x="452654" y="58326"/>
+                  <a:pt x="445021" y="52208"/>
+                  <a:pt x="436227" y="51282"/>
+                </a:cubicBezTo>
+                <a:cubicBezTo>
+                  <a:pt x="391645" y="46589"/>
+                  <a:pt x="346745" y="45689"/>
+                  <a:pt x="302004" y="42893"/>
+                </a:cubicBezTo>
+                <a:cubicBezTo>
+                  <a:pt x="271530" y="37814"/>
+                  <a:pt x="187894" y="24431"/>
+                  <a:pt x="167780" y="17726"/>
+                </a:cubicBezTo>
+                <a:cubicBezTo>
+                  <a:pt x="154181" y="13193"/>
+                  <a:pt x="121848" y="1700"/>
+                  <a:pt x="109057" y="948"/>
+                </a:cubicBezTo>
+                <a:cubicBezTo>
+                  <a:pt x="72767" y="-1187"/>
+                  <a:pt x="36352" y="948"/>
+                  <a:pt x="0" y="948"/>
+                </a:cubicBezTo>
+              </a:path>
+            </a:pathLst>
+          </a:custGeom>
+          <a:noFill/>
+          <a:ln>
+            <a:prstDash val="sysDot"/>
+          </a:ln>
+        </p:spPr>
+        <p:style>
+          <a:lnRef idx="2">
+            <a:schemeClr val="accent1">
+              <a:shade val="50000"/>
+            </a:schemeClr>
+          </a:lnRef>
+          <a:fillRef idx="1">
+            <a:schemeClr val="accent1"/>
+          </a:fillRef>
+          <a:effectRef idx="0">
+            <a:schemeClr val="accent1"/>
+          </a:effectRef>
+          <a:fontRef idx="minor">
+            <a:schemeClr val="lt1"/>
+          </a:fontRef>
+        </p:style>
+        <p:txBody>
+          <a:bodyPr rtlCol="0" anchor="ctr"/>
+          <a:lstStyle/>
+          <a:p>
+            <a:pPr algn="ctr"/>
+            <a:endParaRPr lang="en-US"/>
+          </a:p>
+        </p:txBody>
+      </p:sp>
+      <p:sp>
+        <p:nvSpPr>
+          <p:cNvPr id="18" name="TextBox 17">
+            <a:extLst>
+              <a:ext uri="{FF2B5EF4-FFF2-40B4-BE49-F238E27FC236}">
+                <a16:creationId xmlns:a16="http://schemas.microsoft.com/office/drawing/2014/main" id="{AFFA0962-670E-4B6F-B5B8-5B447FC828EC}"/>
+              </a:ext>
+            </a:extLst>
+          </p:cNvPr>
+          <p:cNvSpPr txBox="1"/>
+          <p:nvPr/>
+        </p:nvSpPr>
+        <p:spPr>
+          <a:xfrm>
+            <a:off x="2004969" y="3271706"/>
+            <a:ext cx="1152047" cy="276999"/>
+          </a:xfrm>
+          <a:prstGeom prst="rect">
+            <a:avLst/>
+          </a:prstGeom>
+          <a:noFill/>
+        </p:spPr>
+        <p:txBody>
+          <a:bodyPr wrap="none" rtlCol="0">
+            <a:spAutoFit/>
+          </a:bodyPr>
+          <a:lstStyle/>
+          <a:p>
+            <a:r>
+              <a:rPr lang="en-US" sz="1200" dirty="0" err="1"/>
+              <a:t>Kubeadm</a:t>
+            </a:r>
+            <a:r>
+              <a:rPr lang="en-US" sz="1200" dirty="0"/>
+              <a:t> join…</a:t>
+            </a:r>
+            <a:endParaRPr lang="en-US" dirty="0"/>
+          </a:p>
+        </p:txBody>
+      </p:sp>
+      <p:sp>
+        <p:nvSpPr>
+          <p:cNvPr id="19" name="TextBox 18">
+            <a:extLst>
+              <a:ext uri="{FF2B5EF4-FFF2-40B4-BE49-F238E27FC236}">
+                <a16:creationId xmlns:a16="http://schemas.microsoft.com/office/drawing/2014/main" id="{2770170F-F883-4E71-8ACB-578134EF6EA3}"/>
+              </a:ext>
+            </a:extLst>
+          </p:cNvPr>
+          <p:cNvSpPr txBox="1"/>
+          <p:nvPr/>
+        </p:nvSpPr>
+        <p:spPr>
+          <a:xfrm>
+            <a:off x="9170573" y="3256326"/>
+            <a:ext cx="1152047" cy="276999"/>
+          </a:xfrm>
+          <a:prstGeom prst="rect">
+            <a:avLst/>
+          </a:prstGeom>
+          <a:noFill/>
+        </p:spPr>
+        <p:txBody>
+          <a:bodyPr wrap="none" rtlCol="0">
+            <a:spAutoFit/>
+          </a:bodyPr>
+          <a:lstStyle/>
+          <a:p>
+            <a:r>
+              <a:rPr lang="en-US" sz="1200" dirty="0" err="1"/>
+              <a:t>Kubeadm</a:t>
+            </a:r>
+            <a:r>
+              <a:rPr lang="en-US" sz="1200" dirty="0"/>
+              <a:t> join…</a:t>
+            </a:r>
+            <a:endParaRPr lang="en-US" dirty="0"/>
+          </a:p>
+        </p:txBody>
+      </p:sp>
+      <p:sp>
+        <p:nvSpPr>
+          <p:cNvPr id="21" name="Isosceles Triangle 20">
+            <a:extLst>
+              <a:ext uri="{FF2B5EF4-FFF2-40B4-BE49-F238E27FC236}">
+                <a16:creationId xmlns:a16="http://schemas.microsoft.com/office/drawing/2014/main" id="{D68384B9-6940-4F9F-BBD3-FD527F35BAE8}"/>
+              </a:ext>
+            </a:extLst>
+          </p:cNvPr>
+          <p:cNvSpPr/>
+          <p:nvPr/>
+        </p:nvSpPr>
+        <p:spPr>
+          <a:xfrm>
+            <a:off x="1140944" y="1282543"/>
+            <a:ext cx="461353" cy="512701"/>
+          </a:xfrm>
+          <a:prstGeom prst="triangle">
+            <a:avLst/>
+          </a:prstGeom>
+        </p:spPr>
+        <p:style>
+          <a:lnRef idx="2">
+            <a:schemeClr val="accent1">
+              <a:shade val="50000"/>
+            </a:schemeClr>
+          </a:lnRef>
+          <a:fillRef idx="1">
+            <a:schemeClr val="accent1"/>
+          </a:fillRef>
+          <a:effectRef idx="0">
+            <a:schemeClr val="accent1"/>
+          </a:effectRef>
+          <a:fontRef idx="minor">
+            <a:schemeClr val="lt1"/>
+          </a:fontRef>
+        </p:style>
+        <p:txBody>
+          <a:bodyPr rtlCol="0" anchor="ctr"/>
+          <a:lstStyle/>
+          <a:p>
+            <a:pPr algn="ctr"/>
+            <a:endParaRPr lang="en-US"/>
+          </a:p>
+        </p:txBody>
+      </p:sp>
+      <p:sp>
+        <p:nvSpPr>
+          <p:cNvPr id="20" name="Rectangle 19">
+            <a:extLst>
+              <a:ext uri="{FF2B5EF4-FFF2-40B4-BE49-F238E27FC236}">
+                <a16:creationId xmlns:a16="http://schemas.microsoft.com/office/drawing/2014/main" id="{8DE83541-915B-4120-8F6B-D10FFE43DD20}"/>
+              </a:ext>
+            </a:extLst>
+          </p:cNvPr>
+          <p:cNvSpPr/>
+          <p:nvPr/>
+        </p:nvSpPr>
+        <p:spPr>
+          <a:xfrm>
+            <a:off x="469783" y="436228"/>
+            <a:ext cx="1823208" cy="1166069"/>
+          </a:xfrm>
+          <a:prstGeom prst="rect">
+            <a:avLst/>
+          </a:prstGeom>
+        </p:spPr>
+        <p:style>
+          <a:lnRef idx="2">
+            <a:schemeClr val="accent1">
+              <a:shade val="50000"/>
+            </a:schemeClr>
+          </a:lnRef>
+          <a:fillRef idx="1">
+            <a:schemeClr val="accent1"/>
+          </a:fillRef>
+          <a:effectRef idx="0">
+            <a:schemeClr val="accent1"/>
+          </a:effectRef>
+          <a:fontRef idx="minor">
+            <a:schemeClr val="lt1"/>
+          </a:fontRef>
+        </p:style>
+        <p:txBody>
+          <a:bodyPr rtlCol="0" anchor="ctr"/>
+          <a:lstStyle/>
+          <a:p>
+            <a:pPr algn="ctr"/>
+            <a:r>
+              <a:rPr lang="en-US" sz="1200" dirty="0" err="1"/>
+              <a:t>Kubectl</a:t>
+            </a:r>
+            <a:r>
+              <a:rPr lang="en-US" sz="1200" dirty="0"/>
+              <a:t> apply –f </a:t>
+            </a:r>
+            <a:r>
+              <a:rPr lang="en-US" sz="1200" dirty="0" err="1"/>
+              <a:t>dep.yml</a:t>
+            </a:r>
+            <a:endParaRPr lang="en-US" dirty="0"/>
+          </a:p>
+        </p:txBody>
+      </p:sp>
+      <p:cxnSp>
+        <p:nvCxnSpPr>
+          <p:cNvPr id="23" name="Straight Arrow Connector 22">
+            <a:extLst>
+              <a:ext uri="{FF2B5EF4-FFF2-40B4-BE49-F238E27FC236}">
+                <a16:creationId xmlns:a16="http://schemas.microsoft.com/office/drawing/2014/main" id="{44B16E75-654E-43F6-9B1E-7F6681A10EB4}"/>
+              </a:ext>
+            </a:extLst>
+          </p:cNvPr>
+          <p:cNvCxnSpPr>
+            <a:stCxn id="20" idx="3"/>
+            <a:endCxn id="12" idx="1"/>
+          </p:cNvCxnSpPr>
+          <p:nvPr/>
+        </p:nvCxnSpPr>
+        <p:spPr>
+          <a:xfrm>
+            <a:off x="2292991" y="1019263"/>
+            <a:ext cx="2782349" cy="78614"/>
+          </a:xfrm>
+          <a:prstGeom prst="straightConnector1">
+            <a:avLst/>
+          </a:prstGeom>
+          <a:ln>
+            <a:tailEnd type="triangle"/>
+          </a:ln>
+        </p:spPr>
+        <p:style>
+          <a:lnRef idx="1">
+            <a:schemeClr val="accent1"/>
+          </a:lnRef>
+          <a:fillRef idx="0">
+            <a:schemeClr val="accent1"/>
+          </a:fillRef>
+          <a:effectRef idx="0">
+            <a:schemeClr val="accent1"/>
+          </a:effectRef>
+          <a:fontRef idx="minor">
+            <a:schemeClr val="tx1"/>
+          </a:fontRef>
+        </p:style>
+      </p:cxnSp>
+      <p:sp>
+        <p:nvSpPr>
+          <p:cNvPr id="24" name="TextBox 23">
+            <a:extLst>
+              <a:ext uri="{FF2B5EF4-FFF2-40B4-BE49-F238E27FC236}">
+                <a16:creationId xmlns:a16="http://schemas.microsoft.com/office/drawing/2014/main" id="{825D99B8-2E38-4906-A506-47F02AA83190}"/>
+              </a:ext>
+            </a:extLst>
+          </p:cNvPr>
+          <p:cNvSpPr txBox="1"/>
+          <p:nvPr/>
+        </p:nvSpPr>
+        <p:spPr>
+          <a:xfrm>
+            <a:off x="2608976" y="895028"/>
+            <a:ext cx="301686" cy="369332"/>
+          </a:xfrm>
+          <a:prstGeom prst="rect">
+            <a:avLst/>
+          </a:prstGeom>
+          <a:noFill/>
+        </p:spPr>
+        <p:txBody>
+          <a:bodyPr wrap="none" rtlCol="0">
+            <a:spAutoFit/>
+          </a:bodyPr>
+          <a:lstStyle/>
+          <a:p>
+            <a:r>
+              <a:rPr lang="en-US" dirty="0"/>
+              <a:t>1</a:t>
+            </a:r>
+          </a:p>
+        </p:txBody>
+      </p:sp>
+      <p:cxnSp>
+        <p:nvCxnSpPr>
+          <p:cNvPr id="27" name="Straight Arrow Connector 26">
+            <a:extLst>
+              <a:ext uri="{FF2B5EF4-FFF2-40B4-BE49-F238E27FC236}">
+                <a16:creationId xmlns:a16="http://schemas.microsoft.com/office/drawing/2014/main" id="{F6515824-B838-48D6-B320-A0BE303CF0CB}"/>
+              </a:ext>
+            </a:extLst>
+          </p:cNvPr>
+          <p:cNvCxnSpPr>
+            <a:stCxn id="12" idx="2"/>
+          </p:cNvCxnSpPr>
+          <p:nvPr/>
+        </p:nvCxnSpPr>
+        <p:spPr>
+          <a:xfrm>
+            <a:off x="5859711" y="1282543"/>
+            <a:ext cx="12583" cy="319754"/>
+          </a:xfrm>
+          <a:prstGeom prst="straightConnector1">
+            <a:avLst/>
+          </a:prstGeom>
+          <a:ln>
+            <a:tailEnd type="triangle"/>
+          </a:ln>
+        </p:spPr>
+        <p:style>
+          <a:lnRef idx="1">
+            <a:schemeClr val="accent1"/>
+          </a:lnRef>
+          <a:fillRef idx="0">
+            <a:schemeClr val="accent1"/>
+          </a:fillRef>
+          <a:effectRef idx="0">
+            <a:schemeClr val="accent1"/>
+          </a:effectRef>
+          <a:fontRef idx="minor">
+            <a:schemeClr val="tx1"/>
+          </a:fontRef>
+        </p:style>
+      </p:cxnSp>
+      <p:sp>
+        <p:nvSpPr>
+          <p:cNvPr id="28" name="TextBox 27">
+            <a:extLst>
+              <a:ext uri="{FF2B5EF4-FFF2-40B4-BE49-F238E27FC236}">
+                <a16:creationId xmlns:a16="http://schemas.microsoft.com/office/drawing/2014/main" id="{A8FC61FF-F2C1-4718-8D39-5327B15C70DC}"/>
+              </a:ext>
+            </a:extLst>
+          </p:cNvPr>
+          <p:cNvSpPr txBox="1"/>
+          <p:nvPr/>
+        </p:nvSpPr>
+        <p:spPr>
+          <a:xfrm>
+            <a:off x="4857226" y="1585627"/>
+            <a:ext cx="2097247" cy="584775"/>
+          </a:xfrm>
+          <a:prstGeom prst="rect">
+            <a:avLst/>
+          </a:prstGeom>
+          <a:noFill/>
+        </p:spPr>
+        <p:txBody>
+          <a:bodyPr wrap="square" rtlCol="0">
+            <a:spAutoFit/>
+          </a:bodyPr>
+          <a:lstStyle/>
+          <a:p>
+            <a:r>
+              <a:rPr lang="en-US" dirty="0"/>
+              <a:t>Controller-manager</a:t>
+            </a:r>
+          </a:p>
+          <a:p>
+            <a:r>
+              <a:rPr lang="en-US" sz="1400" dirty="0"/>
+              <a:t>(dep, </a:t>
+            </a:r>
+            <a:r>
+              <a:rPr lang="en-US" sz="1400" dirty="0" err="1"/>
+              <a:t>rc,rs</a:t>
+            </a:r>
+            <a:r>
+              <a:rPr lang="en-US" sz="1400" dirty="0"/>
+              <a:t>, pod-def)</a:t>
+            </a:r>
+            <a:endParaRPr lang="en-US" dirty="0"/>
+          </a:p>
+        </p:txBody>
+      </p:sp>
+      <p:sp>
+        <p:nvSpPr>
+          <p:cNvPr id="29" name="TextBox 28">
+            <a:extLst>
+              <a:ext uri="{FF2B5EF4-FFF2-40B4-BE49-F238E27FC236}">
+                <a16:creationId xmlns:a16="http://schemas.microsoft.com/office/drawing/2014/main" id="{8935E335-5131-4695-8568-4C3C57B858C0}"/>
+              </a:ext>
+            </a:extLst>
+          </p:cNvPr>
+          <p:cNvSpPr txBox="1"/>
+          <p:nvPr/>
+        </p:nvSpPr>
+        <p:spPr>
+          <a:xfrm>
+            <a:off x="5663970" y="1215208"/>
+            <a:ext cx="301686" cy="369332"/>
+          </a:xfrm>
+          <a:prstGeom prst="rect">
+            <a:avLst/>
+          </a:prstGeom>
+          <a:noFill/>
+        </p:spPr>
+        <p:txBody>
+          <a:bodyPr wrap="none" rtlCol="0">
+            <a:spAutoFit/>
+          </a:bodyPr>
+          <a:lstStyle/>
+          <a:p>
+            <a:r>
+              <a:rPr lang="en-US" dirty="0"/>
+              <a:t>2</a:t>
+            </a:r>
+          </a:p>
+        </p:txBody>
+      </p:sp>
+      <p:sp>
+        <p:nvSpPr>
+          <p:cNvPr id="30" name="TextBox 29">
+            <a:extLst>
+              <a:ext uri="{FF2B5EF4-FFF2-40B4-BE49-F238E27FC236}">
+                <a16:creationId xmlns:a16="http://schemas.microsoft.com/office/drawing/2014/main" id="{C2760803-D8FC-48DD-8D78-1A6CDDB8409B}"/>
+              </a:ext>
+            </a:extLst>
+          </p:cNvPr>
+          <p:cNvSpPr txBox="1"/>
+          <p:nvPr/>
+        </p:nvSpPr>
+        <p:spPr>
+          <a:xfrm>
+            <a:off x="5314862" y="2422553"/>
+            <a:ext cx="1181973" cy="369332"/>
+          </a:xfrm>
+          <a:prstGeom prst="rect">
+            <a:avLst/>
+          </a:prstGeom>
+          <a:noFill/>
+        </p:spPr>
+        <p:txBody>
+          <a:bodyPr wrap="square" rtlCol="0">
+            <a:spAutoFit/>
+          </a:bodyPr>
+          <a:lstStyle/>
+          <a:p>
+            <a:r>
+              <a:rPr lang="en-US" dirty="0"/>
+              <a:t>scheduler</a:t>
+            </a:r>
+          </a:p>
+        </p:txBody>
+      </p:sp>
+      <p:cxnSp>
+        <p:nvCxnSpPr>
+          <p:cNvPr id="32" name="Straight Arrow Connector 31">
+            <a:extLst>
+              <a:ext uri="{FF2B5EF4-FFF2-40B4-BE49-F238E27FC236}">
+                <a16:creationId xmlns:a16="http://schemas.microsoft.com/office/drawing/2014/main" id="{0A45F85F-C170-4166-9B3F-F730A059C224}"/>
+              </a:ext>
+            </a:extLst>
+          </p:cNvPr>
+          <p:cNvCxnSpPr>
+            <a:cxnSpLocks/>
+            <a:stCxn id="28" idx="2"/>
+            <a:endCxn id="30" idx="0"/>
+          </p:cNvCxnSpPr>
+          <p:nvPr/>
+        </p:nvCxnSpPr>
+        <p:spPr>
+          <a:xfrm flipH="1">
+            <a:off x="5905849" y="2170402"/>
+            <a:ext cx="1" cy="252151"/>
+          </a:xfrm>
+          <a:prstGeom prst="straightConnector1">
+            <a:avLst/>
+          </a:prstGeom>
+          <a:ln>
+            <a:tailEnd type="triangle"/>
+          </a:ln>
+        </p:spPr>
+        <p:style>
+          <a:lnRef idx="1">
+            <a:schemeClr val="accent1"/>
+          </a:lnRef>
+          <a:fillRef idx="0">
+            <a:schemeClr val="accent1"/>
+          </a:fillRef>
+          <a:effectRef idx="0">
+            <a:schemeClr val="accent1"/>
+          </a:effectRef>
+          <a:fontRef idx="minor">
+            <a:schemeClr val="tx1"/>
+          </a:fontRef>
+        </p:style>
+      </p:cxnSp>
+      <p:cxnSp>
+        <p:nvCxnSpPr>
+          <p:cNvPr id="36" name="Straight Arrow Connector 35">
+            <a:extLst>
+              <a:ext uri="{FF2B5EF4-FFF2-40B4-BE49-F238E27FC236}">
+                <a16:creationId xmlns:a16="http://schemas.microsoft.com/office/drawing/2014/main" id="{1B878BCD-D15D-498F-93C3-32C29732387A}"/>
+              </a:ext>
+            </a:extLst>
+          </p:cNvPr>
+          <p:cNvCxnSpPr>
+            <a:stCxn id="30" idx="2"/>
+            <a:endCxn id="13" idx="0"/>
+          </p:cNvCxnSpPr>
+          <p:nvPr/>
+        </p:nvCxnSpPr>
+        <p:spPr>
+          <a:xfrm flipH="1">
+            <a:off x="5654076" y="2791885"/>
+            <a:ext cx="251773" cy="1318720"/>
+          </a:xfrm>
+          <a:prstGeom prst="straightConnector1">
+            <a:avLst/>
+          </a:prstGeom>
+          <a:ln>
+            <a:tailEnd type="triangle"/>
+          </a:ln>
+        </p:spPr>
+        <p:style>
+          <a:lnRef idx="1">
+            <a:schemeClr val="accent1"/>
+          </a:lnRef>
+          <a:fillRef idx="0">
+            <a:schemeClr val="accent1"/>
+          </a:fillRef>
+          <a:effectRef idx="0">
+            <a:schemeClr val="accent1"/>
+          </a:effectRef>
+          <a:fontRef idx="minor">
+            <a:schemeClr val="tx1"/>
+          </a:fontRef>
+        </p:style>
+      </p:cxnSp>
+      <p:sp>
+        <p:nvSpPr>
+          <p:cNvPr id="38" name="TextBox 37">
+            <a:extLst>
+              <a:ext uri="{FF2B5EF4-FFF2-40B4-BE49-F238E27FC236}">
+                <a16:creationId xmlns:a16="http://schemas.microsoft.com/office/drawing/2014/main" id="{436551A8-4241-43FE-B569-FBE06B2257F2}"/>
+              </a:ext>
+            </a:extLst>
+          </p:cNvPr>
+          <p:cNvSpPr txBox="1"/>
+          <p:nvPr/>
+        </p:nvSpPr>
+        <p:spPr>
+          <a:xfrm>
+            <a:off x="5816370" y="2047117"/>
+            <a:ext cx="301686" cy="369332"/>
+          </a:xfrm>
+          <a:prstGeom prst="rect">
+            <a:avLst/>
+          </a:prstGeom>
+          <a:noFill/>
+        </p:spPr>
+        <p:txBody>
+          <a:bodyPr wrap="none" rtlCol="0">
+            <a:spAutoFit/>
+          </a:bodyPr>
+          <a:lstStyle/>
+          <a:p>
+            <a:r>
+              <a:rPr lang="en-US" dirty="0"/>
+              <a:t>3</a:t>
+            </a:r>
+          </a:p>
+        </p:txBody>
+      </p:sp>
+      <p:sp>
+        <p:nvSpPr>
+          <p:cNvPr id="39" name="TextBox 38">
+            <a:extLst>
+              <a:ext uri="{FF2B5EF4-FFF2-40B4-BE49-F238E27FC236}">
+                <a16:creationId xmlns:a16="http://schemas.microsoft.com/office/drawing/2014/main" id="{C3D097D6-1BB9-4B3E-B06F-48BCDFD7AFB2}"/>
+              </a:ext>
+            </a:extLst>
+          </p:cNvPr>
+          <p:cNvSpPr txBox="1"/>
+          <p:nvPr/>
+        </p:nvSpPr>
+        <p:spPr>
+          <a:xfrm>
+            <a:off x="5700322" y="3340421"/>
+            <a:ext cx="301686" cy="369332"/>
+          </a:xfrm>
+          <a:prstGeom prst="rect">
+            <a:avLst/>
+          </a:prstGeom>
+          <a:noFill/>
+        </p:spPr>
+        <p:txBody>
+          <a:bodyPr wrap="none" rtlCol="0">
+            <a:spAutoFit/>
+          </a:bodyPr>
+          <a:lstStyle/>
+          <a:p>
+            <a:r>
+              <a:rPr lang="en-US" dirty="0"/>
+              <a:t>4</a:t>
+            </a:r>
+          </a:p>
+        </p:txBody>
+      </p:sp>
+      <p:cxnSp>
+        <p:nvCxnSpPr>
+          <p:cNvPr id="41" name="Straight Arrow Connector 40">
+            <a:extLst>
+              <a:ext uri="{FF2B5EF4-FFF2-40B4-BE49-F238E27FC236}">
+                <a16:creationId xmlns:a16="http://schemas.microsoft.com/office/drawing/2014/main" id="{435FECFE-5CA4-4100-BC5F-A12DDC39EB11}"/>
+              </a:ext>
+            </a:extLst>
+          </p:cNvPr>
+          <p:cNvCxnSpPr>
+            <a:stCxn id="13" idx="2"/>
+            <a:endCxn id="11" idx="0"/>
+          </p:cNvCxnSpPr>
+          <p:nvPr/>
+        </p:nvCxnSpPr>
+        <p:spPr>
+          <a:xfrm>
+            <a:off x="5654076" y="4479937"/>
+            <a:ext cx="195845" cy="873635"/>
+          </a:xfrm>
+          <a:prstGeom prst="straightConnector1">
+            <a:avLst/>
+          </a:prstGeom>
+          <a:ln>
+            <a:tailEnd type="triangle"/>
+          </a:ln>
+        </p:spPr>
+        <p:style>
+          <a:lnRef idx="1">
+            <a:schemeClr val="accent1"/>
+          </a:lnRef>
+          <a:fillRef idx="0">
+            <a:schemeClr val="accent1"/>
+          </a:fillRef>
+          <a:effectRef idx="0">
+            <a:schemeClr val="accent1"/>
+          </a:effectRef>
+          <a:fontRef idx="minor">
+            <a:schemeClr val="tx1"/>
+          </a:fontRef>
+        </p:style>
+      </p:cxnSp>
+      <p:cxnSp>
+        <p:nvCxnSpPr>
+          <p:cNvPr id="43" name="Straight Arrow Connector 42">
+            <a:extLst>
+              <a:ext uri="{FF2B5EF4-FFF2-40B4-BE49-F238E27FC236}">
+                <a16:creationId xmlns:a16="http://schemas.microsoft.com/office/drawing/2014/main" id="{0170B4BF-AC0E-471A-8D1D-3E51C2F62AE4}"/>
+              </a:ext>
+            </a:extLst>
+          </p:cNvPr>
+          <p:cNvCxnSpPr>
+            <a:stCxn id="11" idx="1"/>
+          </p:cNvCxnSpPr>
+          <p:nvPr/>
+        </p:nvCxnSpPr>
+        <p:spPr>
+          <a:xfrm flipH="1" flipV="1">
+            <a:off x="4739728" y="5144299"/>
+            <a:ext cx="632020" cy="393939"/>
+          </a:xfrm>
+          <a:prstGeom prst="straightConnector1">
+            <a:avLst/>
+          </a:prstGeom>
+          <a:ln>
+            <a:tailEnd type="triangle"/>
+          </a:ln>
+        </p:spPr>
+        <p:style>
+          <a:lnRef idx="1">
+            <a:schemeClr val="accent1"/>
+          </a:lnRef>
+          <a:fillRef idx="0">
+            <a:schemeClr val="accent1"/>
+          </a:fillRef>
+          <a:effectRef idx="0">
+            <a:schemeClr val="accent1"/>
+          </a:effectRef>
+          <a:fontRef idx="minor">
+            <a:schemeClr val="tx1"/>
+          </a:fontRef>
+        </p:style>
+      </p:cxnSp>
+      <p:sp>
+        <p:nvSpPr>
+          <p:cNvPr id="44" name="Oval 43">
+            <a:extLst>
+              <a:ext uri="{FF2B5EF4-FFF2-40B4-BE49-F238E27FC236}">
+                <a16:creationId xmlns:a16="http://schemas.microsoft.com/office/drawing/2014/main" id="{5DF72DBE-C51E-4393-8469-4C42CE048CF5}"/>
+              </a:ext>
+            </a:extLst>
+          </p:cNvPr>
+          <p:cNvSpPr/>
+          <p:nvPr/>
+        </p:nvSpPr>
+        <p:spPr>
+          <a:xfrm>
+            <a:off x="4473300" y="4596216"/>
+            <a:ext cx="1030085" cy="548083"/>
+          </a:xfrm>
+          <a:prstGeom prst="ellipse">
+            <a:avLst/>
+          </a:prstGeom>
+        </p:spPr>
+        <p:style>
+          <a:lnRef idx="2">
+            <a:schemeClr val="accent1">
+              <a:shade val="50000"/>
+            </a:schemeClr>
+          </a:lnRef>
+          <a:fillRef idx="1">
+            <a:schemeClr val="accent1"/>
+          </a:fillRef>
+          <a:effectRef idx="0">
+            <a:schemeClr val="accent1"/>
+          </a:effectRef>
+          <a:fontRef idx="minor">
+            <a:schemeClr val="lt1"/>
+          </a:fontRef>
+        </p:style>
+        <p:txBody>
+          <a:bodyPr rtlCol="0" anchor="ctr"/>
+          <a:lstStyle/>
+          <a:p>
+            <a:pPr algn="ctr"/>
+            <a:r>
+              <a:rPr lang="en-US" dirty="0" err="1"/>
+              <a:t>nginx</a:t>
+            </a:r>
+            <a:endParaRPr lang="en-US" dirty="0"/>
+          </a:p>
+        </p:txBody>
+      </p:sp>
+      <p:sp>
+        <p:nvSpPr>
+          <p:cNvPr id="45" name="Oval 44">
+            <a:extLst>
+              <a:ext uri="{FF2B5EF4-FFF2-40B4-BE49-F238E27FC236}">
+                <a16:creationId xmlns:a16="http://schemas.microsoft.com/office/drawing/2014/main" id="{73D649C6-A19A-4616-8EE0-B505E0EACC50}"/>
+              </a:ext>
+            </a:extLst>
+          </p:cNvPr>
+          <p:cNvSpPr/>
+          <p:nvPr/>
+        </p:nvSpPr>
+        <p:spPr>
+          <a:xfrm>
+            <a:off x="3716323" y="4974672"/>
+            <a:ext cx="987100" cy="548083"/>
+          </a:xfrm>
+          <a:prstGeom prst="ellipse">
+            <a:avLst/>
+          </a:prstGeom>
+        </p:spPr>
+        <p:style>
+          <a:lnRef idx="2">
+            <a:schemeClr val="accent1">
+              <a:shade val="50000"/>
+            </a:schemeClr>
+          </a:lnRef>
+          <a:fillRef idx="1">
+            <a:schemeClr val="accent1"/>
+          </a:fillRef>
+          <a:effectRef idx="0">
+            <a:schemeClr val="accent1"/>
+          </a:effectRef>
+          <a:fontRef idx="minor">
+            <a:schemeClr val="lt1"/>
+          </a:fontRef>
+        </p:style>
+        <p:txBody>
+          <a:bodyPr rtlCol="0" anchor="ctr"/>
+          <a:lstStyle/>
+          <a:p>
+            <a:pPr algn="ctr"/>
+            <a:r>
+              <a:rPr lang="en-US" dirty="0" err="1"/>
+              <a:t>podc</a:t>
+            </a:r>
+            <a:endParaRPr lang="en-US" dirty="0"/>
+          </a:p>
+        </p:txBody>
+      </p:sp>
+      <p:sp>
+        <p:nvSpPr>
+          <p:cNvPr id="46" name="Rectangle: Rounded Corners 45">
+            <a:extLst>
+              <a:ext uri="{FF2B5EF4-FFF2-40B4-BE49-F238E27FC236}">
+                <a16:creationId xmlns:a16="http://schemas.microsoft.com/office/drawing/2014/main" id="{848620A5-4AE4-4162-BBC1-875CB2CE22A2}"/>
+              </a:ext>
+            </a:extLst>
+          </p:cNvPr>
+          <p:cNvSpPr/>
+          <p:nvPr/>
+        </p:nvSpPr>
+        <p:spPr>
+          <a:xfrm>
+            <a:off x="3997875" y="4730688"/>
+            <a:ext cx="652373" cy="378456"/>
+          </a:xfrm>
+          <a:prstGeom prst="roundRect">
+            <a:avLst/>
+          </a:prstGeom>
+        </p:spPr>
+        <p:style>
+          <a:lnRef idx="2">
+            <a:schemeClr val="accent1">
+              <a:shade val="50000"/>
+            </a:schemeClr>
+          </a:lnRef>
+          <a:fillRef idx="1">
+            <a:schemeClr val="accent1"/>
+          </a:fillRef>
+          <a:effectRef idx="0">
+            <a:schemeClr val="accent1"/>
+          </a:effectRef>
+          <a:fontRef idx="minor">
+            <a:schemeClr val="lt1"/>
+          </a:fontRef>
+        </p:style>
+        <p:txBody>
+          <a:bodyPr rtlCol="0" anchor="ctr"/>
+          <a:lstStyle/>
+          <a:p>
+            <a:pPr algn="ctr"/>
+            <a:r>
+              <a:rPr lang="en-US" sz="1050" dirty="0" err="1"/>
+              <a:t>veth</a:t>
+            </a:r>
+            <a:endParaRPr lang="en-US" dirty="0"/>
+          </a:p>
+        </p:txBody>
+      </p:sp>
+      <p:sp>
+        <p:nvSpPr>
+          <p:cNvPr id="47" name="TextBox 46">
+            <a:extLst>
+              <a:ext uri="{FF2B5EF4-FFF2-40B4-BE49-F238E27FC236}">
+                <a16:creationId xmlns:a16="http://schemas.microsoft.com/office/drawing/2014/main" id="{C9678FCD-E185-4E7F-9EDC-916254B4FC49}"/>
+              </a:ext>
+            </a:extLst>
+          </p:cNvPr>
+          <p:cNvSpPr txBox="1"/>
+          <p:nvPr/>
+        </p:nvSpPr>
+        <p:spPr>
+          <a:xfrm flipH="1">
+            <a:off x="5860532" y="4664279"/>
+            <a:ext cx="118278" cy="369332"/>
+          </a:xfrm>
+          <a:prstGeom prst="rect">
+            <a:avLst/>
+          </a:prstGeom>
+          <a:noFill/>
+        </p:spPr>
+        <p:txBody>
+          <a:bodyPr wrap="square" rtlCol="0">
+            <a:spAutoFit/>
+          </a:bodyPr>
+          <a:lstStyle/>
+          <a:p>
+            <a:r>
+              <a:rPr lang="en-US" dirty="0"/>
+              <a:t>5</a:t>
+            </a:r>
+          </a:p>
+        </p:txBody>
+      </p:sp>
+      <p:sp>
+        <p:nvSpPr>
+          <p:cNvPr id="48" name="TextBox 47">
+            <a:extLst>
+              <a:ext uri="{FF2B5EF4-FFF2-40B4-BE49-F238E27FC236}">
+                <a16:creationId xmlns:a16="http://schemas.microsoft.com/office/drawing/2014/main" id="{327AB6AE-18F2-4D21-946E-77DE71D9ED05}"/>
+              </a:ext>
+            </a:extLst>
+          </p:cNvPr>
+          <p:cNvSpPr txBox="1"/>
+          <p:nvPr/>
+        </p:nvSpPr>
+        <p:spPr>
+          <a:xfrm flipH="1">
+            <a:off x="5023030" y="5152239"/>
+            <a:ext cx="118278" cy="369332"/>
+          </a:xfrm>
+          <a:prstGeom prst="rect">
+            <a:avLst/>
+          </a:prstGeom>
+          <a:noFill/>
+        </p:spPr>
+        <p:txBody>
+          <a:bodyPr wrap="square" rtlCol="0">
+            <a:spAutoFit/>
+          </a:bodyPr>
+          <a:lstStyle/>
+          <a:p>
+            <a:r>
+              <a:rPr lang="en-US" dirty="0"/>
+              <a:t>6</a:t>
+            </a:r>
+          </a:p>
+        </p:txBody>
+      </p:sp>
+      <p:sp>
+        <p:nvSpPr>
+          <p:cNvPr id="49" name="Cylinder 48">
+            <a:extLst>
+              <a:ext uri="{FF2B5EF4-FFF2-40B4-BE49-F238E27FC236}">
+                <a16:creationId xmlns:a16="http://schemas.microsoft.com/office/drawing/2014/main" id="{1BE8E8AF-0242-42CD-8D81-457B64F1DCF5}"/>
+              </a:ext>
+            </a:extLst>
+          </p:cNvPr>
+          <p:cNvSpPr/>
+          <p:nvPr/>
+        </p:nvSpPr>
+        <p:spPr>
+          <a:xfrm>
+            <a:off x="6836049" y="2215666"/>
+            <a:ext cx="993679" cy="603670"/>
+          </a:xfrm>
+          <a:prstGeom prst="can">
+            <a:avLst/>
+          </a:prstGeom>
+        </p:spPr>
+        <p:style>
+          <a:lnRef idx="2">
+            <a:schemeClr val="accent1">
+              <a:shade val="50000"/>
+            </a:schemeClr>
+          </a:lnRef>
+          <a:fillRef idx="1">
+            <a:schemeClr val="accent1"/>
+          </a:fillRef>
+          <a:effectRef idx="0">
+            <a:schemeClr val="accent1"/>
+          </a:effectRef>
+          <a:fontRef idx="minor">
+            <a:schemeClr val="lt1"/>
+          </a:fontRef>
+        </p:style>
+        <p:txBody>
+          <a:bodyPr rtlCol="0" anchor="ctr"/>
+          <a:lstStyle/>
+          <a:p>
+            <a:pPr algn="ctr"/>
+            <a:r>
+              <a:rPr lang="en-US" dirty="0" err="1"/>
+              <a:t>etcd</a:t>
+            </a:r>
+            <a:endParaRPr lang="en-US" dirty="0"/>
+          </a:p>
+        </p:txBody>
+      </p:sp>
+      <p:cxnSp>
+        <p:nvCxnSpPr>
+          <p:cNvPr id="51" name="Straight Arrow Connector 50">
+            <a:extLst>
+              <a:ext uri="{FF2B5EF4-FFF2-40B4-BE49-F238E27FC236}">
+                <a16:creationId xmlns:a16="http://schemas.microsoft.com/office/drawing/2014/main" id="{CB4E7EEF-5055-4906-8FFB-522FEAB06244}"/>
+              </a:ext>
+            </a:extLst>
+          </p:cNvPr>
+          <p:cNvCxnSpPr>
+            <a:cxnSpLocks/>
+            <a:endCxn id="49" idx="1"/>
+          </p:cNvCxnSpPr>
+          <p:nvPr/>
+        </p:nvCxnSpPr>
+        <p:spPr>
+          <a:xfrm>
+            <a:off x="6407357" y="1852047"/>
+            <a:ext cx="925532" cy="363619"/>
+          </a:xfrm>
+          <a:prstGeom prst="straightConnector1">
+            <a:avLst/>
+          </a:prstGeom>
+          <a:ln>
+            <a:tailEnd type="triangle"/>
+          </a:ln>
+        </p:spPr>
+        <p:style>
+          <a:lnRef idx="1">
+            <a:schemeClr val="accent1"/>
+          </a:lnRef>
+          <a:fillRef idx="0">
+            <a:schemeClr val="accent1"/>
+          </a:fillRef>
+          <a:effectRef idx="0">
+            <a:schemeClr val="accent1"/>
+          </a:effectRef>
+          <a:fontRef idx="minor">
+            <a:schemeClr val="tx1"/>
+          </a:fontRef>
+        </p:style>
+      </p:cxnSp>
+      <p:sp>
+        <p:nvSpPr>
+          <p:cNvPr id="52" name="Rectangle 51">
+            <a:extLst>
+              <a:ext uri="{FF2B5EF4-FFF2-40B4-BE49-F238E27FC236}">
+                <a16:creationId xmlns:a16="http://schemas.microsoft.com/office/drawing/2014/main" id="{B14C53AB-5436-490C-AA8F-D975D36F2BE3}"/>
+              </a:ext>
+            </a:extLst>
+          </p:cNvPr>
+          <p:cNvSpPr/>
+          <p:nvPr/>
+        </p:nvSpPr>
+        <p:spPr>
+          <a:xfrm>
+            <a:off x="4703423" y="773181"/>
+            <a:ext cx="2091977" cy="2046155"/>
+          </a:xfrm>
+          <a:prstGeom prst="rect">
+            <a:avLst/>
+          </a:prstGeom>
+          <a:noFill/>
+          <a:ln>
+            <a:prstDash val="sysDot"/>
+          </a:ln>
+        </p:spPr>
+        <p:style>
+          <a:lnRef idx="2">
+            <a:schemeClr val="accent1">
+              <a:shade val="50000"/>
+            </a:schemeClr>
+          </a:lnRef>
+          <a:fillRef idx="1">
+            <a:schemeClr val="accent1"/>
+          </a:fillRef>
+          <a:effectRef idx="0">
+            <a:schemeClr val="accent1"/>
+          </a:effectRef>
+          <a:fontRef idx="minor">
+            <a:schemeClr val="lt1"/>
+          </a:fontRef>
+        </p:style>
+        <p:txBody>
+          <a:bodyPr rtlCol="0" anchor="ctr"/>
+          <a:lstStyle/>
+          <a:p>
+            <a:pPr algn="ctr"/>
+            <a:endParaRPr lang="en-US"/>
+          </a:p>
+        </p:txBody>
+      </p:sp>
+      <p:cxnSp>
+        <p:nvCxnSpPr>
+          <p:cNvPr id="54" name="Straight Arrow Connector 53">
+            <a:extLst>
+              <a:ext uri="{FF2B5EF4-FFF2-40B4-BE49-F238E27FC236}">
+                <a16:creationId xmlns:a16="http://schemas.microsoft.com/office/drawing/2014/main" id="{6D6D7A3B-2890-4FF2-A4CA-2412C6026D2C}"/>
+              </a:ext>
+            </a:extLst>
+          </p:cNvPr>
+          <p:cNvCxnSpPr>
+            <a:stCxn id="52" idx="1"/>
+          </p:cNvCxnSpPr>
+          <p:nvPr/>
+        </p:nvCxnSpPr>
+        <p:spPr>
+          <a:xfrm flipH="1">
+            <a:off x="2818701" y="1796259"/>
+            <a:ext cx="1884722" cy="374143"/>
+          </a:xfrm>
+          <a:prstGeom prst="straightConnector1">
+            <a:avLst/>
+          </a:prstGeom>
+          <a:ln>
+            <a:tailEnd type="triangle"/>
+          </a:ln>
+        </p:spPr>
+        <p:style>
+          <a:lnRef idx="1">
+            <a:schemeClr val="accent1"/>
+          </a:lnRef>
+          <a:fillRef idx="0">
+            <a:schemeClr val="accent1"/>
+          </a:fillRef>
+          <a:effectRef idx="0">
+            <a:schemeClr val="accent1"/>
+          </a:effectRef>
+          <a:fontRef idx="minor">
+            <a:schemeClr val="tx1"/>
+          </a:fontRef>
+        </p:style>
+      </p:cxnSp>
+      <p:sp>
+        <p:nvSpPr>
+          <p:cNvPr id="55" name="TextBox 54">
+            <a:extLst>
+              <a:ext uri="{FF2B5EF4-FFF2-40B4-BE49-F238E27FC236}">
+                <a16:creationId xmlns:a16="http://schemas.microsoft.com/office/drawing/2014/main" id="{F476C058-36DF-4B77-9040-576CC82BCD43}"/>
+              </a:ext>
+            </a:extLst>
+          </p:cNvPr>
+          <p:cNvSpPr txBox="1"/>
+          <p:nvPr/>
+        </p:nvSpPr>
+        <p:spPr>
+          <a:xfrm>
+            <a:off x="1617200" y="2033856"/>
+            <a:ext cx="1548205" cy="369332"/>
+          </a:xfrm>
+          <a:prstGeom prst="rect">
+            <a:avLst/>
+          </a:prstGeom>
+          <a:noFill/>
+        </p:spPr>
+        <p:txBody>
+          <a:bodyPr wrap="square" rtlCol="0">
+            <a:spAutoFit/>
+          </a:bodyPr>
+          <a:lstStyle/>
+          <a:p>
+            <a:r>
+              <a:rPr lang="en-US" dirty="0"/>
+              <a:t>Control plane</a:t>
+            </a:r>
+          </a:p>
+        </p:txBody>
+      </p:sp>
+    </p:spTree>
+    <p:extLst>
+      <p:ext uri="{BB962C8B-B14F-4D97-AF65-F5344CB8AC3E}">
+        <p14:creationId xmlns:p14="http://schemas.microsoft.com/office/powerpoint/2010/main" val="2362868048"/>
+      </p:ext>
+    </p:extLst>
+  </p:cSld>
+  <p:clrMapOvr>
+    <a:masterClrMapping/>
+  </p:clrMapOvr>
+</p:sld>
+</file>
+
+<file path=ppt/slides/slide19.xml><?xml version="1.0" encoding="utf-8"?>
+<p:sld xmlns:a="http://schemas.openxmlformats.org/drawingml/2006/main" xmlns:r="http://schemas.openxmlformats.org/officeDocument/2006/relationships" xmlns:p="http://schemas.openxmlformats.org/presentationml/2006/main">
+  <p:cSld>
+    <p:spTree>
+      <p:nvGrpSpPr>
+        <p:cNvPr id="1" name=""/>
+        <p:cNvGrpSpPr/>
+        <p:nvPr/>
+      </p:nvGrpSpPr>
+      <p:grpSpPr>
+        <a:xfrm>
+          <a:off x="0" y="0"/>
+          <a:ext cx="0" cy="0"/>
+          <a:chOff x="0" y="0"/>
+          <a:chExt cx="0" cy="0"/>
+        </a:xfrm>
+      </p:grpSpPr>
+      <p:sp>
+        <p:nvSpPr>
+          <p:cNvPr id="2" name="Rectangle 1">
+            <a:extLst>
+              <a:ext uri="{FF2B5EF4-FFF2-40B4-BE49-F238E27FC236}">
+                <a16:creationId xmlns:a16="http://schemas.microsoft.com/office/drawing/2014/main" id="{4334550C-9783-4157-AB14-98983A42B32F}"/>
+              </a:ext>
+            </a:extLst>
+          </p:cNvPr>
+          <p:cNvSpPr/>
+          <p:nvPr/>
+        </p:nvSpPr>
+        <p:spPr>
+          <a:xfrm>
+            <a:off x="159391" y="2038525"/>
+            <a:ext cx="1115736" cy="2910980"/>
+          </a:xfrm>
+          <a:prstGeom prst="rect">
+            <a:avLst/>
+          </a:prstGeom>
+        </p:spPr>
+        <p:style>
+          <a:lnRef idx="2">
+            <a:schemeClr val="accent1">
+              <a:shade val="50000"/>
+            </a:schemeClr>
+          </a:lnRef>
+          <a:fillRef idx="1">
+            <a:schemeClr val="accent1"/>
+          </a:fillRef>
+          <a:effectRef idx="0">
+            <a:schemeClr val="accent1"/>
+          </a:effectRef>
+          <a:fontRef idx="minor">
+            <a:schemeClr val="lt1"/>
+          </a:fontRef>
+        </p:style>
+        <p:txBody>
+          <a:bodyPr rtlCol="0" anchor="ctr"/>
+          <a:lstStyle/>
+          <a:p>
+            <a:pPr algn="ctr"/>
+            <a:r>
+              <a:rPr lang="en-US" dirty="0"/>
+              <a:t>k8smaster</a:t>
+            </a:r>
+          </a:p>
+        </p:txBody>
+      </p:sp>
+      <p:sp>
+        <p:nvSpPr>
+          <p:cNvPr id="3" name="Rectangle 2">
+            <a:extLst>
+              <a:ext uri="{FF2B5EF4-FFF2-40B4-BE49-F238E27FC236}">
+                <a16:creationId xmlns:a16="http://schemas.microsoft.com/office/drawing/2014/main" id="{3EFA3CAD-0E73-49A8-8516-C807932FC054}"/>
+              </a:ext>
+            </a:extLst>
+          </p:cNvPr>
+          <p:cNvSpPr/>
+          <p:nvPr/>
+        </p:nvSpPr>
+        <p:spPr>
+          <a:xfrm>
+            <a:off x="2038525" y="192947"/>
+            <a:ext cx="9630561" cy="2994870"/>
+          </a:xfrm>
+          <a:prstGeom prst="rect">
+            <a:avLst/>
+          </a:prstGeom>
+          <a:noFill/>
+        </p:spPr>
+        <p:style>
+          <a:lnRef idx="2">
+            <a:schemeClr val="accent1">
+              <a:shade val="50000"/>
+            </a:schemeClr>
+          </a:lnRef>
+          <a:fillRef idx="1">
+            <a:schemeClr val="accent1"/>
+          </a:fillRef>
+          <a:effectRef idx="0">
+            <a:schemeClr val="accent1"/>
+          </a:effectRef>
+          <a:fontRef idx="minor">
+            <a:schemeClr val="lt1"/>
+          </a:fontRef>
+        </p:style>
+        <p:txBody>
+          <a:bodyPr rtlCol="0" anchor="ctr"/>
+          <a:lstStyle/>
+          <a:p>
+            <a:pPr algn="ctr"/>
+            <a:endParaRPr lang="en-US" dirty="0"/>
+          </a:p>
+        </p:txBody>
+      </p:sp>
+      <p:sp>
+        <p:nvSpPr>
+          <p:cNvPr id="4" name="Rectangle 3">
+            <a:extLst>
+              <a:ext uri="{FF2B5EF4-FFF2-40B4-BE49-F238E27FC236}">
+                <a16:creationId xmlns:a16="http://schemas.microsoft.com/office/drawing/2014/main" id="{32D42693-78B2-4D5B-B8CC-F8C53A9F6F29}"/>
+              </a:ext>
+            </a:extLst>
+          </p:cNvPr>
+          <p:cNvSpPr/>
+          <p:nvPr/>
+        </p:nvSpPr>
+        <p:spPr>
+          <a:xfrm>
+            <a:off x="2039923" y="3499611"/>
+            <a:ext cx="9630561" cy="2994870"/>
+          </a:xfrm>
+          <a:prstGeom prst="rect">
+            <a:avLst/>
+          </a:prstGeom>
+          <a:noFill/>
+        </p:spPr>
+        <p:style>
+          <a:lnRef idx="2">
+            <a:schemeClr val="accent1">
+              <a:shade val="50000"/>
+            </a:schemeClr>
+          </a:lnRef>
+          <a:fillRef idx="1">
+            <a:schemeClr val="accent1"/>
+          </a:fillRef>
+          <a:effectRef idx="0">
+            <a:schemeClr val="accent1"/>
+          </a:effectRef>
+          <a:fontRef idx="minor">
+            <a:schemeClr val="lt1"/>
+          </a:fontRef>
+        </p:style>
+        <p:txBody>
+          <a:bodyPr rtlCol="0" anchor="ctr"/>
+          <a:lstStyle/>
+          <a:p>
+            <a:pPr algn="ctr"/>
+            <a:endParaRPr lang="en-US"/>
+          </a:p>
+        </p:txBody>
+      </p:sp>
+      <p:sp>
+        <p:nvSpPr>
+          <p:cNvPr id="5" name="TextBox 4">
+            <a:extLst>
+              <a:ext uri="{FF2B5EF4-FFF2-40B4-BE49-F238E27FC236}">
+                <a16:creationId xmlns:a16="http://schemas.microsoft.com/office/drawing/2014/main" id="{D3C3F1C2-FE4A-4499-9BAB-F5E6565700F1}"/>
+              </a:ext>
+            </a:extLst>
+          </p:cNvPr>
+          <p:cNvSpPr txBox="1"/>
+          <p:nvPr/>
+        </p:nvSpPr>
+        <p:spPr>
+          <a:xfrm>
+            <a:off x="2030135" y="201336"/>
+            <a:ext cx="1744388" cy="276999"/>
+          </a:xfrm>
+          <a:prstGeom prst="rect">
+            <a:avLst/>
+          </a:prstGeom>
+          <a:noFill/>
+        </p:spPr>
+        <p:txBody>
+          <a:bodyPr wrap="none" rtlCol="0">
+            <a:spAutoFit/>
+          </a:bodyPr>
+          <a:lstStyle/>
+          <a:p>
+            <a:r>
+              <a:rPr lang="en-US" sz="1200" dirty="0"/>
+              <a:t>K8snode1:192.167.10.71</a:t>
+            </a:r>
+            <a:endParaRPr lang="en-US" dirty="0"/>
+          </a:p>
+        </p:txBody>
+      </p:sp>
+      <p:sp>
+        <p:nvSpPr>
+          <p:cNvPr id="6" name="TextBox 5">
+            <a:extLst>
+              <a:ext uri="{FF2B5EF4-FFF2-40B4-BE49-F238E27FC236}">
+                <a16:creationId xmlns:a16="http://schemas.microsoft.com/office/drawing/2014/main" id="{C03DE85D-AD13-40A0-B44D-8B9E32D2F3DE}"/>
+              </a:ext>
+            </a:extLst>
+          </p:cNvPr>
+          <p:cNvSpPr txBox="1"/>
+          <p:nvPr/>
+        </p:nvSpPr>
+        <p:spPr>
+          <a:xfrm>
+            <a:off x="2056700" y="3508000"/>
+            <a:ext cx="1744388" cy="276999"/>
+          </a:xfrm>
+          <a:prstGeom prst="rect">
+            <a:avLst/>
+          </a:prstGeom>
+          <a:noFill/>
+        </p:spPr>
+        <p:txBody>
+          <a:bodyPr wrap="none" rtlCol="0">
+            <a:spAutoFit/>
+          </a:bodyPr>
+          <a:lstStyle/>
+          <a:p>
+            <a:r>
+              <a:rPr lang="en-US" sz="1200" dirty="0"/>
+              <a:t>K8snode2:192.167.10.72</a:t>
+            </a:r>
+            <a:endParaRPr lang="en-US" dirty="0"/>
+          </a:p>
+        </p:txBody>
+      </p:sp>
+      <p:sp>
+        <p:nvSpPr>
+          <p:cNvPr id="8" name="TextBox 7">
+            <a:extLst>
+              <a:ext uri="{FF2B5EF4-FFF2-40B4-BE49-F238E27FC236}">
+                <a16:creationId xmlns:a16="http://schemas.microsoft.com/office/drawing/2014/main" id="{7B898726-463F-461E-BF3B-A662D2F9104F}"/>
+              </a:ext>
+            </a:extLst>
+          </p:cNvPr>
+          <p:cNvSpPr txBox="1"/>
+          <p:nvPr/>
+        </p:nvSpPr>
+        <p:spPr>
+          <a:xfrm>
+            <a:off x="75501" y="5103674"/>
+            <a:ext cx="1870745" cy="1754326"/>
+          </a:xfrm>
+          <a:prstGeom prst="rect">
+            <a:avLst/>
+          </a:prstGeom>
+          <a:noFill/>
+        </p:spPr>
+        <p:txBody>
+          <a:bodyPr wrap="square" rtlCol="0">
+            <a:spAutoFit/>
+          </a:bodyPr>
+          <a:lstStyle/>
+          <a:p>
+            <a:r>
+              <a:rPr lang="en-US" dirty="0"/>
+              <a:t>Pod-to-pod communication:</a:t>
+            </a:r>
+          </a:p>
+          <a:p>
+            <a:r>
+              <a:rPr lang="en-US" dirty="0"/>
+              <a:t>Any pod can communicate with any other pod</a:t>
+            </a:r>
+          </a:p>
+        </p:txBody>
+      </p:sp>
+      <p:sp>
+        <p:nvSpPr>
+          <p:cNvPr id="9" name="Oval 8">
+            <a:extLst>
+              <a:ext uri="{FF2B5EF4-FFF2-40B4-BE49-F238E27FC236}">
+                <a16:creationId xmlns:a16="http://schemas.microsoft.com/office/drawing/2014/main" id="{311C5B2E-D946-41B8-9A3D-710E2D552249}"/>
+              </a:ext>
+            </a:extLst>
+          </p:cNvPr>
+          <p:cNvSpPr/>
+          <p:nvPr/>
+        </p:nvSpPr>
+        <p:spPr>
+          <a:xfrm>
+            <a:off x="4857226" y="889233"/>
+            <a:ext cx="1468073" cy="637563"/>
+          </a:xfrm>
+          <a:prstGeom prst="ellipse">
+            <a:avLst/>
+          </a:prstGeom>
+        </p:spPr>
+        <p:style>
+          <a:lnRef idx="2">
+            <a:schemeClr val="accent1">
+              <a:shade val="50000"/>
+            </a:schemeClr>
+          </a:lnRef>
+          <a:fillRef idx="1">
+            <a:schemeClr val="accent1"/>
+          </a:fillRef>
+          <a:effectRef idx="0">
+            <a:schemeClr val="accent1"/>
+          </a:effectRef>
+          <a:fontRef idx="minor">
+            <a:schemeClr val="lt1"/>
+          </a:fontRef>
+        </p:style>
+        <p:txBody>
+          <a:bodyPr rtlCol="0" anchor="ctr"/>
+          <a:lstStyle/>
+          <a:p>
+            <a:pPr algn="ctr"/>
+            <a:r>
+              <a:rPr lang="en-US" dirty="0"/>
+              <a:t>ghost</a:t>
+            </a:r>
+          </a:p>
+        </p:txBody>
+      </p:sp>
+      <p:sp>
+        <p:nvSpPr>
+          <p:cNvPr id="10" name="TextBox 9">
+            <a:extLst>
+              <a:ext uri="{FF2B5EF4-FFF2-40B4-BE49-F238E27FC236}">
+                <a16:creationId xmlns:a16="http://schemas.microsoft.com/office/drawing/2014/main" id="{91B0541C-D4A8-4D95-B37F-02070703E085}"/>
+              </a:ext>
+            </a:extLst>
+          </p:cNvPr>
+          <p:cNvSpPr txBox="1"/>
+          <p:nvPr/>
+        </p:nvSpPr>
+        <p:spPr>
+          <a:xfrm>
+            <a:off x="5002799" y="1439872"/>
+            <a:ext cx="1632178" cy="646331"/>
+          </a:xfrm>
+          <a:prstGeom prst="rect">
+            <a:avLst/>
+          </a:prstGeom>
+          <a:noFill/>
+        </p:spPr>
+        <p:txBody>
+          <a:bodyPr wrap="none" rtlCol="0">
+            <a:spAutoFit/>
+          </a:bodyPr>
+          <a:lstStyle/>
+          <a:p>
+            <a:r>
+              <a:rPr lang="en-US" dirty="0"/>
+              <a:t>172.17.0.5</a:t>
+            </a:r>
+          </a:p>
+          <a:p>
+            <a:r>
+              <a:rPr lang="en-US" dirty="0"/>
+              <a:t>Ping 172.18.0.5</a:t>
+            </a:r>
+          </a:p>
+        </p:txBody>
+      </p:sp>
+      <p:sp>
+        <p:nvSpPr>
+          <p:cNvPr id="11" name="Oval 10">
+            <a:extLst>
+              <a:ext uri="{FF2B5EF4-FFF2-40B4-BE49-F238E27FC236}">
+                <a16:creationId xmlns:a16="http://schemas.microsoft.com/office/drawing/2014/main" id="{E320B8AC-3512-4BD3-9781-5422ABB7F82A}"/>
+              </a:ext>
+            </a:extLst>
+          </p:cNvPr>
+          <p:cNvSpPr/>
+          <p:nvPr/>
+        </p:nvSpPr>
+        <p:spPr>
+          <a:xfrm>
+            <a:off x="5148374" y="4298331"/>
+            <a:ext cx="1468073" cy="637563"/>
+          </a:xfrm>
+          <a:prstGeom prst="ellipse">
+            <a:avLst/>
+          </a:prstGeom>
+        </p:spPr>
+        <p:style>
+          <a:lnRef idx="2">
+            <a:schemeClr val="accent1">
+              <a:shade val="50000"/>
+            </a:schemeClr>
+          </a:lnRef>
+          <a:fillRef idx="1">
+            <a:schemeClr val="accent1"/>
+          </a:fillRef>
+          <a:effectRef idx="0">
+            <a:schemeClr val="accent1"/>
+          </a:effectRef>
+          <a:fontRef idx="minor">
+            <a:schemeClr val="lt1"/>
+          </a:fontRef>
+        </p:style>
+        <p:txBody>
+          <a:bodyPr rtlCol="0" anchor="ctr"/>
+          <a:lstStyle/>
+          <a:p>
+            <a:pPr algn="ctr"/>
+            <a:r>
+              <a:rPr lang="en-US" dirty="0" err="1"/>
+              <a:t>db</a:t>
+            </a:r>
+            <a:endParaRPr lang="en-US" dirty="0"/>
+          </a:p>
+        </p:txBody>
+      </p:sp>
+      <p:sp>
+        <p:nvSpPr>
+          <p:cNvPr id="12" name="TextBox 11">
+            <a:extLst>
+              <a:ext uri="{FF2B5EF4-FFF2-40B4-BE49-F238E27FC236}">
+                <a16:creationId xmlns:a16="http://schemas.microsoft.com/office/drawing/2014/main" id="{EEC0D5F9-9F45-4021-8967-68B1B3A2BF9B}"/>
+              </a:ext>
+            </a:extLst>
+          </p:cNvPr>
+          <p:cNvSpPr txBox="1"/>
+          <p:nvPr/>
+        </p:nvSpPr>
+        <p:spPr>
+          <a:xfrm>
+            <a:off x="5293947" y="4812380"/>
+            <a:ext cx="1176925" cy="369332"/>
+          </a:xfrm>
+          <a:prstGeom prst="rect">
+            <a:avLst/>
+          </a:prstGeom>
+          <a:noFill/>
+        </p:spPr>
+        <p:txBody>
+          <a:bodyPr wrap="none" rtlCol="0">
+            <a:spAutoFit/>
+          </a:bodyPr>
+          <a:lstStyle/>
+          <a:p>
+            <a:r>
+              <a:rPr lang="en-US" dirty="0"/>
+              <a:t>172.18.0.5</a:t>
+            </a:r>
+          </a:p>
+        </p:txBody>
+      </p:sp>
+      <p:sp>
+        <p:nvSpPr>
+          <p:cNvPr id="13" name="TextBox 12">
+            <a:extLst>
+              <a:ext uri="{FF2B5EF4-FFF2-40B4-BE49-F238E27FC236}">
+                <a16:creationId xmlns:a16="http://schemas.microsoft.com/office/drawing/2014/main" id="{0F422D4D-E0BC-4FFF-BB06-3EF76A0267B9}"/>
+              </a:ext>
+            </a:extLst>
+          </p:cNvPr>
+          <p:cNvSpPr txBox="1"/>
+          <p:nvPr/>
+        </p:nvSpPr>
+        <p:spPr>
+          <a:xfrm>
+            <a:off x="94337" y="383529"/>
+            <a:ext cx="1626120" cy="646331"/>
+          </a:xfrm>
+          <a:prstGeom prst="rect">
+            <a:avLst/>
+          </a:prstGeom>
+          <a:noFill/>
+        </p:spPr>
+        <p:txBody>
+          <a:bodyPr wrap="square" rtlCol="0">
+            <a:spAutoFit/>
+          </a:bodyPr>
+          <a:lstStyle/>
+          <a:p>
+            <a:r>
+              <a:rPr lang="en-US" dirty="0"/>
+              <a:t>1. Solve prob of </a:t>
+            </a:r>
+            <a:r>
+              <a:rPr lang="en-US" dirty="0" err="1"/>
+              <a:t>ip</a:t>
+            </a:r>
+            <a:r>
+              <a:rPr lang="en-US" dirty="0"/>
+              <a:t> clash</a:t>
+            </a:r>
+          </a:p>
+        </p:txBody>
+      </p:sp>
+      <p:sp>
+        <p:nvSpPr>
+          <p:cNvPr id="15" name="TextBox 14">
+            <a:extLst>
+              <a:ext uri="{FF2B5EF4-FFF2-40B4-BE49-F238E27FC236}">
+                <a16:creationId xmlns:a16="http://schemas.microsoft.com/office/drawing/2014/main" id="{E20D9E88-7D1D-491E-80F0-C001B5FE90E6}"/>
+              </a:ext>
+            </a:extLst>
+          </p:cNvPr>
+          <p:cNvSpPr txBox="1"/>
+          <p:nvPr/>
+        </p:nvSpPr>
+        <p:spPr>
+          <a:xfrm>
+            <a:off x="2038524" y="2541864"/>
+            <a:ext cx="3842158" cy="646331"/>
+          </a:xfrm>
+          <a:prstGeom prst="rect">
+            <a:avLst/>
+          </a:prstGeom>
+          <a:noFill/>
+        </p:spPr>
+        <p:txBody>
+          <a:bodyPr wrap="square" rtlCol="0">
+            <a:spAutoFit/>
+          </a:bodyPr>
+          <a:lstStyle/>
+          <a:p>
+            <a:r>
+              <a:rPr lang="en-US" sz="1200" dirty="0"/>
+              <a:t>Route entry</a:t>
+            </a:r>
+          </a:p>
+          <a:p>
+            <a:r>
+              <a:rPr lang="en-US" sz="1200" dirty="0"/>
+              <a:t>172.18.0.0  next hop is 192.167.10.72</a:t>
+            </a:r>
+          </a:p>
+          <a:p>
+            <a:r>
+              <a:rPr lang="en-US" sz="1200" dirty="0"/>
+              <a:t>172.17.0.0  next hop is 192.167.10.71</a:t>
+            </a:r>
+            <a:endParaRPr lang="en-US" dirty="0"/>
+          </a:p>
+        </p:txBody>
+      </p:sp>
+      <p:sp>
+        <p:nvSpPr>
+          <p:cNvPr id="16" name="TextBox 15">
+            <a:extLst>
+              <a:ext uri="{FF2B5EF4-FFF2-40B4-BE49-F238E27FC236}">
+                <a16:creationId xmlns:a16="http://schemas.microsoft.com/office/drawing/2014/main" id="{E52B7CF0-62AE-486B-99AE-93A0A2F7CCF7}"/>
+              </a:ext>
+            </a:extLst>
+          </p:cNvPr>
+          <p:cNvSpPr txBox="1"/>
+          <p:nvPr/>
+        </p:nvSpPr>
+        <p:spPr>
+          <a:xfrm>
+            <a:off x="2048311" y="5865306"/>
+            <a:ext cx="3842158" cy="646331"/>
+          </a:xfrm>
+          <a:prstGeom prst="rect">
+            <a:avLst/>
+          </a:prstGeom>
+          <a:noFill/>
+        </p:spPr>
+        <p:txBody>
+          <a:bodyPr wrap="square" rtlCol="0">
+            <a:spAutoFit/>
+          </a:bodyPr>
+          <a:lstStyle/>
+          <a:p>
+            <a:r>
+              <a:rPr lang="en-US" sz="1200" dirty="0"/>
+              <a:t>Route entry</a:t>
+            </a:r>
+          </a:p>
+          <a:p>
+            <a:r>
+              <a:rPr lang="en-US" sz="1200" dirty="0"/>
+              <a:t>172.18.0.0  next hop is 192.167.10.72</a:t>
+            </a:r>
+          </a:p>
+          <a:p>
+            <a:r>
+              <a:rPr lang="en-US" sz="1200" dirty="0"/>
+              <a:t>172.17.0.0  next hop is 192.167.10.71</a:t>
+            </a:r>
+            <a:endParaRPr lang="en-US" dirty="0"/>
+          </a:p>
+        </p:txBody>
+      </p:sp>
+      <p:cxnSp>
+        <p:nvCxnSpPr>
+          <p:cNvPr id="18" name="Straight Arrow Connector 17">
+            <a:extLst>
+              <a:ext uri="{FF2B5EF4-FFF2-40B4-BE49-F238E27FC236}">
+                <a16:creationId xmlns:a16="http://schemas.microsoft.com/office/drawing/2014/main" id="{23CACA7A-44FD-46D4-8DE1-A77B344F6D90}"/>
+              </a:ext>
+            </a:extLst>
+          </p:cNvPr>
+          <p:cNvCxnSpPr/>
+          <p:nvPr/>
+        </p:nvCxnSpPr>
+        <p:spPr>
+          <a:xfrm flipH="1" flipV="1">
+            <a:off x="4764947" y="1229095"/>
+            <a:ext cx="92279" cy="711929"/>
+          </a:xfrm>
+          <a:prstGeom prst="straightConnector1">
+            <a:avLst/>
+          </a:prstGeom>
+          <a:ln>
+            <a:tailEnd type="triangle"/>
+          </a:ln>
+        </p:spPr>
+        <p:style>
+          <a:lnRef idx="1">
+            <a:schemeClr val="accent1"/>
+          </a:lnRef>
+          <a:fillRef idx="0">
+            <a:schemeClr val="accent1"/>
+          </a:fillRef>
+          <a:effectRef idx="0">
+            <a:schemeClr val="accent1"/>
+          </a:effectRef>
+          <a:fontRef idx="minor">
+            <a:schemeClr val="tx1"/>
+          </a:fontRef>
+        </p:style>
+      </p:cxnSp>
+      <p:cxnSp>
+        <p:nvCxnSpPr>
+          <p:cNvPr id="20" name="Straight Arrow Connector 19">
+            <a:extLst>
+              <a:ext uri="{FF2B5EF4-FFF2-40B4-BE49-F238E27FC236}">
+                <a16:creationId xmlns:a16="http://schemas.microsoft.com/office/drawing/2014/main" id="{D56EA840-1E64-40F1-9CEC-9E7BF94B4B46}"/>
+              </a:ext>
+            </a:extLst>
+          </p:cNvPr>
+          <p:cNvCxnSpPr/>
+          <p:nvPr/>
+        </p:nvCxnSpPr>
+        <p:spPr>
+          <a:xfrm flipH="1" flipV="1">
+            <a:off x="3120705" y="478335"/>
+            <a:ext cx="1510018" cy="816358"/>
+          </a:xfrm>
+          <a:prstGeom prst="straightConnector1">
+            <a:avLst/>
+          </a:prstGeom>
+          <a:ln>
+            <a:tailEnd type="triangle"/>
+          </a:ln>
+        </p:spPr>
+        <p:style>
+          <a:lnRef idx="1">
+            <a:schemeClr val="accent1"/>
+          </a:lnRef>
+          <a:fillRef idx="0">
+            <a:schemeClr val="accent1"/>
+          </a:fillRef>
+          <a:effectRef idx="0">
+            <a:schemeClr val="accent1"/>
+          </a:effectRef>
+          <a:fontRef idx="minor">
+            <a:schemeClr val="tx1"/>
+          </a:fontRef>
+        </p:style>
+      </p:cxnSp>
+      <p:cxnSp>
+        <p:nvCxnSpPr>
+          <p:cNvPr id="22" name="Straight Arrow Connector 21">
+            <a:extLst>
+              <a:ext uri="{FF2B5EF4-FFF2-40B4-BE49-F238E27FC236}">
+                <a16:creationId xmlns:a16="http://schemas.microsoft.com/office/drawing/2014/main" id="{CF92AE76-40D0-40DC-B891-168F7753E637}"/>
+              </a:ext>
+            </a:extLst>
+          </p:cNvPr>
+          <p:cNvCxnSpPr/>
+          <p:nvPr/>
+        </p:nvCxnSpPr>
+        <p:spPr>
+          <a:xfrm>
+            <a:off x="2886335" y="582764"/>
+            <a:ext cx="326649" cy="2168825"/>
+          </a:xfrm>
+          <a:prstGeom prst="straightConnector1">
+            <a:avLst/>
+          </a:prstGeom>
+          <a:ln>
+            <a:tailEnd type="triangle"/>
+          </a:ln>
+        </p:spPr>
+        <p:style>
+          <a:lnRef idx="1">
+            <a:schemeClr val="accent1"/>
+          </a:lnRef>
+          <a:fillRef idx="0">
+            <a:schemeClr val="accent1"/>
+          </a:fillRef>
+          <a:effectRef idx="0">
+            <a:schemeClr val="accent1"/>
+          </a:effectRef>
+          <a:fontRef idx="minor">
+            <a:schemeClr val="tx1"/>
+          </a:fontRef>
+        </p:style>
+      </p:cxnSp>
+      <p:cxnSp>
+        <p:nvCxnSpPr>
+          <p:cNvPr id="24" name="Straight Arrow Connector 23">
+            <a:extLst>
+              <a:ext uri="{FF2B5EF4-FFF2-40B4-BE49-F238E27FC236}">
+                <a16:creationId xmlns:a16="http://schemas.microsoft.com/office/drawing/2014/main" id="{C6E3474A-00A6-42ED-B5B3-EC5FB3BE3965}"/>
+              </a:ext>
+            </a:extLst>
+          </p:cNvPr>
+          <p:cNvCxnSpPr/>
+          <p:nvPr/>
+        </p:nvCxnSpPr>
+        <p:spPr>
+          <a:xfrm flipH="1">
+            <a:off x="3212984" y="2884923"/>
+            <a:ext cx="457718" cy="665386"/>
+          </a:xfrm>
+          <a:prstGeom prst="straightConnector1">
+            <a:avLst/>
+          </a:prstGeom>
+          <a:ln>
+            <a:tailEnd type="triangle"/>
+          </a:ln>
+        </p:spPr>
+        <p:style>
+          <a:lnRef idx="1">
+            <a:schemeClr val="accent1"/>
+          </a:lnRef>
+          <a:fillRef idx="0">
+            <a:schemeClr val="accent1"/>
+          </a:fillRef>
+          <a:effectRef idx="0">
+            <a:schemeClr val="accent1"/>
+          </a:effectRef>
+          <a:fontRef idx="minor">
+            <a:schemeClr val="tx1"/>
+          </a:fontRef>
+        </p:style>
+      </p:cxnSp>
+      <p:cxnSp>
+        <p:nvCxnSpPr>
+          <p:cNvPr id="26" name="Straight Arrow Connector 25">
+            <a:extLst>
+              <a:ext uri="{FF2B5EF4-FFF2-40B4-BE49-F238E27FC236}">
+                <a16:creationId xmlns:a16="http://schemas.microsoft.com/office/drawing/2014/main" id="{F3A611DE-FE7F-47CA-A7C6-C33D9E3B4265}"/>
+              </a:ext>
+            </a:extLst>
+          </p:cNvPr>
+          <p:cNvCxnSpPr>
+            <a:endCxn id="11" idx="2"/>
+          </p:cNvCxnSpPr>
+          <p:nvPr/>
+        </p:nvCxnSpPr>
+        <p:spPr>
+          <a:xfrm>
+            <a:off x="3120705" y="3784999"/>
+            <a:ext cx="2027669" cy="832114"/>
+          </a:xfrm>
+          <a:prstGeom prst="straightConnector1">
+            <a:avLst/>
+          </a:prstGeom>
+          <a:ln>
+            <a:tailEnd type="triangle"/>
+          </a:ln>
+        </p:spPr>
+        <p:style>
+          <a:lnRef idx="1">
+            <a:schemeClr val="accent1"/>
+          </a:lnRef>
+          <a:fillRef idx="0">
+            <a:schemeClr val="accent1"/>
+          </a:fillRef>
+          <a:effectRef idx="0">
+            <a:schemeClr val="accent1"/>
+          </a:effectRef>
+          <a:fontRef idx="minor">
+            <a:schemeClr val="tx1"/>
+          </a:fontRef>
+        </p:style>
+      </p:cxnSp>
+      <p:sp>
+        <p:nvSpPr>
+          <p:cNvPr id="27" name="Cloud 26">
+            <a:extLst>
+              <a:ext uri="{FF2B5EF4-FFF2-40B4-BE49-F238E27FC236}">
+                <a16:creationId xmlns:a16="http://schemas.microsoft.com/office/drawing/2014/main" id="{051688AC-EA3A-44BA-A61F-4420C6C3F9A1}"/>
+              </a:ext>
+            </a:extLst>
+          </p:cNvPr>
+          <p:cNvSpPr/>
+          <p:nvPr/>
+        </p:nvSpPr>
+        <p:spPr>
+          <a:xfrm>
+            <a:off x="931178" y="1686187"/>
+            <a:ext cx="1500233" cy="3581937"/>
+          </a:xfrm>
+          <a:prstGeom prst="cloud">
+            <a:avLst/>
+          </a:prstGeom>
+          <a:noFill/>
+        </p:spPr>
+        <p:style>
+          <a:lnRef idx="2">
+            <a:schemeClr val="accent1">
+              <a:shade val="50000"/>
+            </a:schemeClr>
+          </a:lnRef>
+          <a:fillRef idx="1">
+            <a:schemeClr val="accent1"/>
+          </a:fillRef>
+          <a:effectRef idx="0">
+            <a:schemeClr val="accent1"/>
+          </a:effectRef>
+          <a:fontRef idx="minor">
+            <a:schemeClr val="lt1"/>
+          </a:fontRef>
+        </p:style>
+        <p:txBody>
+          <a:bodyPr rtlCol="0" anchor="ctr"/>
+          <a:lstStyle/>
+          <a:p>
+            <a:pPr algn="ctr"/>
+            <a:endParaRPr lang="en-US"/>
+          </a:p>
+        </p:txBody>
+      </p:sp>
+      <p:sp>
+        <p:nvSpPr>
+          <p:cNvPr id="28" name="TextBox 27">
+            <a:extLst>
+              <a:ext uri="{FF2B5EF4-FFF2-40B4-BE49-F238E27FC236}">
+                <a16:creationId xmlns:a16="http://schemas.microsoft.com/office/drawing/2014/main" id="{BF1AD6FE-4FA3-49A0-B590-2E355F35B212}"/>
+              </a:ext>
+            </a:extLst>
+          </p:cNvPr>
+          <p:cNvSpPr txBox="1"/>
+          <p:nvPr/>
+        </p:nvSpPr>
+        <p:spPr>
+          <a:xfrm>
+            <a:off x="906011" y="1439872"/>
+            <a:ext cx="1156086" cy="369332"/>
+          </a:xfrm>
+          <a:prstGeom prst="rect">
+            <a:avLst/>
+          </a:prstGeom>
+          <a:noFill/>
+        </p:spPr>
+        <p:txBody>
+          <a:bodyPr wrap="none" rtlCol="0">
+            <a:spAutoFit/>
+          </a:bodyPr>
+          <a:lstStyle/>
+          <a:p>
+            <a:r>
+              <a:rPr lang="en-US" dirty="0"/>
+              <a:t>Mesh-n/w</a:t>
+            </a:r>
+          </a:p>
+        </p:txBody>
+      </p:sp>
+      <p:sp>
+        <p:nvSpPr>
+          <p:cNvPr id="29" name="TextBox 28">
+            <a:extLst>
+              <a:ext uri="{FF2B5EF4-FFF2-40B4-BE49-F238E27FC236}">
+                <a16:creationId xmlns:a16="http://schemas.microsoft.com/office/drawing/2014/main" id="{A16A9BFE-8F06-4C2B-939C-D5AEE7CE443E}"/>
+              </a:ext>
+            </a:extLst>
+          </p:cNvPr>
+          <p:cNvSpPr txBox="1"/>
+          <p:nvPr/>
+        </p:nvSpPr>
+        <p:spPr>
+          <a:xfrm>
+            <a:off x="1392572" y="3204594"/>
+            <a:ext cx="4703428" cy="261610"/>
+          </a:xfrm>
+          <a:prstGeom prst="rect">
+            <a:avLst/>
+          </a:prstGeom>
+          <a:noFill/>
+        </p:spPr>
+        <p:txBody>
+          <a:bodyPr wrap="square" rtlCol="0">
+            <a:spAutoFit/>
+          </a:bodyPr>
+          <a:lstStyle/>
+          <a:p>
+            <a:r>
+              <a:rPr lang="en-US" sz="1100" dirty="0" err="1"/>
+              <a:t>Calipo</a:t>
+            </a:r>
+            <a:r>
+              <a:rPr lang="en-US" sz="1100" dirty="0"/>
+              <a:t>(</a:t>
+            </a:r>
+            <a:r>
+              <a:rPr lang="en-US" sz="1100" dirty="0" err="1"/>
+              <a:t>aws</a:t>
+            </a:r>
+            <a:r>
+              <a:rPr lang="en-US" sz="1100" dirty="0"/>
+              <a:t>), flannel (oracle), cloud-weave(</a:t>
+            </a:r>
+            <a:r>
+              <a:rPr lang="en-US" sz="1100" dirty="0" err="1"/>
+              <a:t>gc</a:t>
+            </a:r>
+            <a:r>
+              <a:rPr lang="en-US" sz="1100" dirty="0"/>
+              <a:t>), (if using docker swarm- overlay)</a:t>
+            </a:r>
+            <a:endParaRPr lang="en-US" dirty="0"/>
+          </a:p>
+        </p:txBody>
+      </p:sp>
+    </p:spTree>
+    <p:extLst>
+      <p:ext uri="{BB962C8B-B14F-4D97-AF65-F5344CB8AC3E}">
+        <p14:creationId xmlns:p14="http://schemas.microsoft.com/office/powerpoint/2010/main" val="2451781653"/>
+      </p:ext>
+    </p:extLst>
+  </p:cSld>
+  <p:clrMapOvr>
+    <a:masterClrMapping/>
+  </p:clrMapOvr>
+</p:sld>
+</file>
+
 <file path=ppt/slides/slide2.xml><?xml version="1.0" encoding="utf-8"?>
 <p:sld xmlns:a="http://schemas.openxmlformats.org/drawingml/2006/main" xmlns:r="http://schemas.openxmlformats.org/officeDocument/2006/relationships" xmlns:p="http://schemas.openxmlformats.org/presentationml/2006/main">
   <p:cSld>
@@ -11459,6 +16737,4435 @@
     <p:extLst>
       <p:ext uri="{BB962C8B-B14F-4D97-AF65-F5344CB8AC3E}">
         <p14:creationId xmlns:p14="http://schemas.microsoft.com/office/powerpoint/2010/main" val="1226038465"/>
+      </p:ext>
+    </p:extLst>
+  </p:cSld>
+  <p:clrMapOvr>
+    <a:masterClrMapping/>
+  </p:clrMapOvr>
+</p:sld>
+</file>
+
+<file path=ppt/slides/slide20.xml><?xml version="1.0" encoding="utf-8"?>
+<p:sld xmlns:a="http://schemas.openxmlformats.org/drawingml/2006/main" xmlns:r="http://schemas.openxmlformats.org/officeDocument/2006/relationships" xmlns:p="http://schemas.openxmlformats.org/presentationml/2006/main">
+  <p:cSld>
+    <p:spTree>
+      <p:nvGrpSpPr>
+        <p:cNvPr id="1" name=""/>
+        <p:cNvGrpSpPr/>
+        <p:nvPr/>
+      </p:nvGrpSpPr>
+      <p:grpSpPr>
+        <a:xfrm>
+          <a:off x="0" y="0"/>
+          <a:ext cx="0" cy="0"/>
+          <a:chOff x="0" y="0"/>
+          <a:chExt cx="0" cy="0"/>
+        </a:xfrm>
+      </p:grpSpPr>
+      <p:sp>
+        <p:nvSpPr>
+          <p:cNvPr id="2" name="Rectangle 1">
+            <a:extLst>
+              <a:ext uri="{FF2B5EF4-FFF2-40B4-BE49-F238E27FC236}">
+                <a16:creationId xmlns:a16="http://schemas.microsoft.com/office/drawing/2014/main" id="{4334550C-9783-4157-AB14-98983A42B32F}"/>
+              </a:ext>
+            </a:extLst>
+          </p:cNvPr>
+          <p:cNvSpPr/>
+          <p:nvPr/>
+        </p:nvSpPr>
+        <p:spPr>
+          <a:xfrm>
+            <a:off x="159391" y="2038525"/>
+            <a:ext cx="1115736" cy="2910980"/>
+          </a:xfrm>
+          <a:prstGeom prst="rect">
+            <a:avLst/>
+          </a:prstGeom>
+        </p:spPr>
+        <p:style>
+          <a:lnRef idx="2">
+            <a:schemeClr val="accent1">
+              <a:shade val="50000"/>
+            </a:schemeClr>
+          </a:lnRef>
+          <a:fillRef idx="1">
+            <a:schemeClr val="accent1"/>
+          </a:fillRef>
+          <a:effectRef idx="0">
+            <a:schemeClr val="accent1"/>
+          </a:effectRef>
+          <a:fontRef idx="minor">
+            <a:schemeClr val="lt1"/>
+          </a:fontRef>
+        </p:style>
+        <p:txBody>
+          <a:bodyPr rtlCol="0" anchor="ctr"/>
+          <a:lstStyle/>
+          <a:p>
+            <a:pPr algn="ctr"/>
+            <a:r>
+              <a:rPr lang="en-US" dirty="0"/>
+              <a:t>k8smaster</a:t>
+            </a:r>
+          </a:p>
+        </p:txBody>
+      </p:sp>
+      <p:sp>
+        <p:nvSpPr>
+          <p:cNvPr id="3" name="Rectangle 2">
+            <a:extLst>
+              <a:ext uri="{FF2B5EF4-FFF2-40B4-BE49-F238E27FC236}">
+                <a16:creationId xmlns:a16="http://schemas.microsoft.com/office/drawing/2014/main" id="{3EFA3CAD-0E73-49A8-8516-C807932FC054}"/>
+              </a:ext>
+            </a:extLst>
+          </p:cNvPr>
+          <p:cNvSpPr/>
+          <p:nvPr/>
+        </p:nvSpPr>
+        <p:spPr>
+          <a:xfrm>
+            <a:off x="2038525" y="192947"/>
+            <a:ext cx="9630561" cy="2994870"/>
+          </a:xfrm>
+          <a:prstGeom prst="rect">
+            <a:avLst/>
+          </a:prstGeom>
+          <a:noFill/>
+        </p:spPr>
+        <p:style>
+          <a:lnRef idx="2">
+            <a:schemeClr val="accent1">
+              <a:shade val="50000"/>
+            </a:schemeClr>
+          </a:lnRef>
+          <a:fillRef idx="1">
+            <a:schemeClr val="accent1"/>
+          </a:fillRef>
+          <a:effectRef idx="0">
+            <a:schemeClr val="accent1"/>
+          </a:effectRef>
+          <a:fontRef idx="minor">
+            <a:schemeClr val="lt1"/>
+          </a:fontRef>
+        </p:style>
+        <p:txBody>
+          <a:bodyPr rtlCol="0" anchor="ctr"/>
+          <a:lstStyle/>
+          <a:p>
+            <a:pPr algn="ctr"/>
+            <a:endParaRPr lang="en-US" dirty="0"/>
+          </a:p>
+        </p:txBody>
+      </p:sp>
+      <p:sp>
+        <p:nvSpPr>
+          <p:cNvPr id="4" name="Rectangle 3">
+            <a:extLst>
+              <a:ext uri="{FF2B5EF4-FFF2-40B4-BE49-F238E27FC236}">
+                <a16:creationId xmlns:a16="http://schemas.microsoft.com/office/drawing/2014/main" id="{32D42693-78B2-4D5B-B8CC-F8C53A9F6F29}"/>
+              </a:ext>
+            </a:extLst>
+          </p:cNvPr>
+          <p:cNvSpPr/>
+          <p:nvPr/>
+        </p:nvSpPr>
+        <p:spPr>
+          <a:xfrm>
+            <a:off x="2039923" y="3499611"/>
+            <a:ext cx="9630561" cy="2994870"/>
+          </a:xfrm>
+          <a:prstGeom prst="rect">
+            <a:avLst/>
+          </a:prstGeom>
+          <a:noFill/>
+        </p:spPr>
+        <p:style>
+          <a:lnRef idx="2">
+            <a:schemeClr val="accent1">
+              <a:shade val="50000"/>
+            </a:schemeClr>
+          </a:lnRef>
+          <a:fillRef idx="1">
+            <a:schemeClr val="accent1"/>
+          </a:fillRef>
+          <a:effectRef idx="0">
+            <a:schemeClr val="accent1"/>
+          </a:effectRef>
+          <a:fontRef idx="minor">
+            <a:schemeClr val="lt1"/>
+          </a:fontRef>
+        </p:style>
+        <p:txBody>
+          <a:bodyPr rtlCol="0" anchor="ctr"/>
+          <a:lstStyle/>
+          <a:p>
+            <a:pPr algn="ctr"/>
+            <a:endParaRPr lang="en-US"/>
+          </a:p>
+        </p:txBody>
+      </p:sp>
+      <p:sp>
+        <p:nvSpPr>
+          <p:cNvPr id="5" name="TextBox 4">
+            <a:extLst>
+              <a:ext uri="{FF2B5EF4-FFF2-40B4-BE49-F238E27FC236}">
+                <a16:creationId xmlns:a16="http://schemas.microsoft.com/office/drawing/2014/main" id="{D3C3F1C2-FE4A-4499-9BAB-F5E6565700F1}"/>
+              </a:ext>
+            </a:extLst>
+          </p:cNvPr>
+          <p:cNvSpPr txBox="1"/>
+          <p:nvPr/>
+        </p:nvSpPr>
+        <p:spPr>
+          <a:xfrm>
+            <a:off x="2030135" y="201336"/>
+            <a:ext cx="1744388" cy="276999"/>
+          </a:xfrm>
+          <a:prstGeom prst="rect">
+            <a:avLst/>
+          </a:prstGeom>
+          <a:noFill/>
+        </p:spPr>
+        <p:txBody>
+          <a:bodyPr wrap="none" rtlCol="0">
+            <a:spAutoFit/>
+          </a:bodyPr>
+          <a:lstStyle/>
+          <a:p>
+            <a:r>
+              <a:rPr lang="en-US" sz="1200" dirty="0"/>
+              <a:t>K8snode1:192.167.10.71</a:t>
+            </a:r>
+            <a:endParaRPr lang="en-US" dirty="0"/>
+          </a:p>
+        </p:txBody>
+      </p:sp>
+      <p:sp>
+        <p:nvSpPr>
+          <p:cNvPr id="6" name="TextBox 5">
+            <a:extLst>
+              <a:ext uri="{FF2B5EF4-FFF2-40B4-BE49-F238E27FC236}">
+                <a16:creationId xmlns:a16="http://schemas.microsoft.com/office/drawing/2014/main" id="{C03DE85D-AD13-40A0-B44D-8B9E32D2F3DE}"/>
+              </a:ext>
+            </a:extLst>
+          </p:cNvPr>
+          <p:cNvSpPr txBox="1"/>
+          <p:nvPr/>
+        </p:nvSpPr>
+        <p:spPr>
+          <a:xfrm>
+            <a:off x="2056700" y="3508000"/>
+            <a:ext cx="1744388" cy="276999"/>
+          </a:xfrm>
+          <a:prstGeom prst="rect">
+            <a:avLst/>
+          </a:prstGeom>
+          <a:noFill/>
+        </p:spPr>
+        <p:txBody>
+          <a:bodyPr wrap="none" rtlCol="0">
+            <a:spAutoFit/>
+          </a:bodyPr>
+          <a:lstStyle/>
+          <a:p>
+            <a:r>
+              <a:rPr lang="en-US" sz="1200" dirty="0"/>
+              <a:t>K8snode2:192.167.10.72</a:t>
+            </a:r>
+            <a:endParaRPr lang="en-US" dirty="0"/>
+          </a:p>
+        </p:txBody>
+      </p:sp>
+      <p:sp>
+        <p:nvSpPr>
+          <p:cNvPr id="8" name="TextBox 7">
+            <a:extLst>
+              <a:ext uri="{FF2B5EF4-FFF2-40B4-BE49-F238E27FC236}">
+                <a16:creationId xmlns:a16="http://schemas.microsoft.com/office/drawing/2014/main" id="{7B898726-463F-461E-BF3B-A662D2F9104F}"/>
+              </a:ext>
+            </a:extLst>
+          </p:cNvPr>
+          <p:cNvSpPr txBox="1"/>
+          <p:nvPr/>
+        </p:nvSpPr>
+        <p:spPr>
+          <a:xfrm>
+            <a:off x="75501" y="5103674"/>
+            <a:ext cx="1870745" cy="1754326"/>
+          </a:xfrm>
+          <a:prstGeom prst="rect">
+            <a:avLst/>
+          </a:prstGeom>
+          <a:noFill/>
+        </p:spPr>
+        <p:txBody>
+          <a:bodyPr wrap="square" rtlCol="0">
+            <a:spAutoFit/>
+          </a:bodyPr>
+          <a:lstStyle/>
+          <a:p>
+            <a:r>
+              <a:rPr lang="en-US" dirty="0"/>
+              <a:t>Pod-to-pod communication:</a:t>
+            </a:r>
+          </a:p>
+          <a:p>
+            <a:r>
+              <a:rPr lang="en-US" dirty="0"/>
+              <a:t>Any pod can communicate with any other pod</a:t>
+            </a:r>
+          </a:p>
+        </p:txBody>
+      </p:sp>
+      <p:sp>
+        <p:nvSpPr>
+          <p:cNvPr id="9" name="Oval 8">
+            <a:extLst>
+              <a:ext uri="{FF2B5EF4-FFF2-40B4-BE49-F238E27FC236}">
+                <a16:creationId xmlns:a16="http://schemas.microsoft.com/office/drawing/2014/main" id="{311C5B2E-D946-41B8-9A3D-710E2D552249}"/>
+              </a:ext>
+            </a:extLst>
+          </p:cNvPr>
+          <p:cNvSpPr/>
+          <p:nvPr/>
+        </p:nvSpPr>
+        <p:spPr>
+          <a:xfrm>
+            <a:off x="7273256" y="729842"/>
+            <a:ext cx="1468073" cy="637563"/>
+          </a:xfrm>
+          <a:prstGeom prst="ellipse">
+            <a:avLst/>
+          </a:prstGeom>
+        </p:spPr>
+        <p:style>
+          <a:lnRef idx="2">
+            <a:schemeClr val="accent1">
+              <a:shade val="50000"/>
+            </a:schemeClr>
+          </a:lnRef>
+          <a:fillRef idx="1">
+            <a:schemeClr val="accent1"/>
+          </a:fillRef>
+          <a:effectRef idx="0">
+            <a:schemeClr val="accent1"/>
+          </a:effectRef>
+          <a:fontRef idx="minor">
+            <a:schemeClr val="lt1"/>
+          </a:fontRef>
+        </p:style>
+        <p:txBody>
+          <a:bodyPr rtlCol="0" anchor="ctr"/>
+          <a:lstStyle/>
+          <a:p>
+            <a:pPr algn="ctr"/>
+            <a:r>
+              <a:rPr lang="en-US" dirty="0"/>
+              <a:t>ghost</a:t>
+            </a:r>
+          </a:p>
+        </p:txBody>
+      </p:sp>
+      <p:sp>
+        <p:nvSpPr>
+          <p:cNvPr id="10" name="TextBox 9">
+            <a:extLst>
+              <a:ext uri="{FF2B5EF4-FFF2-40B4-BE49-F238E27FC236}">
+                <a16:creationId xmlns:a16="http://schemas.microsoft.com/office/drawing/2014/main" id="{91B0541C-D4A8-4D95-B37F-02070703E085}"/>
+              </a:ext>
+            </a:extLst>
+          </p:cNvPr>
+          <p:cNvSpPr txBox="1"/>
+          <p:nvPr/>
+        </p:nvSpPr>
+        <p:spPr>
+          <a:xfrm>
+            <a:off x="7418829" y="1280481"/>
+            <a:ext cx="2304011" cy="1723549"/>
+          </a:xfrm>
+          <a:prstGeom prst="rect">
+            <a:avLst/>
+          </a:prstGeom>
+          <a:noFill/>
+        </p:spPr>
+        <p:txBody>
+          <a:bodyPr wrap="square" rtlCol="0">
+            <a:spAutoFit/>
+          </a:bodyPr>
+          <a:lstStyle/>
+          <a:p>
+            <a:r>
+              <a:rPr lang="en-US" dirty="0"/>
+              <a:t>172.17.0.5</a:t>
+            </a:r>
+          </a:p>
+          <a:p>
+            <a:pPr marL="228600" indent="-228600">
+              <a:buAutoNum type="arabicPeriod"/>
+            </a:pPr>
+            <a:r>
+              <a:rPr lang="en-US" sz="1100" dirty="0" err="1"/>
+              <a:t>jdbc:mysql</a:t>
+            </a:r>
+            <a:r>
+              <a:rPr lang="en-US" sz="1100" dirty="0"/>
+              <a:t>://db-svc:8888/ghost</a:t>
+            </a:r>
+          </a:p>
+          <a:p>
+            <a:pPr marL="228600" indent="-228600">
+              <a:buAutoNum type="arabicPeriod"/>
+            </a:pPr>
+            <a:r>
+              <a:rPr lang="en-US" sz="1100" dirty="0"/>
+              <a:t>Checks /</a:t>
+            </a:r>
+            <a:r>
+              <a:rPr lang="en-US" sz="1100" dirty="0" err="1"/>
+              <a:t>etc</a:t>
+            </a:r>
+            <a:r>
+              <a:rPr lang="en-US" sz="1100" dirty="0"/>
+              <a:t>/</a:t>
+            </a:r>
+            <a:r>
+              <a:rPr lang="en-US" sz="1100" dirty="0" err="1"/>
+              <a:t>resolv.conf</a:t>
+            </a:r>
+            <a:r>
+              <a:rPr lang="en-US" sz="1100" dirty="0"/>
+              <a:t> for </a:t>
+            </a:r>
+            <a:r>
+              <a:rPr lang="en-US" sz="1100" dirty="0" err="1"/>
+              <a:t>dns</a:t>
+            </a:r>
+            <a:r>
+              <a:rPr lang="en-US" sz="1100" dirty="0"/>
+              <a:t> entry - 10.96.0.10</a:t>
+            </a:r>
+          </a:p>
+          <a:p>
+            <a:pPr marL="228600" indent="-228600">
+              <a:buAutoNum type="arabicPeriod"/>
+            </a:pPr>
+            <a:r>
+              <a:rPr lang="en-US" sz="1100" dirty="0"/>
+              <a:t>Asks </a:t>
+            </a:r>
+            <a:r>
+              <a:rPr lang="en-US" sz="1100" dirty="0" err="1"/>
+              <a:t>dns</a:t>
+            </a:r>
+            <a:r>
+              <a:rPr lang="en-US" sz="1100" dirty="0"/>
+              <a:t> 10.96.0.10 what is the </a:t>
+            </a:r>
+            <a:r>
+              <a:rPr lang="en-US" sz="1100" dirty="0" err="1"/>
+              <a:t>ip</a:t>
+            </a:r>
+            <a:r>
+              <a:rPr lang="en-US" sz="1100" dirty="0"/>
+              <a:t> for </a:t>
+            </a:r>
+            <a:r>
+              <a:rPr lang="en-US" sz="1100" dirty="0" err="1"/>
+              <a:t>db</a:t>
+            </a:r>
+            <a:r>
+              <a:rPr lang="en-US" sz="1100" dirty="0"/>
+              <a:t>-svc</a:t>
+            </a:r>
+          </a:p>
+          <a:p>
+            <a:pPr marL="228600" indent="-228600">
+              <a:buAutoNum type="arabicPeriod"/>
+            </a:pPr>
+            <a:r>
+              <a:rPr lang="en-US" sz="1100" dirty="0"/>
+              <a:t>Jdbc://mysql://10.110.118.198:8888/ghost</a:t>
+            </a:r>
+          </a:p>
+          <a:p>
+            <a:pPr marL="228600" indent="-228600">
+              <a:buAutoNum type="arabicPeriod"/>
+            </a:pPr>
+            <a:endParaRPr lang="en-US" sz="1100" dirty="0"/>
+          </a:p>
+        </p:txBody>
+      </p:sp>
+      <p:sp>
+        <p:nvSpPr>
+          <p:cNvPr id="11" name="Oval 10">
+            <a:extLst>
+              <a:ext uri="{FF2B5EF4-FFF2-40B4-BE49-F238E27FC236}">
+                <a16:creationId xmlns:a16="http://schemas.microsoft.com/office/drawing/2014/main" id="{E320B8AC-3512-4BD3-9781-5422ABB7F82A}"/>
+              </a:ext>
+            </a:extLst>
+          </p:cNvPr>
+          <p:cNvSpPr/>
+          <p:nvPr/>
+        </p:nvSpPr>
+        <p:spPr>
+          <a:xfrm>
+            <a:off x="7418831" y="4275351"/>
+            <a:ext cx="1468073" cy="637563"/>
+          </a:xfrm>
+          <a:prstGeom prst="ellipse">
+            <a:avLst/>
+          </a:prstGeom>
+        </p:spPr>
+        <p:style>
+          <a:lnRef idx="2">
+            <a:schemeClr val="accent1">
+              <a:shade val="50000"/>
+            </a:schemeClr>
+          </a:lnRef>
+          <a:fillRef idx="1">
+            <a:schemeClr val="accent1"/>
+          </a:fillRef>
+          <a:effectRef idx="0">
+            <a:schemeClr val="accent1"/>
+          </a:effectRef>
+          <a:fontRef idx="minor">
+            <a:schemeClr val="lt1"/>
+          </a:fontRef>
+        </p:style>
+        <p:txBody>
+          <a:bodyPr rtlCol="0" anchor="ctr"/>
+          <a:lstStyle/>
+          <a:p>
+            <a:pPr algn="ctr"/>
+            <a:r>
+              <a:rPr lang="en-US" dirty="0" err="1"/>
+              <a:t>db</a:t>
+            </a:r>
+            <a:endParaRPr lang="en-US" dirty="0"/>
+          </a:p>
+        </p:txBody>
+      </p:sp>
+      <p:sp>
+        <p:nvSpPr>
+          <p:cNvPr id="12" name="TextBox 11">
+            <a:extLst>
+              <a:ext uri="{FF2B5EF4-FFF2-40B4-BE49-F238E27FC236}">
+                <a16:creationId xmlns:a16="http://schemas.microsoft.com/office/drawing/2014/main" id="{EEC0D5F9-9F45-4021-8967-68B1B3A2BF9B}"/>
+              </a:ext>
+            </a:extLst>
+          </p:cNvPr>
+          <p:cNvSpPr txBox="1"/>
+          <p:nvPr/>
+        </p:nvSpPr>
+        <p:spPr>
+          <a:xfrm>
+            <a:off x="7564404" y="4789400"/>
+            <a:ext cx="1176925" cy="369332"/>
+          </a:xfrm>
+          <a:prstGeom prst="rect">
+            <a:avLst/>
+          </a:prstGeom>
+          <a:noFill/>
+        </p:spPr>
+        <p:txBody>
+          <a:bodyPr wrap="none" rtlCol="0">
+            <a:spAutoFit/>
+          </a:bodyPr>
+          <a:lstStyle/>
+          <a:p>
+            <a:r>
+              <a:rPr lang="en-US" dirty="0"/>
+              <a:t>172.18.0.5</a:t>
+            </a:r>
+          </a:p>
+        </p:txBody>
+      </p:sp>
+      <p:sp>
+        <p:nvSpPr>
+          <p:cNvPr id="13" name="TextBox 12">
+            <a:extLst>
+              <a:ext uri="{FF2B5EF4-FFF2-40B4-BE49-F238E27FC236}">
+                <a16:creationId xmlns:a16="http://schemas.microsoft.com/office/drawing/2014/main" id="{0F422D4D-E0BC-4FFF-BB06-3EF76A0267B9}"/>
+              </a:ext>
+            </a:extLst>
+          </p:cNvPr>
+          <p:cNvSpPr txBox="1"/>
+          <p:nvPr/>
+        </p:nvSpPr>
+        <p:spPr>
+          <a:xfrm>
+            <a:off x="94337" y="383529"/>
+            <a:ext cx="1626120" cy="646331"/>
+          </a:xfrm>
+          <a:prstGeom prst="rect">
+            <a:avLst/>
+          </a:prstGeom>
+          <a:noFill/>
+        </p:spPr>
+        <p:txBody>
+          <a:bodyPr wrap="square" rtlCol="0">
+            <a:spAutoFit/>
+          </a:bodyPr>
+          <a:lstStyle/>
+          <a:p>
+            <a:r>
+              <a:rPr lang="en-US" dirty="0"/>
+              <a:t>1. Solve prob of </a:t>
+            </a:r>
+            <a:r>
+              <a:rPr lang="en-US" dirty="0" err="1"/>
+              <a:t>ip</a:t>
+            </a:r>
+            <a:r>
+              <a:rPr lang="en-US" dirty="0"/>
+              <a:t> clash</a:t>
+            </a:r>
+          </a:p>
+        </p:txBody>
+      </p:sp>
+      <p:sp>
+        <p:nvSpPr>
+          <p:cNvPr id="15" name="TextBox 14">
+            <a:extLst>
+              <a:ext uri="{FF2B5EF4-FFF2-40B4-BE49-F238E27FC236}">
+                <a16:creationId xmlns:a16="http://schemas.microsoft.com/office/drawing/2014/main" id="{E20D9E88-7D1D-491E-80F0-C001B5FE90E6}"/>
+              </a:ext>
+            </a:extLst>
+          </p:cNvPr>
+          <p:cNvSpPr txBox="1"/>
+          <p:nvPr/>
+        </p:nvSpPr>
+        <p:spPr>
+          <a:xfrm>
+            <a:off x="2038524" y="2541864"/>
+            <a:ext cx="3842158" cy="646331"/>
+          </a:xfrm>
+          <a:prstGeom prst="rect">
+            <a:avLst/>
+          </a:prstGeom>
+          <a:noFill/>
+        </p:spPr>
+        <p:txBody>
+          <a:bodyPr wrap="square" rtlCol="0">
+            <a:spAutoFit/>
+          </a:bodyPr>
+          <a:lstStyle/>
+          <a:p>
+            <a:r>
+              <a:rPr lang="en-US" sz="1200" dirty="0"/>
+              <a:t>Route entry</a:t>
+            </a:r>
+          </a:p>
+          <a:p>
+            <a:r>
+              <a:rPr lang="en-US" sz="1200" dirty="0"/>
+              <a:t>172.18.0.0  next hop is 192.167.10.72</a:t>
+            </a:r>
+          </a:p>
+          <a:p>
+            <a:r>
+              <a:rPr lang="en-US" sz="1200" dirty="0"/>
+              <a:t>172.17.0.0  next hop is 192.167.10.71</a:t>
+            </a:r>
+            <a:endParaRPr lang="en-US" dirty="0"/>
+          </a:p>
+        </p:txBody>
+      </p:sp>
+      <p:sp>
+        <p:nvSpPr>
+          <p:cNvPr id="16" name="TextBox 15">
+            <a:extLst>
+              <a:ext uri="{FF2B5EF4-FFF2-40B4-BE49-F238E27FC236}">
+                <a16:creationId xmlns:a16="http://schemas.microsoft.com/office/drawing/2014/main" id="{E52B7CF0-62AE-486B-99AE-93A0A2F7CCF7}"/>
+              </a:ext>
+            </a:extLst>
+          </p:cNvPr>
+          <p:cNvSpPr txBox="1"/>
+          <p:nvPr/>
+        </p:nvSpPr>
+        <p:spPr>
+          <a:xfrm>
+            <a:off x="2048311" y="5865306"/>
+            <a:ext cx="3842158" cy="646331"/>
+          </a:xfrm>
+          <a:prstGeom prst="rect">
+            <a:avLst/>
+          </a:prstGeom>
+          <a:noFill/>
+        </p:spPr>
+        <p:txBody>
+          <a:bodyPr wrap="square" rtlCol="0">
+            <a:spAutoFit/>
+          </a:bodyPr>
+          <a:lstStyle/>
+          <a:p>
+            <a:r>
+              <a:rPr lang="en-US" sz="1200" dirty="0"/>
+              <a:t>Route entry</a:t>
+            </a:r>
+          </a:p>
+          <a:p>
+            <a:r>
+              <a:rPr lang="en-US" sz="1200" dirty="0"/>
+              <a:t>172.18.0.0  next hop is 192.167.10.72</a:t>
+            </a:r>
+          </a:p>
+          <a:p>
+            <a:r>
+              <a:rPr lang="en-US" sz="1200" dirty="0"/>
+              <a:t>172.17.0.0  next hop is 192.167.10.71</a:t>
+            </a:r>
+            <a:endParaRPr lang="en-US" dirty="0"/>
+          </a:p>
+        </p:txBody>
+      </p:sp>
+      <p:sp>
+        <p:nvSpPr>
+          <p:cNvPr id="27" name="Cloud 26">
+            <a:extLst>
+              <a:ext uri="{FF2B5EF4-FFF2-40B4-BE49-F238E27FC236}">
+                <a16:creationId xmlns:a16="http://schemas.microsoft.com/office/drawing/2014/main" id="{051688AC-EA3A-44BA-A61F-4420C6C3F9A1}"/>
+              </a:ext>
+            </a:extLst>
+          </p:cNvPr>
+          <p:cNvSpPr/>
+          <p:nvPr/>
+        </p:nvSpPr>
+        <p:spPr>
+          <a:xfrm>
+            <a:off x="931178" y="1686187"/>
+            <a:ext cx="1500233" cy="3581937"/>
+          </a:xfrm>
+          <a:prstGeom prst="cloud">
+            <a:avLst/>
+          </a:prstGeom>
+          <a:noFill/>
+        </p:spPr>
+        <p:style>
+          <a:lnRef idx="2">
+            <a:schemeClr val="accent1">
+              <a:shade val="50000"/>
+            </a:schemeClr>
+          </a:lnRef>
+          <a:fillRef idx="1">
+            <a:schemeClr val="accent1"/>
+          </a:fillRef>
+          <a:effectRef idx="0">
+            <a:schemeClr val="accent1"/>
+          </a:effectRef>
+          <a:fontRef idx="minor">
+            <a:schemeClr val="lt1"/>
+          </a:fontRef>
+        </p:style>
+        <p:txBody>
+          <a:bodyPr rtlCol="0" anchor="ctr"/>
+          <a:lstStyle/>
+          <a:p>
+            <a:pPr algn="ctr"/>
+            <a:endParaRPr lang="en-US"/>
+          </a:p>
+        </p:txBody>
+      </p:sp>
+      <p:sp>
+        <p:nvSpPr>
+          <p:cNvPr id="28" name="TextBox 27">
+            <a:extLst>
+              <a:ext uri="{FF2B5EF4-FFF2-40B4-BE49-F238E27FC236}">
+                <a16:creationId xmlns:a16="http://schemas.microsoft.com/office/drawing/2014/main" id="{BF1AD6FE-4FA3-49A0-B590-2E355F35B212}"/>
+              </a:ext>
+            </a:extLst>
+          </p:cNvPr>
+          <p:cNvSpPr txBox="1"/>
+          <p:nvPr/>
+        </p:nvSpPr>
+        <p:spPr>
+          <a:xfrm>
+            <a:off x="906011" y="1439872"/>
+            <a:ext cx="1156086" cy="369332"/>
+          </a:xfrm>
+          <a:prstGeom prst="rect">
+            <a:avLst/>
+          </a:prstGeom>
+          <a:noFill/>
+        </p:spPr>
+        <p:txBody>
+          <a:bodyPr wrap="none" rtlCol="0">
+            <a:spAutoFit/>
+          </a:bodyPr>
+          <a:lstStyle/>
+          <a:p>
+            <a:r>
+              <a:rPr lang="en-US" dirty="0"/>
+              <a:t>Mesh-n/w</a:t>
+            </a:r>
+          </a:p>
+        </p:txBody>
+      </p:sp>
+      <p:sp>
+        <p:nvSpPr>
+          <p:cNvPr id="29" name="TextBox 28">
+            <a:extLst>
+              <a:ext uri="{FF2B5EF4-FFF2-40B4-BE49-F238E27FC236}">
+                <a16:creationId xmlns:a16="http://schemas.microsoft.com/office/drawing/2014/main" id="{A16A9BFE-8F06-4C2B-939C-D5AEE7CE443E}"/>
+              </a:ext>
+            </a:extLst>
+          </p:cNvPr>
+          <p:cNvSpPr txBox="1"/>
+          <p:nvPr/>
+        </p:nvSpPr>
+        <p:spPr>
+          <a:xfrm>
+            <a:off x="1392572" y="3204594"/>
+            <a:ext cx="4703428" cy="261610"/>
+          </a:xfrm>
+          <a:prstGeom prst="rect">
+            <a:avLst/>
+          </a:prstGeom>
+          <a:noFill/>
+        </p:spPr>
+        <p:txBody>
+          <a:bodyPr wrap="square" rtlCol="0">
+            <a:spAutoFit/>
+          </a:bodyPr>
+          <a:lstStyle/>
+          <a:p>
+            <a:r>
+              <a:rPr lang="en-US" sz="1100" dirty="0" err="1"/>
+              <a:t>Calipo</a:t>
+            </a:r>
+            <a:r>
+              <a:rPr lang="en-US" sz="1100" dirty="0"/>
+              <a:t>(</a:t>
+            </a:r>
+            <a:r>
+              <a:rPr lang="en-US" sz="1100" dirty="0" err="1"/>
+              <a:t>aws</a:t>
+            </a:r>
+            <a:r>
+              <a:rPr lang="en-US" sz="1100" dirty="0"/>
+              <a:t>), flannel (oracle), cloud-weave(</a:t>
+            </a:r>
+            <a:r>
+              <a:rPr lang="en-US" sz="1100" dirty="0" err="1"/>
+              <a:t>gc</a:t>
+            </a:r>
+            <a:r>
+              <a:rPr lang="en-US" sz="1100" dirty="0"/>
+              <a:t>), (if using docker swarm- overlay)</a:t>
+            </a:r>
+            <a:endParaRPr lang="en-US" dirty="0"/>
+          </a:p>
+        </p:txBody>
+      </p:sp>
+      <p:sp>
+        <p:nvSpPr>
+          <p:cNvPr id="14" name="TextBox 13">
+            <a:extLst>
+              <a:ext uri="{FF2B5EF4-FFF2-40B4-BE49-F238E27FC236}">
+                <a16:creationId xmlns:a16="http://schemas.microsoft.com/office/drawing/2014/main" id="{57DC80BC-82EB-49C4-B626-CAF635AA2929}"/>
+              </a:ext>
+            </a:extLst>
+          </p:cNvPr>
+          <p:cNvSpPr txBox="1"/>
+          <p:nvPr/>
+        </p:nvSpPr>
+        <p:spPr>
+          <a:xfrm>
+            <a:off x="2316602" y="1652360"/>
+            <a:ext cx="3273781" cy="461665"/>
+          </a:xfrm>
+          <a:prstGeom prst="rect">
+            <a:avLst/>
+          </a:prstGeom>
+          <a:noFill/>
+        </p:spPr>
+        <p:txBody>
+          <a:bodyPr wrap="none" rtlCol="0">
+            <a:spAutoFit/>
+          </a:bodyPr>
+          <a:lstStyle/>
+          <a:p>
+            <a:r>
+              <a:rPr lang="en-US" sz="1200" dirty="0" err="1"/>
+              <a:t>Kube</a:t>
+            </a:r>
+            <a:r>
+              <a:rPr lang="en-US" sz="1200" dirty="0"/>
+              <a:t>-proxy</a:t>
+            </a:r>
+          </a:p>
+          <a:p>
+            <a:r>
+              <a:rPr lang="en-US" sz="1200" dirty="0" err="1"/>
+              <a:t>IP:Port</a:t>
+            </a:r>
+            <a:r>
+              <a:rPr lang="en-US" sz="1200" dirty="0"/>
+              <a:t>=10.110.118.198:8888 EP:172.18.0.5:3306</a:t>
+            </a:r>
+            <a:endParaRPr lang="en-US" dirty="0"/>
+          </a:p>
+        </p:txBody>
+      </p:sp>
+      <p:sp>
+        <p:nvSpPr>
+          <p:cNvPr id="25" name="TextBox 24">
+            <a:extLst>
+              <a:ext uri="{FF2B5EF4-FFF2-40B4-BE49-F238E27FC236}">
+                <a16:creationId xmlns:a16="http://schemas.microsoft.com/office/drawing/2014/main" id="{E3010AEE-8F57-4384-AA65-FF58656620C4}"/>
+              </a:ext>
+            </a:extLst>
+          </p:cNvPr>
+          <p:cNvSpPr txBox="1"/>
+          <p:nvPr/>
+        </p:nvSpPr>
+        <p:spPr>
+          <a:xfrm>
+            <a:off x="2316601" y="5276513"/>
+            <a:ext cx="3273781" cy="461665"/>
+          </a:xfrm>
+          <a:prstGeom prst="rect">
+            <a:avLst/>
+          </a:prstGeom>
+          <a:noFill/>
+        </p:spPr>
+        <p:txBody>
+          <a:bodyPr wrap="none" rtlCol="0">
+            <a:spAutoFit/>
+          </a:bodyPr>
+          <a:lstStyle/>
+          <a:p>
+            <a:r>
+              <a:rPr lang="en-US" sz="1200" dirty="0" err="1"/>
+              <a:t>Kube</a:t>
+            </a:r>
+            <a:r>
+              <a:rPr lang="en-US" sz="1200" dirty="0"/>
+              <a:t>-proxy</a:t>
+            </a:r>
+          </a:p>
+          <a:p>
+            <a:r>
+              <a:rPr lang="en-US" sz="1200" dirty="0" err="1"/>
+              <a:t>IP:Port</a:t>
+            </a:r>
+            <a:r>
+              <a:rPr lang="en-US" sz="1200" dirty="0"/>
+              <a:t>=10.110.118.198:8888 EP:172.18.0.5:3306</a:t>
+            </a:r>
+            <a:endParaRPr lang="en-US" dirty="0"/>
+          </a:p>
+        </p:txBody>
+      </p:sp>
+      <p:sp>
+        <p:nvSpPr>
+          <p:cNvPr id="17" name="TextBox 16">
+            <a:extLst>
+              <a:ext uri="{FF2B5EF4-FFF2-40B4-BE49-F238E27FC236}">
+                <a16:creationId xmlns:a16="http://schemas.microsoft.com/office/drawing/2014/main" id="{C1089FD5-1D53-495B-AD5A-65E9FEBF4C6D}"/>
+              </a:ext>
+            </a:extLst>
+          </p:cNvPr>
+          <p:cNvSpPr txBox="1"/>
+          <p:nvPr/>
+        </p:nvSpPr>
+        <p:spPr>
+          <a:xfrm>
+            <a:off x="2316601" y="1237484"/>
+            <a:ext cx="512000" cy="276999"/>
+          </a:xfrm>
+          <a:prstGeom prst="rect">
+            <a:avLst/>
+          </a:prstGeom>
+          <a:noFill/>
+        </p:spPr>
+        <p:txBody>
+          <a:bodyPr wrap="none" rtlCol="0">
+            <a:spAutoFit/>
+          </a:bodyPr>
+          <a:lstStyle/>
+          <a:p>
+            <a:r>
+              <a:rPr lang="en-US" sz="1200" dirty="0"/>
+              <a:t>canal</a:t>
+            </a:r>
+            <a:endParaRPr lang="en-US" dirty="0"/>
+          </a:p>
+        </p:txBody>
+      </p:sp>
+      <p:sp>
+        <p:nvSpPr>
+          <p:cNvPr id="30" name="TextBox 29">
+            <a:extLst>
+              <a:ext uri="{FF2B5EF4-FFF2-40B4-BE49-F238E27FC236}">
+                <a16:creationId xmlns:a16="http://schemas.microsoft.com/office/drawing/2014/main" id="{32B7B158-DDA1-4108-BFEE-6629500E5D26}"/>
+              </a:ext>
+            </a:extLst>
+          </p:cNvPr>
+          <p:cNvSpPr txBox="1"/>
+          <p:nvPr/>
+        </p:nvSpPr>
+        <p:spPr>
+          <a:xfrm>
+            <a:off x="2434206" y="4812380"/>
+            <a:ext cx="512000" cy="276999"/>
+          </a:xfrm>
+          <a:prstGeom prst="rect">
+            <a:avLst/>
+          </a:prstGeom>
+          <a:noFill/>
+        </p:spPr>
+        <p:txBody>
+          <a:bodyPr wrap="none" rtlCol="0">
+            <a:spAutoFit/>
+          </a:bodyPr>
+          <a:lstStyle/>
+          <a:p>
+            <a:r>
+              <a:rPr lang="en-US" sz="1200" dirty="0"/>
+              <a:t>canal</a:t>
+            </a:r>
+            <a:endParaRPr lang="en-US" dirty="0"/>
+          </a:p>
+        </p:txBody>
+      </p:sp>
+      <p:sp>
+        <p:nvSpPr>
+          <p:cNvPr id="19" name="Oval 18">
+            <a:extLst>
+              <a:ext uri="{FF2B5EF4-FFF2-40B4-BE49-F238E27FC236}">
+                <a16:creationId xmlns:a16="http://schemas.microsoft.com/office/drawing/2014/main" id="{2491310C-76F5-4464-914E-3AB47712B511}"/>
+              </a:ext>
+            </a:extLst>
+          </p:cNvPr>
+          <p:cNvSpPr/>
+          <p:nvPr/>
+        </p:nvSpPr>
+        <p:spPr>
+          <a:xfrm>
+            <a:off x="10922466" y="1124125"/>
+            <a:ext cx="1269534" cy="528235"/>
+          </a:xfrm>
+          <a:prstGeom prst="ellipse">
+            <a:avLst/>
+          </a:prstGeom>
+        </p:spPr>
+        <p:style>
+          <a:lnRef idx="2">
+            <a:schemeClr val="accent1">
+              <a:shade val="50000"/>
+            </a:schemeClr>
+          </a:lnRef>
+          <a:fillRef idx="1">
+            <a:schemeClr val="accent1"/>
+          </a:fillRef>
+          <a:effectRef idx="0">
+            <a:schemeClr val="accent1"/>
+          </a:effectRef>
+          <a:fontRef idx="minor">
+            <a:schemeClr val="lt1"/>
+          </a:fontRef>
+        </p:style>
+        <p:txBody>
+          <a:bodyPr rtlCol="0" anchor="ctr"/>
+          <a:lstStyle/>
+          <a:p>
+            <a:pPr algn="ctr"/>
+            <a:r>
+              <a:rPr lang="en-US" dirty="0" err="1"/>
+              <a:t>dns</a:t>
+            </a:r>
+            <a:endParaRPr lang="en-US" dirty="0"/>
+          </a:p>
+        </p:txBody>
+      </p:sp>
+      <p:sp>
+        <p:nvSpPr>
+          <p:cNvPr id="21" name="TextBox 20">
+            <a:extLst>
+              <a:ext uri="{FF2B5EF4-FFF2-40B4-BE49-F238E27FC236}">
+                <a16:creationId xmlns:a16="http://schemas.microsoft.com/office/drawing/2014/main" id="{8E81FAD1-B2E6-414E-B219-61F0D0A9BF8C}"/>
+              </a:ext>
+            </a:extLst>
+          </p:cNvPr>
+          <p:cNvSpPr txBox="1"/>
+          <p:nvPr/>
+        </p:nvSpPr>
+        <p:spPr>
+          <a:xfrm>
+            <a:off x="11026094" y="1652360"/>
+            <a:ext cx="1176925" cy="369332"/>
+          </a:xfrm>
+          <a:prstGeom prst="rect">
+            <a:avLst/>
+          </a:prstGeom>
+          <a:noFill/>
+        </p:spPr>
+        <p:txBody>
+          <a:bodyPr wrap="none" rtlCol="0">
+            <a:spAutoFit/>
+          </a:bodyPr>
+          <a:lstStyle/>
+          <a:p>
+            <a:r>
+              <a:rPr lang="en-US" dirty="0"/>
+              <a:t>10.96.0.10</a:t>
+            </a:r>
+          </a:p>
+        </p:txBody>
+      </p:sp>
+      <p:cxnSp>
+        <p:nvCxnSpPr>
+          <p:cNvPr id="31" name="Straight Arrow Connector 30">
+            <a:extLst>
+              <a:ext uri="{FF2B5EF4-FFF2-40B4-BE49-F238E27FC236}">
+                <a16:creationId xmlns:a16="http://schemas.microsoft.com/office/drawing/2014/main" id="{6B1E7B8C-134D-47DC-9A46-BE65D4F59647}"/>
+              </a:ext>
+            </a:extLst>
+          </p:cNvPr>
+          <p:cNvCxnSpPr>
+            <a:endCxn id="19" idx="2"/>
+          </p:cNvCxnSpPr>
+          <p:nvPr/>
+        </p:nvCxnSpPr>
+        <p:spPr>
+          <a:xfrm flipV="1">
+            <a:off x="9388762" y="1388243"/>
+            <a:ext cx="1533704" cy="876785"/>
+          </a:xfrm>
+          <a:prstGeom prst="straightConnector1">
+            <a:avLst/>
+          </a:prstGeom>
+          <a:ln>
+            <a:tailEnd type="triangle"/>
+          </a:ln>
+        </p:spPr>
+        <p:style>
+          <a:lnRef idx="1">
+            <a:schemeClr val="accent1"/>
+          </a:lnRef>
+          <a:fillRef idx="0">
+            <a:schemeClr val="accent1"/>
+          </a:fillRef>
+          <a:effectRef idx="0">
+            <a:schemeClr val="accent1"/>
+          </a:effectRef>
+          <a:fontRef idx="minor">
+            <a:schemeClr val="tx1"/>
+          </a:fontRef>
+        </p:style>
+      </p:cxnSp>
+      <p:sp>
+        <p:nvSpPr>
+          <p:cNvPr id="32" name="Rectangle 31">
+            <a:extLst>
+              <a:ext uri="{FF2B5EF4-FFF2-40B4-BE49-F238E27FC236}">
+                <a16:creationId xmlns:a16="http://schemas.microsoft.com/office/drawing/2014/main" id="{655BC815-8BD4-4363-A332-403DCCC9482A}"/>
+              </a:ext>
+            </a:extLst>
+          </p:cNvPr>
+          <p:cNvSpPr/>
+          <p:nvPr/>
+        </p:nvSpPr>
+        <p:spPr>
+          <a:xfrm>
+            <a:off x="9854577" y="1927645"/>
+            <a:ext cx="1083951" cy="261610"/>
+          </a:xfrm>
+          <a:prstGeom prst="rect">
+            <a:avLst/>
+          </a:prstGeom>
+        </p:spPr>
+        <p:txBody>
+          <a:bodyPr wrap="none">
+            <a:spAutoFit/>
+          </a:bodyPr>
+          <a:lstStyle/>
+          <a:p>
+            <a:r>
+              <a:rPr lang="en-US" sz="1050" dirty="0"/>
+              <a:t>10.110.118.198</a:t>
+            </a:r>
+            <a:endParaRPr lang="en-US" dirty="0"/>
+          </a:p>
+        </p:txBody>
+      </p:sp>
+      <p:cxnSp>
+        <p:nvCxnSpPr>
+          <p:cNvPr id="34" name="Straight Arrow Connector 33">
+            <a:extLst>
+              <a:ext uri="{FF2B5EF4-FFF2-40B4-BE49-F238E27FC236}">
+                <a16:creationId xmlns:a16="http://schemas.microsoft.com/office/drawing/2014/main" id="{4AAA0B26-B3CC-4003-B92F-68DF7ED2BBA4}"/>
+              </a:ext>
+            </a:extLst>
+          </p:cNvPr>
+          <p:cNvCxnSpPr>
+            <a:stCxn id="19" idx="3"/>
+          </p:cNvCxnSpPr>
+          <p:nvPr/>
+        </p:nvCxnSpPr>
+        <p:spPr>
+          <a:xfrm flipH="1">
+            <a:off x="9034943" y="1575002"/>
+            <a:ext cx="2073442" cy="797788"/>
+          </a:xfrm>
+          <a:prstGeom prst="straightConnector1">
+            <a:avLst/>
+          </a:prstGeom>
+          <a:ln>
+            <a:tailEnd type="triangle"/>
+          </a:ln>
+        </p:spPr>
+        <p:style>
+          <a:lnRef idx="1">
+            <a:schemeClr val="accent1"/>
+          </a:lnRef>
+          <a:fillRef idx="0">
+            <a:schemeClr val="accent1"/>
+          </a:fillRef>
+          <a:effectRef idx="0">
+            <a:schemeClr val="accent1"/>
+          </a:effectRef>
+          <a:fontRef idx="minor">
+            <a:schemeClr val="tx1"/>
+          </a:fontRef>
+        </p:style>
+      </p:cxnSp>
+      <p:cxnSp>
+        <p:nvCxnSpPr>
+          <p:cNvPr id="36" name="Straight Arrow Connector 35">
+            <a:extLst>
+              <a:ext uri="{FF2B5EF4-FFF2-40B4-BE49-F238E27FC236}">
+                <a16:creationId xmlns:a16="http://schemas.microsoft.com/office/drawing/2014/main" id="{07733FFC-5013-4054-9552-7A0CF2E0E644}"/>
+              </a:ext>
+            </a:extLst>
+          </p:cNvPr>
+          <p:cNvCxnSpPr/>
+          <p:nvPr/>
+        </p:nvCxnSpPr>
+        <p:spPr>
+          <a:xfrm flipH="1" flipV="1">
+            <a:off x="7185690" y="1124125"/>
+            <a:ext cx="143574" cy="1569659"/>
+          </a:xfrm>
+          <a:prstGeom prst="straightConnector1">
+            <a:avLst/>
+          </a:prstGeom>
+          <a:ln>
+            <a:tailEnd type="triangle"/>
+          </a:ln>
+        </p:spPr>
+        <p:style>
+          <a:lnRef idx="1">
+            <a:schemeClr val="accent1"/>
+          </a:lnRef>
+          <a:fillRef idx="0">
+            <a:schemeClr val="accent1"/>
+          </a:fillRef>
+          <a:effectRef idx="0">
+            <a:schemeClr val="accent1"/>
+          </a:effectRef>
+          <a:fontRef idx="minor">
+            <a:schemeClr val="tx1"/>
+          </a:fontRef>
+        </p:style>
+      </p:cxnSp>
+      <p:cxnSp>
+        <p:nvCxnSpPr>
+          <p:cNvPr id="38" name="Straight Arrow Connector 37">
+            <a:extLst>
+              <a:ext uri="{FF2B5EF4-FFF2-40B4-BE49-F238E27FC236}">
+                <a16:creationId xmlns:a16="http://schemas.microsoft.com/office/drawing/2014/main" id="{DDBBA27B-52E5-4356-AED3-0D9AEAEE6111}"/>
+              </a:ext>
+            </a:extLst>
+          </p:cNvPr>
+          <p:cNvCxnSpPr/>
+          <p:nvPr/>
+        </p:nvCxnSpPr>
+        <p:spPr>
+          <a:xfrm flipH="1" flipV="1">
+            <a:off x="3697049" y="478335"/>
+            <a:ext cx="3406350" cy="551525"/>
+          </a:xfrm>
+          <a:prstGeom prst="straightConnector1">
+            <a:avLst/>
+          </a:prstGeom>
+          <a:ln>
+            <a:tailEnd type="triangle"/>
+          </a:ln>
+        </p:spPr>
+        <p:style>
+          <a:lnRef idx="1">
+            <a:schemeClr val="accent1"/>
+          </a:lnRef>
+          <a:fillRef idx="0">
+            <a:schemeClr val="accent1"/>
+          </a:fillRef>
+          <a:effectRef idx="0">
+            <a:schemeClr val="accent1"/>
+          </a:effectRef>
+          <a:fontRef idx="minor">
+            <a:schemeClr val="tx1"/>
+          </a:fontRef>
+        </p:style>
+      </p:cxnSp>
+      <p:cxnSp>
+        <p:nvCxnSpPr>
+          <p:cNvPr id="40" name="Straight Arrow Connector 39">
+            <a:extLst>
+              <a:ext uri="{FF2B5EF4-FFF2-40B4-BE49-F238E27FC236}">
+                <a16:creationId xmlns:a16="http://schemas.microsoft.com/office/drawing/2014/main" id="{673ECB34-FBB9-44C5-A271-4A6C8BFA1C5C}"/>
+              </a:ext>
+            </a:extLst>
+          </p:cNvPr>
+          <p:cNvCxnSpPr>
+            <a:endCxn id="13" idx="3"/>
+          </p:cNvCxnSpPr>
+          <p:nvPr/>
+        </p:nvCxnSpPr>
+        <p:spPr>
+          <a:xfrm flipH="1">
+            <a:off x="1720457" y="582147"/>
+            <a:ext cx="969749" cy="124548"/>
+          </a:xfrm>
+          <a:prstGeom prst="straightConnector1">
+            <a:avLst/>
+          </a:prstGeom>
+          <a:ln>
+            <a:tailEnd type="triangle"/>
+          </a:ln>
+        </p:spPr>
+        <p:style>
+          <a:lnRef idx="1">
+            <a:schemeClr val="accent1"/>
+          </a:lnRef>
+          <a:fillRef idx="0">
+            <a:schemeClr val="accent1"/>
+          </a:fillRef>
+          <a:effectRef idx="0">
+            <a:schemeClr val="accent1"/>
+          </a:effectRef>
+          <a:fontRef idx="minor">
+            <a:schemeClr val="tx1"/>
+          </a:fontRef>
+        </p:style>
+      </p:cxnSp>
+      <p:cxnSp>
+        <p:nvCxnSpPr>
+          <p:cNvPr id="42" name="Straight Arrow Connector 41">
+            <a:extLst>
+              <a:ext uri="{FF2B5EF4-FFF2-40B4-BE49-F238E27FC236}">
+                <a16:creationId xmlns:a16="http://schemas.microsoft.com/office/drawing/2014/main" id="{09B4F89F-9041-4CC6-9365-3AE10A96D471}"/>
+              </a:ext>
+            </a:extLst>
+          </p:cNvPr>
+          <p:cNvCxnSpPr/>
+          <p:nvPr/>
+        </p:nvCxnSpPr>
+        <p:spPr>
+          <a:xfrm>
+            <a:off x="2380165" y="631760"/>
+            <a:ext cx="566041" cy="588757"/>
+          </a:xfrm>
+          <a:prstGeom prst="straightConnector1">
+            <a:avLst/>
+          </a:prstGeom>
+          <a:ln>
+            <a:tailEnd type="triangle"/>
+          </a:ln>
+        </p:spPr>
+        <p:style>
+          <a:lnRef idx="1">
+            <a:schemeClr val="accent1"/>
+          </a:lnRef>
+          <a:fillRef idx="0">
+            <a:schemeClr val="accent1"/>
+          </a:fillRef>
+          <a:effectRef idx="0">
+            <a:schemeClr val="accent1"/>
+          </a:effectRef>
+          <a:fontRef idx="minor">
+            <a:schemeClr val="tx1"/>
+          </a:fontRef>
+        </p:style>
+      </p:cxnSp>
+      <p:sp>
+        <p:nvSpPr>
+          <p:cNvPr id="43" name="TextBox 42">
+            <a:extLst>
+              <a:ext uri="{FF2B5EF4-FFF2-40B4-BE49-F238E27FC236}">
+                <a16:creationId xmlns:a16="http://schemas.microsoft.com/office/drawing/2014/main" id="{FF2E88E5-8EC7-4B59-8EC7-7F95B7E5E002}"/>
+              </a:ext>
+            </a:extLst>
+          </p:cNvPr>
+          <p:cNvSpPr txBox="1"/>
+          <p:nvPr/>
+        </p:nvSpPr>
+        <p:spPr>
+          <a:xfrm>
+            <a:off x="2364705" y="717504"/>
+            <a:ext cx="1204882" cy="276999"/>
+          </a:xfrm>
+          <a:prstGeom prst="rect">
+            <a:avLst/>
+          </a:prstGeom>
+          <a:noFill/>
+        </p:spPr>
+        <p:txBody>
+          <a:bodyPr wrap="none" rtlCol="0">
+            <a:spAutoFit/>
+          </a:bodyPr>
+          <a:lstStyle/>
+          <a:p>
+            <a:r>
+              <a:rPr lang="en-US" sz="1200" dirty="0"/>
+              <a:t>Inflight snagging</a:t>
+            </a:r>
+            <a:endParaRPr lang="en-US" dirty="0"/>
+          </a:p>
+        </p:txBody>
+      </p:sp>
+      <p:cxnSp>
+        <p:nvCxnSpPr>
+          <p:cNvPr id="45" name="Straight Arrow Connector 44">
+            <a:extLst>
+              <a:ext uri="{FF2B5EF4-FFF2-40B4-BE49-F238E27FC236}">
+                <a16:creationId xmlns:a16="http://schemas.microsoft.com/office/drawing/2014/main" id="{1DC051FA-990D-45E6-86F4-13D8A7C5635F}"/>
+              </a:ext>
+            </a:extLst>
+          </p:cNvPr>
+          <p:cNvCxnSpPr/>
+          <p:nvPr/>
+        </p:nvCxnSpPr>
+        <p:spPr>
+          <a:xfrm>
+            <a:off x="2967146" y="1237484"/>
+            <a:ext cx="0" cy="571720"/>
+          </a:xfrm>
+          <a:prstGeom prst="straightConnector1">
+            <a:avLst/>
+          </a:prstGeom>
+          <a:ln>
+            <a:tailEnd type="triangle"/>
+          </a:ln>
+        </p:spPr>
+        <p:style>
+          <a:lnRef idx="1">
+            <a:schemeClr val="accent1"/>
+          </a:lnRef>
+          <a:fillRef idx="0">
+            <a:schemeClr val="accent1"/>
+          </a:fillRef>
+          <a:effectRef idx="0">
+            <a:schemeClr val="accent1"/>
+          </a:effectRef>
+          <a:fontRef idx="minor">
+            <a:schemeClr val="tx1"/>
+          </a:fontRef>
+        </p:style>
+      </p:cxnSp>
+      <p:sp>
+        <p:nvSpPr>
+          <p:cNvPr id="46" name="Rectangle 45">
+            <a:extLst>
+              <a:ext uri="{FF2B5EF4-FFF2-40B4-BE49-F238E27FC236}">
+                <a16:creationId xmlns:a16="http://schemas.microsoft.com/office/drawing/2014/main" id="{B1C2F3EE-819A-4E1F-B975-759DCAB5932A}"/>
+              </a:ext>
+            </a:extLst>
+          </p:cNvPr>
+          <p:cNvSpPr/>
+          <p:nvPr/>
+        </p:nvSpPr>
+        <p:spPr>
+          <a:xfrm>
+            <a:off x="5273499" y="719245"/>
+            <a:ext cx="1083951" cy="261610"/>
+          </a:xfrm>
+          <a:prstGeom prst="rect">
+            <a:avLst/>
+          </a:prstGeom>
+        </p:spPr>
+        <p:txBody>
+          <a:bodyPr wrap="none">
+            <a:spAutoFit/>
+          </a:bodyPr>
+          <a:lstStyle/>
+          <a:p>
+            <a:r>
+              <a:rPr lang="en-US" sz="1050" dirty="0"/>
+              <a:t>10.110.118.198</a:t>
+            </a:r>
+            <a:endParaRPr lang="en-US" dirty="0"/>
+          </a:p>
+        </p:txBody>
+      </p:sp>
+      <p:sp>
+        <p:nvSpPr>
+          <p:cNvPr id="47" name="Rectangle 46">
+            <a:extLst>
+              <a:ext uri="{FF2B5EF4-FFF2-40B4-BE49-F238E27FC236}">
+                <a16:creationId xmlns:a16="http://schemas.microsoft.com/office/drawing/2014/main" id="{ACDB33F0-3746-406C-AD0F-DB4540FBFABE}"/>
+              </a:ext>
+            </a:extLst>
+          </p:cNvPr>
+          <p:cNvSpPr/>
+          <p:nvPr/>
+        </p:nvSpPr>
+        <p:spPr>
+          <a:xfrm>
+            <a:off x="2674307" y="1391763"/>
+            <a:ext cx="1083951" cy="261610"/>
+          </a:xfrm>
+          <a:prstGeom prst="rect">
+            <a:avLst/>
+          </a:prstGeom>
+        </p:spPr>
+        <p:txBody>
+          <a:bodyPr wrap="none">
+            <a:spAutoFit/>
+          </a:bodyPr>
+          <a:lstStyle/>
+          <a:p>
+            <a:r>
+              <a:rPr lang="en-US" sz="1050" dirty="0"/>
+              <a:t>10.110.118.198</a:t>
+            </a:r>
+            <a:endParaRPr lang="en-US" dirty="0"/>
+          </a:p>
+        </p:txBody>
+      </p:sp>
+      <p:sp>
+        <p:nvSpPr>
+          <p:cNvPr id="48" name="TextBox 47">
+            <a:extLst>
+              <a:ext uri="{FF2B5EF4-FFF2-40B4-BE49-F238E27FC236}">
+                <a16:creationId xmlns:a16="http://schemas.microsoft.com/office/drawing/2014/main" id="{2577861D-626F-4EBB-AA71-440629107B6F}"/>
+              </a:ext>
+            </a:extLst>
+          </p:cNvPr>
+          <p:cNvSpPr txBox="1"/>
+          <p:nvPr/>
+        </p:nvSpPr>
+        <p:spPr>
+          <a:xfrm>
+            <a:off x="7103399" y="1927645"/>
+            <a:ext cx="256802" cy="261610"/>
+          </a:xfrm>
+          <a:prstGeom prst="rect">
+            <a:avLst/>
+          </a:prstGeom>
+          <a:noFill/>
+        </p:spPr>
+        <p:txBody>
+          <a:bodyPr wrap="none" rtlCol="0">
+            <a:spAutoFit/>
+          </a:bodyPr>
+          <a:lstStyle/>
+          <a:p>
+            <a:r>
+              <a:rPr lang="en-US" sz="1100" dirty="0"/>
+              <a:t>5</a:t>
+            </a:r>
+          </a:p>
+        </p:txBody>
+      </p:sp>
+      <p:sp>
+        <p:nvSpPr>
+          <p:cNvPr id="49" name="TextBox 48">
+            <a:extLst>
+              <a:ext uri="{FF2B5EF4-FFF2-40B4-BE49-F238E27FC236}">
+                <a16:creationId xmlns:a16="http://schemas.microsoft.com/office/drawing/2014/main" id="{F93C004C-4CBD-482B-846C-0453551500D5}"/>
+              </a:ext>
+            </a:extLst>
+          </p:cNvPr>
+          <p:cNvSpPr txBox="1"/>
+          <p:nvPr/>
+        </p:nvSpPr>
+        <p:spPr>
+          <a:xfrm>
+            <a:off x="4814600" y="528080"/>
+            <a:ext cx="256802" cy="261610"/>
+          </a:xfrm>
+          <a:prstGeom prst="rect">
+            <a:avLst/>
+          </a:prstGeom>
+          <a:noFill/>
+        </p:spPr>
+        <p:txBody>
+          <a:bodyPr wrap="none" rtlCol="0">
+            <a:spAutoFit/>
+          </a:bodyPr>
+          <a:lstStyle/>
+          <a:p>
+            <a:r>
+              <a:rPr lang="en-US" sz="1100" dirty="0"/>
+              <a:t>6</a:t>
+            </a:r>
+          </a:p>
+        </p:txBody>
+      </p:sp>
+      <p:sp>
+        <p:nvSpPr>
+          <p:cNvPr id="50" name="TextBox 49">
+            <a:extLst>
+              <a:ext uri="{FF2B5EF4-FFF2-40B4-BE49-F238E27FC236}">
+                <a16:creationId xmlns:a16="http://schemas.microsoft.com/office/drawing/2014/main" id="{8B4CA486-4889-426E-95B2-4D2F159E3085}"/>
+              </a:ext>
+            </a:extLst>
+          </p:cNvPr>
+          <p:cNvSpPr txBox="1"/>
+          <p:nvPr/>
+        </p:nvSpPr>
+        <p:spPr>
+          <a:xfrm>
+            <a:off x="2240575" y="714036"/>
+            <a:ext cx="256802" cy="261610"/>
+          </a:xfrm>
+          <a:prstGeom prst="rect">
+            <a:avLst/>
+          </a:prstGeom>
+          <a:noFill/>
+        </p:spPr>
+        <p:txBody>
+          <a:bodyPr wrap="none" rtlCol="0">
+            <a:spAutoFit/>
+          </a:bodyPr>
+          <a:lstStyle/>
+          <a:p>
+            <a:r>
+              <a:rPr lang="en-US" sz="1100" dirty="0"/>
+              <a:t>7</a:t>
+            </a:r>
+          </a:p>
+        </p:txBody>
+      </p:sp>
+      <p:sp>
+        <p:nvSpPr>
+          <p:cNvPr id="51" name="TextBox 50">
+            <a:extLst>
+              <a:ext uri="{FF2B5EF4-FFF2-40B4-BE49-F238E27FC236}">
+                <a16:creationId xmlns:a16="http://schemas.microsoft.com/office/drawing/2014/main" id="{E2E4B68F-3810-4745-8AF2-26DB8D9A2B66}"/>
+              </a:ext>
+            </a:extLst>
+          </p:cNvPr>
+          <p:cNvSpPr txBox="1"/>
+          <p:nvPr/>
+        </p:nvSpPr>
+        <p:spPr>
+          <a:xfrm>
+            <a:off x="4070775" y="2082841"/>
+            <a:ext cx="2707793" cy="430887"/>
+          </a:xfrm>
+          <a:prstGeom prst="rect">
+            <a:avLst/>
+          </a:prstGeom>
+          <a:noFill/>
+        </p:spPr>
+        <p:txBody>
+          <a:bodyPr wrap="none" rtlCol="0">
+            <a:spAutoFit/>
+          </a:bodyPr>
+          <a:lstStyle/>
+          <a:p>
+            <a:r>
+              <a:rPr lang="en-US" sz="1100" dirty="0"/>
+              <a:t>8. Svc </a:t>
+            </a:r>
+            <a:r>
+              <a:rPr lang="en-US" sz="1100" dirty="0" err="1"/>
+              <a:t>ip</a:t>
+            </a:r>
+            <a:r>
+              <a:rPr lang="en-US" sz="1100" dirty="0"/>
+              <a:t> gets converted to pod </a:t>
+            </a:r>
+            <a:r>
+              <a:rPr lang="en-US" sz="1100" dirty="0" err="1"/>
+              <a:t>ip</a:t>
+            </a:r>
+            <a:r>
+              <a:rPr lang="en-US" sz="1100" dirty="0"/>
+              <a:t> by k-proxy</a:t>
+            </a:r>
+          </a:p>
+          <a:p>
+            <a:r>
+              <a:rPr lang="en-US" sz="1100" dirty="0"/>
+              <a:t>9. pod-to-pod comm</a:t>
+            </a:r>
+          </a:p>
+        </p:txBody>
+      </p:sp>
+      <p:cxnSp>
+        <p:nvCxnSpPr>
+          <p:cNvPr id="53" name="Straight Arrow Connector 52">
+            <a:extLst>
+              <a:ext uri="{FF2B5EF4-FFF2-40B4-BE49-F238E27FC236}">
+                <a16:creationId xmlns:a16="http://schemas.microsoft.com/office/drawing/2014/main" id="{FD6FF748-38EC-4FAD-A0A8-F506099180F1}"/>
+              </a:ext>
+            </a:extLst>
+          </p:cNvPr>
+          <p:cNvCxnSpPr>
+            <a:stCxn id="51" idx="2"/>
+          </p:cNvCxnSpPr>
+          <p:nvPr/>
+        </p:nvCxnSpPr>
+        <p:spPr>
+          <a:xfrm flipH="1">
+            <a:off x="4194495" y="2513728"/>
+            <a:ext cx="1230177" cy="271417"/>
+          </a:xfrm>
+          <a:prstGeom prst="straightConnector1">
+            <a:avLst/>
+          </a:prstGeom>
+          <a:ln>
+            <a:tailEnd type="triangle"/>
+          </a:ln>
+        </p:spPr>
+        <p:style>
+          <a:lnRef idx="1">
+            <a:schemeClr val="accent1"/>
+          </a:lnRef>
+          <a:fillRef idx="0">
+            <a:schemeClr val="accent1"/>
+          </a:fillRef>
+          <a:effectRef idx="0">
+            <a:schemeClr val="accent1"/>
+          </a:effectRef>
+          <a:fontRef idx="minor">
+            <a:schemeClr val="tx1"/>
+          </a:fontRef>
+        </p:style>
+      </p:cxnSp>
+      <p:cxnSp>
+        <p:nvCxnSpPr>
+          <p:cNvPr id="55" name="Straight Arrow Connector 54">
+            <a:extLst>
+              <a:ext uri="{FF2B5EF4-FFF2-40B4-BE49-F238E27FC236}">
+                <a16:creationId xmlns:a16="http://schemas.microsoft.com/office/drawing/2014/main" id="{C20D701F-1FB5-441B-8712-22720537E3E3}"/>
+              </a:ext>
+            </a:extLst>
+          </p:cNvPr>
+          <p:cNvCxnSpPr/>
+          <p:nvPr/>
+        </p:nvCxnSpPr>
+        <p:spPr>
+          <a:xfrm flipH="1">
+            <a:off x="3875714" y="3120705"/>
+            <a:ext cx="195061" cy="549101"/>
+          </a:xfrm>
+          <a:prstGeom prst="straightConnector1">
+            <a:avLst/>
+          </a:prstGeom>
+          <a:ln>
+            <a:tailEnd type="triangle"/>
+          </a:ln>
+        </p:spPr>
+        <p:style>
+          <a:lnRef idx="1">
+            <a:schemeClr val="accent1"/>
+          </a:lnRef>
+          <a:fillRef idx="0">
+            <a:schemeClr val="accent1"/>
+          </a:fillRef>
+          <a:effectRef idx="0">
+            <a:schemeClr val="accent1"/>
+          </a:effectRef>
+          <a:fontRef idx="minor">
+            <a:schemeClr val="tx1"/>
+          </a:fontRef>
+        </p:style>
+      </p:cxnSp>
+      <p:cxnSp>
+        <p:nvCxnSpPr>
+          <p:cNvPr id="57" name="Straight Arrow Connector 56">
+            <a:extLst>
+              <a:ext uri="{FF2B5EF4-FFF2-40B4-BE49-F238E27FC236}">
+                <a16:creationId xmlns:a16="http://schemas.microsoft.com/office/drawing/2014/main" id="{04E0C6ED-ADD3-45DF-A27C-AA1417F69363}"/>
+              </a:ext>
+            </a:extLst>
+          </p:cNvPr>
+          <p:cNvCxnSpPr>
+            <a:endCxn id="11" idx="2"/>
+          </p:cNvCxnSpPr>
+          <p:nvPr/>
+        </p:nvCxnSpPr>
+        <p:spPr>
+          <a:xfrm>
+            <a:off x="3926048" y="3669806"/>
+            <a:ext cx="3492783" cy="924327"/>
+          </a:xfrm>
+          <a:prstGeom prst="straightConnector1">
+            <a:avLst/>
+          </a:prstGeom>
+          <a:ln>
+            <a:tailEnd type="triangle"/>
+          </a:ln>
+        </p:spPr>
+        <p:style>
+          <a:lnRef idx="1">
+            <a:schemeClr val="accent1"/>
+          </a:lnRef>
+          <a:fillRef idx="0">
+            <a:schemeClr val="accent1"/>
+          </a:fillRef>
+          <a:effectRef idx="0">
+            <a:schemeClr val="accent1"/>
+          </a:effectRef>
+          <a:fontRef idx="minor">
+            <a:schemeClr val="tx1"/>
+          </a:fontRef>
+        </p:style>
+      </p:cxnSp>
+      <p:sp>
+        <p:nvSpPr>
+          <p:cNvPr id="58" name="TextBox 57">
+            <a:extLst>
+              <a:ext uri="{FF2B5EF4-FFF2-40B4-BE49-F238E27FC236}">
+                <a16:creationId xmlns:a16="http://schemas.microsoft.com/office/drawing/2014/main" id="{7EF7A1C3-F427-4034-80B8-A7945C51921B}"/>
+              </a:ext>
+            </a:extLst>
+          </p:cNvPr>
+          <p:cNvSpPr txBox="1"/>
+          <p:nvPr/>
+        </p:nvSpPr>
+        <p:spPr>
+          <a:xfrm>
+            <a:off x="1720457" y="1029860"/>
+            <a:ext cx="769763" cy="369332"/>
+          </a:xfrm>
+          <a:prstGeom prst="rect">
+            <a:avLst/>
+          </a:prstGeom>
+          <a:noFill/>
+        </p:spPr>
+        <p:txBody>
+          <a:bodyPr wrap="none" rtlCol="0">
+            <a:spAutoFit/>
+          </a:bodyPr>
+          <a:lstStyle/>
+          <a:p>
+            <a:r>
+              <a:rPr lang="en-US" dirty="0"/>
+              <a:t>31001</a:t>
+            </a:r>
+          </a:p>
+        </p:txBody>
+      </p:sp>
+      <p:sp>
+        <p:nvSpPr>
+          <p:cNvPr id="59" name="TextBox 58">
+            <a:extLst>
+              <a:ext uri="{FF2B5EF4-FFF2-40B4-BE49-F238E27FC236}">
+                <a16:creationId xmlns:a16="http://schemas.microsoft.com/office/drawing/2014/main" id="{33E92CE2-57B2-40C5-9C4E-5185559FF722}"/>
+              </a:ext>
+            </a:extLst>
+          </p:cNvPr>
+          <p:cNvSpPr txBox="1"/>
+          <p:nvPr/>
+        </p:nvSpPr>
+        <p:spPr>
+          <a:xfrm>
+            <a:off x="1663132" y="5091534"/>
+            <a:ext cx="769763" cy="369332"/>
+          </a:xfrm>
+          <a:prstGeom prst="rect">
+            <a:avLst/>
+          </a:prstGeom>
+          <a:noFill/>
+        </p:spPr>
+        <p:txBody>
+          <a:bodyPr wrap="none" rtlCol="0">
+            <a:spAutoFit/>
+          </a:bodyPr>
+          <a:lstStyle/>
+          <a:p>
+            <a:r>
+              <a:rPr lang="en-US" dirty="0"/>
+              <a:t>31001</a:t>
+            </a:r>
+          </a:p>
+        </p:txBody>
+      </p:sp>
+      <p:sp>
+        <p:nvSpPr>
+          <p:cNvPr id="60" name="TextBox 59">
+            <a:extLst>
+              <a:ext uri="{FF2B5EF4-FFF2-40B4-BE49-F238E27FC236}">
+                <a16:creationId xmlns:a16="http://schemas.microsoft.com/office/drawing/2014/main" id="{0098DFC7-28F6-4794-A257-7B8E17A1842B}"/>
+              </a:ext>
+            </a:extLst>
+          </p:cNvPr>
+          <p:cNvSpPr txBox="1"/>
+          <p:nvPr/>
+        </p:nvSpPr>
+        <p:spPr>
+          <a:xfrm>
+            <a:off x="179677" y="1829611"/>
+            <a:ext cx="769763" cy="369332"/>
+          </a:xfrm>
+          <a:prstGeom prst="rect">
+            <a:avLst/>
+          </a:prstGeom>
+          <a:noFill/>
+        </p:spPr>
+        <p:txBody>
+          <a:bodyPr wrap="none" rtlCol="0">
+            <a:spAutoFit/>
+          </a:bodyPr>
+          <a:lstStyle/>
+          <a:p>
+            <a:r>
+              <a:rPr lang="en-US" dirty="0"/>
+              <a:t>31001</a:t>
+            </a:r>
+          </a:p>
+        </p:txBody>
+      </p:sp>
+    </p:spTree>
+    <p:extLst>
+      <p:ext uri="{BB962C8B-B14F-4D97-AF65-F5344CB8AC3E}">
+        <p14:creationId xmlns:p14="http://schemas.microsoft.com/office/powerpoint/2010/main" val="1909630161"/>
+      </p:ext>
+    </p:extLst>
+  </p:cSld>
+  <p:clrMapOvr>
+    <a:masterClrMapping/>
+  </p:clrMapOvr>
+</p:sld>
+</file>
+
+<file path=ppt/slides/slide21.xml><?xml version="1.0" encoding="utf-8"?>
+<p:sld xmlns:a="http://schemas.openxmlformats.org/drawingml/2006/main" xmlns:r="http://schemas.openxmlformats.org/officeDocument/2006/relationships" xmlns:p="http://schemas.openxmlformats.org/presentationml/2006/main">
+  <p:cSld>
+    <p:spTree>
+      <p:nvGrpSpPr>
+        <p:cNvPr id="1" name=""/>
+        <p:cNvGrpSpPr/>
+        <p:nvPr/>
+      </p:nvGrpSpPr>
+      <p:grpSpPr>
+        <a:xfrm>
+          <a:off x="0" y="0"/>
+          <a:ext cx="0" cy="0"/>
+          <a:chOff x="0" y="0"/>
+          <a:chExt cx="0" cy="0"/>
+        </a:xfrm>
+      </p:grpSpPr>
+      <p:sp>
+        <p:nvSpPr>
+          <p:cNvPr id="2" name="Rectangle 1">
+            <a:extLst>
+              <a:ext uri="{FF2B5EF4-FFF2-40B4-BE49-F238E27FC236}">
+                <a16:creationId xmlns:a16="http://schemas.microsoft.com/office/drawing/2014/main" id="{9157089C-32D5-43E8-8274-46F131928357}"/>
+              </a:ext>
+            </a:extLst>
+          </p:cNvPr>
+          <p:cNvSpPr/>
+          <p:nvPr/>
+        </p:nvSpPr>
+        <p:spPr>
+          <a:xfrm>
+            <a:off x="5746459" y="637563"/>
+            <a:ext cx="2306972" cy="3431097"/>
+          </a:xfrm>
+          <a:prstGeom prst="rect">
+            <a:avLst/>
+          </a:prstGeom>
+          <a:noFill/>
+        </p:spPr>
+        <p:style>
+          <a:lnRef idx="2">
+            <a:schemeClr val="accent1">
+              <a:shade val="50000"/>
+            </a:schemeClr>
+          </a:lnRef>
+          <a:fillRef idx="1">
+            <a:schemeClr val="accent1"/>
+          </a:fillRef>
+          <a:effectRef idx="0">
+            <a:schemeClr val="accent1"/>
+          </a:effectRef>
+          <a:fontRef idx="minor">
+            <a:schemeClr val="lt1"/>
+          </a:fontRef>
+        </p:style>
+        <p:txBody>
+          <a:bodyPr rtlCol="0" anchor="ctr"/>
+          <a:lstStyle/>
+          <a:p>
+            <a:pPr algn="ctr"/>
+            <a:endParaRPr lang="en-US"/>
+          </a:p>
+        </p:txBody>
+      </p:sp>
+      <p:sp>
+        <p:nvSpPr>
+          <p:cNvPr id="3" name="Rectangle 2">
+            <a:extLst>
+              <a:ext uri="{FF2B5EF4-FFF2-40B4-BE49-F238E27FC236}">
+                <a16:creationId xmlns:a16="http://schemas.microsoft.com/office/drawing/2014/main" id="{0C222CE1-1A76-4311-A5C8-A3D414AADDB5}"/>
+              </a:ext>
+            </a:extLst>
+          </p:cNvPr>
+          <p:cNvSpPr/>
+          <p:nvPr/>
+        </p:nvSpPr>
+        <p:spPr>
+          <a:xfrm>
+            <a:off x="8793061" y="637563"/>
+            <a:ext cx="2306972" cy="3431097"/>
+          </a:xfrm>
+          <a:prstGeom prst="rect">
+            <a:avLst/>
+          </a:prstGeom>
+          <a:noFill/>
+        </p:spPr>
+        <p:style>
+          <a:lnRef idx="2">
+            <a:schemeClr val="accent1">
+              <a:shade val="50000"/>
+            </a:schemeClr>
+          </a:lnRef>
+          <a:fillRef idx="1">
+            <a:schemeClr val="accent1"/>
+          </a:fillRef>
+          <a:effectRef idx="0">
+            <a:schemeClr val="accent1"/>
+          </a:effectRef>
+          <a:fontRef idx="minor">
+            <a:schemeClr val="lt1"/>
+          </a:fontRef>
+        </p:style>
+        <p:txBody>
+          <a:bodyPr rtlCol="0" anchor="ctr"/>
+          <a:lstStyle/>
+          <a:p>
+            <a:pPr algn="ctr"/>
+            <a:endParaRPr lang="en-US"/>
+          </a:p>
+        </p:txBody>
+      </p:sp>
+      <p:sp>
+        <p:nvSpPr>
+          <p:cNvPr id="4" name="TextBox 3">
+            <a:extLst>
+              <a:ext uri="{FF2B5EF4-FFF2-40B4-BE49-F238E27FC236}">
+                <a16:creationId xmlns:a16="http://schemas.microsoft.com/office/drawing/2014/main" id="{509E8D82-B02E-4264-A7B9-0E882A79B804}"/>
+              </a:ext>
+            </a:extLst>
+          </p:cNvPr>
+          <p:cNvSpPr txBox="1"/>
+          <p:nvPr/>
+        </p:nvSpPr>
+        <p:spPr>
+          <a:xfrm>
+            <a:off x="5746459" y="302004"/>
+            <a:ext cx="1234377" cy="369332"/>
+          </a:xfrm>
+          <a:prstGeom prst="rect">
+            <a:avLst/>
+          </a:prstGeom>
+          <a:noFill/>
+        </p:spPr>
+        <p:txBody>
+          <a:bodyPr wrap="none" rtlCol="0">
+            <a:spAutoFit/>
+          </a:bodyPr>
+          <a:lstStyle/>
+          <a:p>
+            <a:r>
+              <a:rPr lang="en-US" dirty="0"/>
+              <a:t>K8s-master</a:t>
+            </a:r>
+          </a:p>
+        </p:txBody>
+      </p:sp>
+      <p:sp>
+        <p:nvSpPr>
+          <p:cNvPr id="5" name="TextBox 4">
+            <a:extLst>
+              <a:ext uri="{FF2B5EF4-FFF2-40B4-BE49-F238E27FC236}">
+                <a16:creationId xmlns:a16="http://schemas.microsoft.com/office/drawing/2014/main" id="{822301DB-39A9-46A8-A032-35FDB15C22DF}"/>
+              </a:ext>
+            </a:extLst>
+          </p:cNvPr>
+          <p:cNvSpPr txBox="1"/>
+          <p:nvPr/>
+        </p:nvSpPr>
+        <p:spPr>
+          <a:xfrm>
+            <a:off x="8809842" y="311791"/>
+            <a:ext cx="1063112" cy="369332"/>
+          </a:xfrm>
+          <a:prstGeom prst="rect">
+            <a:avLst/>
+          </a:prstGeom>
+          <a:noFill/>
+        </p:spPr>
+        <p:txBody>
+          <a:bodyPr wrap="none" rtlCol="0">
+            <a:spAutoFit/>
+          </a:bodyPr>
+          <a:lstStyle/>
+          <a:p>
+            <a:r>
+              <a:rPr lang="en-US" dirty="0"/>
+              <a:t>K8s-node</a:t>
+            </a:r>
+          </a:p>
+        </p:txBody>
+      </p:sp>
+      <p:sp>
+        <p:nvSpPr>
+          <p:cNvPr id="6" name="TextBox 5">
+            <a:extLst>
+              <a:ext uri="{FF2B5EF4-FFF2-40B4-BE49-F238E27FC236}">
+                <a16:creationId xmlns:a16="http://schemas.microsoft.com/office/drawing/2014/main" id="{AA841405-2DAA-4466-8383-2338CE1CBE26}"/>
+              </a:ext>
+            </a:extLst>
+          </p:cNvPr>
+          <p:cNvSpPr txBox="1"/>
+          <p:nvPr/>
+        </p:nvSpPr>
+        <p:spPr>
+          <a:xfrm>
+            <a:off x="5763237" y="3682767"/>
+            <a:ext cx="1581523" cy="369332"/>
+          </a:xfrm>
+          <a:prstGeom prst="rect">
+            <a:avLst/>
+          </a:prstGeom>
+          <a:noFill/>
+        </p:spPr>
+        <p:txBody>
+          <a:bodyPr wrap="none" rtlCol="0">
+            <a:spAutoFit/>
+          </a:bodyPr>
+          <a:lstStyle/>
+          <a:p>
+            <a:r>
+              <a:rPr lang="en-US" dirty="0" err="1"/>
+              <a:t>Docker,kubelet</a:t>
+            </a:r>
+            <a:endParaRPr lang="en-US" dirty="0"/>
+          </a:p>
+        </p:txBody>
+      </p:sp>
+      <p:sp>
+        <p:nvSpPr>
+          <p:cNvPr id="7" name="TextBox 6">
+            <a:extLst>
+              <a:ext uri="{FF2B5EF4-FFF2-40B4-BE49-F238E27FC236}">
+                <a16:creationId xmlns:a16="http://schemas.microsoft.com/office/drawing/2014/main" id="{6EC2D18E-EFE3-4F4F-868C-3171C988CF5E}"/>
+              </a:ext>
+            </a:extLst>
+          </p:cNvPr>
+          <p:cNvSpPr txBox="1"/>
+          <p:nvPr/>
+        </p:nvSpPr>
+        <p:spPr>
+          <a:xfrm>
+            <a:off x="8809842" y="3700943"/>
+            <a:ext cx="1581523" cy="369332"/>
+          </a:xfrm>
+          <a:prstGeom prst="rect">
+            <a:avLst/>
+          </a:prstGeom>
+          <a:noFill/>
+        </p:spPr>
+        <p:txBody>
+          <a:bodyPr wrap="none" rtlCol="0">
+            <a:spAutoFit/>
+          </a:bodyPr>
+          <a:lstStyle/>
+          <a:p>
+            <a:r>
+              <a:rPr lang="en-US" dirty="0" err="1"/>
+              <a:t>Docker,kubelet</a:t>
+            </a:r>
+            <a:endParaRPr lang="en-US" dirty="0"/>
+          </a:p>
+        </p:txBody>
+      </p:sp>
+      <p:sp>
+        <p:nvSpPr>
+          <p:cNvPr id="8" name="TextBox 7">
+            <a:extLst>
+              <a:ext uri="{FF2B5EF4-FFF2-40B4-BE49-F238E27FC236}">
+                <a16:creationId xmlns:a16="http://schemas.microsoft.com/office/drawing/2014/main" id="{6FF81227-956A-4DE2-90C2-BC581A77B958}"/>
+              </a:ext>
+            </a:extLst>
+          </p:cNvPr>
+          <p:cNvSpPr txBox="1"/>
+          <p:nvPr/>
+        </p:nvSpPr>
+        <p:spPr>
+          <a:xfrm>
+            <a:off x="6207853" y="1224793"/>
+            <a:ext cx="1147943" cy="369332"/>
+          </a:xfrm>
+          <a:prstGeom prst="rect">
+            <a:avLst/>
+          </a:prstGeom>
+          <a:noFill/>
+        </p:spPr>
+        <p:txBody>
+          <a:bodyPr wrap="none" rtlCol="0">
+            <a:spAutoFit/>
+          </a:bodyPr>
+          <a:lstStyle/>
+          <a:p>
+            <a:r>
+              <a:rPr lang="en-US" dirty="0" err="1"/>
+              <a:t>Api</a:t>
+            </a:r>
+            <a:r>
+              <a:rPr lang="en-US" dirty="0"/>
+              <a:t>-server</a:t>
+            </a:r>
+          </a:p>
+        </p:txBody>
+      </p:sp>
+      <p:sp>
+        <p:nvSpPr>
+          <p:cNvPr id="9" name="TextBox 8">
+            <a:extLst>
+              <a:ext uri="{FF2B5EF4-FFF2-40B4-BE49-F238E27FC236}">
+                <a16:creationId xmlns:a16="http://schemas.microsoft.com/office/drawing/2014/main" id="{E172126A-C268-49B0-8511-34D607EE2B6A}"/>
+              </a:ext>
+            </a:extLst>
+          </p:cNvPr>
+          <p:cNvSpPr txBox="1"/>
+          <p:nvPr/>
+        </p:nvSpPr>
+        <p:spPr>
+          <a:xfrm>
+            <a:off x="5924025" y="1813421"/>
+            <a:ext cx="2026773" cy="369332"/>
+          </a:xfrm>
+          <a:prstGeom prst="rect">
+            <a:avLst/>
+          </a:prstGeom>
+          <a:noFill/>
+        </p:spPr>
+        <p:txBody>
+          <a:bodyPr wrap="none" rtlCol="0">
+            <a:spAutoFit/>
+          </a:bodyPr>
+          <a:lstStyle/>
+          <a:p>
+            <a:r>
+              <a:rPr lang="en-US" dirty="0"/>
+              <a:t>Controller-manager</a:t>
+            </a:r>
+          </a:p>
+        </p:txBody>
+      </p:sp>
+      <p:sp>
+        <p:nvSpPr>
+          <p:cNvPr id="10" name="TextBox 9">
+            <a:extLst>
+              <a:ext uri="{FF2B5EF4-FFF2-40B4-BE49-F238E27FC236}">
+                <a16:creationId xmlns:a16="http://schemas.microsoft.com/office/drawing/2014/main" id="{502028D9-E4AC-4DCC-B1CE-9226DD94B335}"/>
+              </a:ext>
+            </a:extLst>
+          </p:cNvPr>
+          <p:cNvSpPr txBox="1"/>
+          <p:nvPr/>
+        </p:nvSpPr>
+        <p:spPr>
+          <a:xfrm>
+            <a:off x="6386818" y="2460772"/>
+            <a:ext cx="1101584" cy="369332"/>
+          </a:xfrm>
+          <a:prstGeom prst="rect">
+            <a:avLst/>
+          </a:prstGeom>
+          <a:noFill/>
+        </p:spPr>
+        <p:txBody>
+          <a:bodyPr wrap="none" rtlCol="0">
+            <a:spAutoFit/>
+          </a:bodyPr>
+          <a:lstStyle/>
+          <a:p>
+            <a:r>
+              <a:rPr lang="en-US" dirty="0"/>
+              <a:t>scheduler</a:t>
+            </a:r>
+          </a:p>
+        </p:txBody>
+      </p:sp>
+      <p:cxnSp>
+        <p:nvCxnSpPr>
+          <p:cNvPr id="12" name="Straight Arrow Connector 11">
+            <a:extLst>
+              <a:ext uri="{FF2B5EF4-FFF2-40B4-BE49-F238E27FC236}">
+                <a16:creationId xmlns:a16="http://schemas.microsoft.com/office/drawing/2014/main" id="{E1F90838-F033-4653-8A33-EECC0153C8B4}"/>
+              </a:ext>
+            </a:extLst>
+          </p:cNvPr>
+          <p:cNvCxnSpPr>
+            <a:stCxn id="8" idx="2"/>
+            <a:endCxn id="9" idx="0"/>
+          </p:cNvCxnSpPr>
+          <p:nvPr/>
+        </p:nvCxnSpPr>
+        <p:spPr>
+          <a:xfrm>
+            <a:off x="6781825" y="1594125"/>
+            <a:ext cx="155587" cy="219296"/>
+          </a:xfrm>
+          <a:prstGeom prst="straightConnector1">
+            <a:avLst/>
+          </a:prstGeom>
+          <a:ln>
+            <a:tailEnd type="triangle"/>
+          </a:ln>
+        </p:spPr>
+        <p:style>
+          <a:lnRef idx="1">
+            <a:schemeClr val="accent1"/>
+          </a:lnRef>
+          <a:fillRef idx="0">
+            <a:schemeClr val="accent1"/>
+          </a:fillRef>
+          <a:effectRef idx="0">
+            <a:schemeClr val="accent1"/>
+          </a:effectRef>
+          <a:fontRef idx="minor">
+            <a:schemeClr val="tx1"/>
+          </a:fontRef>
+        </p:style>
+      </p:cxnSp>
+      <p:cxnSp>
+        <p:nvCxnSpPr>
+          <p:cNvPr id="14" name="Straight Arrow Connector 13">
+            <a:extLst>
+              <a:ext uri="{FF2B5EF4-FFF2-40B4-BE49-F238E27FC236}">
+                <a16:creationId xmlns:a16="http://schemas.microsoft.com/office/drawing/2014/main" id="{D3891CF0-F10C-48F9-8F9D-CBC00C11311A}"/>
+              </a:ext>
+            </a:extLst>
+          </p:cNvPr>
+          <p:cNvCxnSpPr>
+            <a:stCxn id="9" idx="2"/>
+            <a:endCxn id="10" idx="0"/>
+          </p:cNvCxnSpPr>
+          <p:nvPr/>
+        </p:nvCxnSpPr>
+        <p:spPr>
+          <a:xfrm>
+            <a:off x="6937412" y="2182753"/>
+            <a:ext cx="198" cy="278019"/>
+          </a:xfrm>
+          <a:prstGeom prst="straightConnector1">
+            <a:avLst/>
+          </a:prstGeom>
+          <a:ln>
+            <a:tailEnd type="triangle"/>
+          </a:ln>
+        </p:spPr>
+        <p:style>
+          <a:lnRef idx="1">
+            <a:schemeClr val="accent1"/>
+          </a:lnRef>
+          <a:fillRef idx="0">
+            <a:schemeClr val="accent1"/>
+          </a:fillRef>
+          <a:effectRef idx="0">
+            <a:schemeClr val="accent1"/>
+          </a:effectRef>
+          <a:fontRef idx="minor">
+            <a:schemeClr val="tx1"/>
+          </a:fontRef>
+        </p:style>
+      </p:cxnSp>
+      <p:sp>
+        <p:nvSpPr>
+          <p:cNvPr id="15" name="Cloud 14">
+            <a:extLst>
+              <a:ext uri="{FF2B5EF4-FFF2-40B4-BE49-F238E27FC236}">
+                <a16:creationId xmlns:a16="http://schemas.microsoft.com/office/drawing/2014/main" id="{1F12C2AC-A064-4468-BA56-9E11ABAD64EE}"/>
+              </a:ext>
+            </a:extLst>
+          </p:cNvPr>
+          <p:cNvSpPr/>
+          <p:nvPr/>
+        </p:nvSpPr>
+        <p:spPr>
+          <a:xfrm>
+            <a:off x="343949" y="411061"/>
+            <a:ext cx="3439486" cy="1183064"/>
+          </a:xfrm>
+          <a:prstGeom prst="cloud">
+            <a:avLst/>
+          </a:prstGeom>
+        </p:spPr>
+        <p:style>
+          <a:lnRef idx="2">
+            <a:schemeClr val="accent1">
+              <a:shade val="50000"/>
+            </a:schemeClr>
+          </a:lnRef>
+          <a:fillRef idx="1">
+            <a:schemeClr val="accent1"/>
+          </a:fillRef>
+          <a:effectRef idx="0">
+            <a:schemeClr val="accent1"/>
+          </a:effectRef>
+          <a:fontRef idx="minor">
+            <a:schemeClr val="lt1"/>
+          </a:fontRef>
+        </p:style>
+        <p:txBody>
+          <a:bodyPr rtlCol="0" anchor="ctr"/>
+          <a:lstStyle/>
+          <a:p>
+            <a:pPr algn="ctr"/>
+            <a:r>
+              <a:rPr lang="en-US" dirty="0" err="1"/>
+              <a:t>Github</a:t>
+            </a:r>
+            <a:endParaRPr lang="en-US" dirty="0"/>
+          </a:p>
+          <a:p>
+            <a:pPr algn="ctr"/>
+            <a:r>
+              <a:rPr lang="en-US" dirty="0"/>
+              <a:t>Code, </a:t>
+            </a:r>
+            <a:r>
+              <a:rPr lang="en-US" dirty="0" err="1"/>
+              <a:t>Dockerfile</a:t>
+            </a:r>
+            <a:endParaRPr lang="en-US" dirty="0"/>
+          </a:p>
+        </p:txBody>
+      </p:sp>
+      <p:sp>
+        <p:nvSpPr>
+          <p:cNvPr id="16" name="Rectangle 15">
+            <a:extLst>
+              <a:ext uri="{FF2B5EF4-FFF2-40B4-BE49-F238E27FC236}">
+                <a16:creationId xmlns:a16="http://schemas.microsoft.com/office/drawing/2014/main" id="{80C1EA6F-45F1-4532-A169-93BE3E0510F3}"/>
+              </a:ext>
+            </a:extLst>
+          </p:cNvPr>
+          <p:cNvSpPr/>
+          <p:nvPr/>
+        </p:nvSpPr>
+        <p:spPr>
+          <a:xfrm>
+            <a:off x="444616" y="2321762"/>
+            <a:ext cx="2810311" cy="4313930"/>
+          </a:xfrm>
+          <a:prstGeom prst="rect">
+            <a:avLst/>
+          </a:prstGeom>
+          <a:noFill/>
+        </p:spPr>
+        <p:style>
+          <a:lnRef idx="2">
+            <a:schemeClr val="accent1">
+              <a:shade val="50000"/>
+            </a:schemeClr>
+          </a:lnRef>
+          <a:fillRef idx="1">
+            <a:schemeClr val="accent1"/>
+          </a:fillRef>
+          <a:effectRef idx="0">
+            <a:schemeClr val="accent1"/>
+          </a:effectRef>
+          <a:fontRef idx="minor">
+            <a:schemeClr val="lt1"/>
+          </a:fontRef>
+        </p:style>
+        <p:txBody>
+          <a:bodyPr rtlCol="0" anchor="ctr"/>
+          <a:lstStyle/>
+          <a:p>
+            <a:pPr algn="ctr"/>
+            <a:endParaRPr lang="en-US"/>
+          </a:p>
+        </p:txBody>
+      </p:sp>
+      <p:sp>
+        <p:nvSpPr>
+          <p:cNvPr id="17" name="TextBox 16">
+            <a:extLst>
+              <a:ext uri="{FF2B5EF4-FFF2-40B4-BE49-F238E27FC236}">
+                <a16:creationId xmlns:a16="http://schemas.microsoft.com/office/drawing/2014/main" id="{53BBF514-EDC1-4A7B-A98C-818F4B771CA8}"/>
+              </a:ext>
+            </a:extLst>
+          </p:cNvPr>
+          <p:cNvSpPr txBox="1"/>
+          <p:nvPr/>
+        </p:nvSpPr>
+        <p:spPr>
+          <a:xfrm>
+            <a:off x="494950" y="1963024"/>
+            <a:ext cx="1534394" cy="369332"/>
+          </a:xfrm>
+          <a:prstGeom prst="rect">
+            <a:avLst/>
+          </a:prstGeom>
+          <a:noFill/>
+        </p:spPr>
+        <p:txBody>
+          <a:bodyPr wrap="none" rtlCol="0">
+            <a:spAutoFit/>
+          </a:bodyPr>
+          <a:lstStyle/>
+          <a:p>
+            <a:r>
+              <a:rPr lang="en-US" dirty="0"/>
+              <a:t>build-machine</a:t>
+            </a:r>
+          </a:p>
+        </p:txBody>
+      </p:sp>
+      <p:sp>
+        <p:nvSpPr>
+          <p:cNvPr id="18" name="TextBox 17">
+            <a:extLst>
+              <a:ext uri="{FF2B5EF4-FFF2-40B4-BE49-F238E27FC236}">
+                <a16:creationId xmlns:a16="http://schemas.microsoft.com/office/drawing/2014/main" id="{BF2FFADA-06FE-4825-8C98-27C784A4CAFD}"/>
+              </a:ext>
+            </a:extLst>
+          </p:cNvPr>
+          <p:cNvSpPr txBox="1"/>
+          <p:nvPr/>
+        </p:nvSpPr>
+        <p:spPr>
+          <a:xfrm>
+            <a:off x="637562" y="2684477"/>
+            <a:ext cx="2617365" cy="2893100"/>
+          </a:xfrm>
+          <a:prstGeom prst="rect">
+            <a:avLst/>
+          </a:prstGeom>
+          <a:noFill/>
+        </p:spPr>
+        <p:txBody>
+          <a:bodyPr wrap="square" rtlCol="0">
+            <a:spAutoFit/>
+          </a:bodyPr>
+          <a:lstStyle/>
+          <a:p>
+            <a:pPr marL="342900" indent="-342900">
+              <a:buAutoNum type="arabicPeriod"/>
+            </a:pPr>
+            <a:r>
+              <a:rPr lang="en-US" sz="1400" dirty="0"/>
+              <a:t>Install Java</a:t>
+            </a:r>
+          </a:p>
+          <a:p>
+            <a:pPr marL="342900" indent="-342900">
+              <a:buAutoNum type="arabicPeriod"/>
+            </a:pPr>
+            <a:r>
+              <a:rPr lang="en-US" sz="1400" dirty="0"/>
+              <a:t>Install Jenkins</a:t>
+            </a:r>
+          </a:p>
+          <a:p>
+            <a:pPr marL="800100" lvl="1" indent="-342900">
+              <a:buAutoNum type="arabicPeriod"/>
+            </a:pPr>
+            <a:r>
+              <a:rPr lang="en-US" sz="1400" dirty="0"/>
+              <a:t>Project in Jenkins</a:t>
+            </a:r>
+          </a:p>
+          <a:p>
+            <a:pPr marL="800100" lvl="1" indent="-342900">
+              <a:buAutoNum type="arabicPeriod"/>
+            </a:pPr>
+            <a:r>
+              <a:rPr lang="en-US" sz="1400" dirty="0"/>
+              <a:t>Git clone</a:t>
+            </a:r>
+          </a:p>
+          <a:p>
+            <a:pPr marL="800100" lvl="1" indent="-342900">
+              <a:buAutoNum type="arabicPeriod"/>
+            </a:pPr>
+            <a:r>
+              <a:rPr lang="en-US" sz="1400" dirty="0"/>
+              <a:t>Compile</a:t>
+            </a:r>
+          </a:p>
+          <a:p>
+            <a:pPr marL="800100" lvl="1" indent="-342900">
+              <a:buAutoNum type="arabicPeriod"/>
+            </a:pPr>
+            <a:r>
+              <a:rPr lang="en-US" sz="1400" dirty="0"/>
+              <a:t>Tests</a:t>
+            </a:r>
+          </a:p>
+          <a:p>
+            <a:pPr marL="800100" lvl="1" indent="-342900">
+              <a:buAutoNum type="arabicPeriod"/>
+            </a:pPr>
+            <a:r>
+              <a:rPr lang="en-US" sz="1400" dirty="0"/>
+              <a:t>Artifacts (html, </a:t>
+            </a:r>
+            <a:r>
+              <a:rPr lang="en-US" sz="1400" dirty="0" err="1"/>
+              <a:t>php,war</a:t>
+            </a:r>
+            <a:r>
+              <a:rPr lang="en-US" sz="1400" dirty="0"/>
+              <a:t>, so, jar)</a:t>
+            </a:r>
+          </a:p>
+          <a:p>
+            <a:pPr marL="800100" lvl="1" indent="-342900">
+              <a:buAutoNum type="arabicPeriod"/>
+            </a:pPr>
+            <a:r>
+              <a:rPr lang="en-US" sz="1400" dirty="0"/>
+              <a:t>Docker images</a:t>
+            </a:r>
+          </a:p>
+          <a:p>
+            <a:pPr marL="800100" lvl="1" indent="-342900">
+              <a:buAutoNum type="arabicPeriod"/>
+            </a:pPr>
+            <a:r>
+              <a:rPr lang="en-US" sz="1400" dirty="0"/>
+              <a:t>Push docker images</a:t>
+            </a:r>
+          </a:p>
+          <a:p>
+            <a:pPr marL="800100" lvl="1" indent="-342900">
+              <a:buAutoNum type="arabicPeriod"/>
+            </a:pPr>
+            <a:r>
+              <a:rPr lang="en-US" sz="1400" dirty="0" err="1"/>
+              <a:t>Kubectl</a:t>
+            </a:r>
+            <a:r>
+              <a:rPr lang="en-US" sz="1400" dirty="0"/>
+              <a:t> commands and perform a deployment of s/w</a:t>
+            </a:r>
+          </a:p>
+        </p:txBody>
+      </p:sp>
+      <p:cxnSp>
+        <p:nvCxnSpPr>
+          <p:cNvPr id="20" name="Straight Arrow Connector 19">
+            <a:extLst>
+              <a:ext uri="{FF2B5EF4-FFF2-40B4-BE49-F238E27FC236}">
+                <a16:creationId xmlns:a16="http://schemas.microsoft.com/office/drawing/2014/main" id="{80D3C33F-D348-473A-B25F-136DDAD645A9}"/>
+              </a:ext>
+            </a:extLst>
+          </p:cNvPr>
+          <p:cNvCxnSpPr/>
+          <p:nvPr/>
+        </p:nvCxnSpPr>
+        <p:spPr>
+          <a:xfrm>
+            <a:off x="1963024" y="1224793"/>
+            <a:ext cx="285226" cy="2204207"/>
+          </a:xfrm>
+          <a:prstGeom prst="straightConnector1">
+            <a:avLst/>
+          </a:prstGeom>
+          <a:ln>
+            <a:tailEnd type="triangle"/>
+          </a:ln>
+        </p:spPr>
+        <p:style>
+          <a:lnRef idx="1">
+            <a:schemeClr val="accent1"/>
+          </a:lnRef>
+          <a:fillRef idx="0">
+            <a:schemeClr val="accent1"/>
+          </a:fillRef>
+          <a:effectRef idx="0">
+            <a:schemeClr val="accent1"/>
+          </a:effectRef>
+          <a:fontRef idx="minor">
+            <a:schemeClr val="tx1"/>
+          </a:fontRef>
+        </p:style>
+      </p:cxnSp>
+      <p:sp>
+        <p:nvSpPr>
+          <p:cNvPr id="21" name="Right Brace 20">
+            <a:extLst>
+              <a:ext uri="{FF2B5EF4-FFF2-40B4-BE49-F238E27FC236}">
+                <a16:creationId xmlns:a16="http://schemas.microsoft.com/office/drawing/2014/main" id="{3754B6A7-AECD-49CA-A755-369A28B7C3DD}"/>
+              </a:ext>
+            </a:extLst>
+          </p:cNvPr>
+          <p:cNvSpPr/>
+          <p:nvPr/>
+        </p:nvSpPr>
+        <p:spPr>
+          <a:xfrm>
+            <a:off x="2751589" y="3429000"/>
+            <a:ext cx="83890" cy="1059110"/>
+          </a:xfrm>
+          <a:prstGeom prst="rightBrace">
+            <a:avLst/>
+          </a:prstGeom>
+        </p:spPr>
+        <p:style>
+          <a:lnRef idx="1">
+            <a:schemeClr val="accent1"/>
+          </a:lnRef>
+          <a:fillRef idx="0">
+            <a:schemeClr val="accent1"/>
+          </a:fillRef>
+          <a:effectRef idx="0">
+            <a:schemeClr val="accent1"/>
+          </a:effectRef>
+          <a:fontRef idx="minor">
+            <a:schemeClr val="tx1"/>
+          </a:fontRef>
+        </p:style>
+        <p:txBody>
+          <a:bodyPr rtlCol="0" anchor="ctr"/>
+          <a:lstStyle/>
+          <a:p>
+            <a:pPr algn="ctr"/>
+            <a:endParaRPr lang="en-US"/>
+          </a:p>
+        </p:txBody>
+      </p:sp>
+      <p:sp>
+        <p:nvSpPr>
+          <p:cNvPr id="22" name="TextBox 21">
+            <a:extLst>
+              <a:ext uri="{FF2B5EF4-FFF2-40B4-BE49-F238E27FC236}">
+                <a16:creationId xmlns:a16="http://schemas.microsoft.com/office/drawing/2014/main" id="{1E2C9A33-079B-4F3B-92C4-C449C2FFBAD3}"/>
+              </a:ext>
+            </a:extLst>
+          </p:cNvPr>
+          <p:cNvSpPr txBox="1"/>
+          <p:nvPr/>
+        </p:nvSpPr>
+        <p:spPr>
+          <a:xfrm>
+            <a:off x="2852257" y="3794061"/>
+            <a:ext cx="1342612" cy="369332"/>
+          </a:xfrm>
+          <a:prstGeom prst="rect">
+            <a:avLst/>
+          </a:prstGeom>
+          <a:noFill/>
+        </p:spPr>
+        <p:txBody>
+          <a:bodyPr wrap="none" rtlCol="0">
+            <a:spAutoFit/>
+          </a:bodyPr>
+          <a:lstStyle/>
+          <a:p>
+            <a:r>
+              <a:rPr lang="en-US" dirty="0" err="1"/>
+              <a:t>Cont</a:t>
+            </a:r>
+            <a:r>
+              <a:rPr lang="en-US" dirty="0"/>
+              <a:t> </a:t>
+            </a:r>
+            <a:r>
+              <a:rPr lang="en-US" dirty="0" err="1"/>
+              <a:t>intg</a:t>
+            </a:r>
+            <a:r>
+              <a:rPr lang="en-US" dirty="0"/>
+              <a:t>- CI</a:t>
+            </a:r>
+          </a:p>
+        </p:txBody>
+      </p:sp>
+      <p:cxnSp>
+        <p:nvCxnSpPr>
+          <p:cNvPr id="24" name="Straight Arrow Connector 23">
+            <a:extLst>
+              <a:ext uri="{FF2B5EF4-FFF2-40B4-BE49-F238E27FC236}">
+                <a16:creationId xmlns:a16="http://schemas.microsoft.com/office/drawing/2014/main" id="{D421F92A-CE3A-4A5C-B2A2-607663244A36}"/>
+              </a:ext>
+            </a:extLst>
+          </p:cNvPr>
+          <p:cNvCxnSpPr/>
+          <p:nvPr/>
+        </p:nvCxnSpPr>
+        <p:spPr>
+          <a:xfrm>
+            <a:off x="2944534" y="4756558"/>
+            <a:ext cx="2575422" cy="629174"/>
+          </a:xfrm>
+          <a:prstGeom prst="straightConnector1">
+            <a:avLst/>
+          </a:prstGeom>
+          <a:ln>
+            <a:tailEnd type="triangle"/>
+          </a:ln>
+        </p:spPr>
+        <p:style>
+          <a:lnRef idx="1">
+            <a:schemeClr val="accent1"/>
+          </a:lnRef>
+          <a:fillRef idx="0">
+            <a:schemeClr val="accent1"/>
+          </a:fillRef>
+          <a:effectRef idx="0">
+            <a:schemeClr val="accent1"/>
+          </a:effectRef>
+          <a:fontRef idx="minor">
+            <a:schemeClr val="tx1"/>
+          </a:fontRef>
+        </p:style>
+      </p:cxnSp>
+      <p:sp>
+        <p:nvSpPr>
+          <p:cNvPr id="25" name="Cloud 24">
+            <a:extLst>
+              <a:ext uri="{FF2B5EF4-FFF2-40B4-BE49-F238E27FC236}">
+                <a16:creationId xmlns:a16="http://schemas.microsoft.com/office/drawing/2014/main" id="{9E30B7AC-9169-492C-B178-F68973127601}"/>
+              </a:ext>
+            </a:extLst>
+          </p:cNvPr>
+          <p:cNvSpPr/>
+          <p:nvPr/>
+        </p:nvSpPr>
+        <p:spPr>
+          <a:xfrm>
+            <a:off x="5519956" y="4921323"/>
+            <a:ext cx="4228053" cy="939350"/>
+          </a:xfrm>
+          <a:prstGeom prst="cloud">
+            <a:avLst/>
+          </a:prstGeom>
+        </p:spPr>
+        <p:style>
+          <a:lnRef idx="2">
+            <a:schemeClr val="accent1">
+              <a:shade val="50000"/>
+            </a:schemeClr>
+          </a:lnRef>
+          <a:fillRef idx="1">
+            <a:schemeClr val="accent1"/>
+          </a:fillRef>
+          <a:effectRef idx="0">
+            <a:schemeClr val="accent1"/>
+          </a:effectRef>
+          <a:fontRef idx="minor">
+            <a:schemeClr val="lt1"/>
+          </a:fontRef>
+        </p:style>
+        <p:txBody>
+          <a:bodyPr rtlCol="0" anchor="ctr"/>
+          <a:lstStyle/>
+          <a:p>
+            <a:pPr algn="ctr"/>
+            <a:r>
+              <a:rPr lang="en-US" dirty="0"/>
+              <a:t>Hub.docker.com</a:t>
+            </a:r>
+          </a:p>
+        </p:txBody>
+      </p:sp>
+      <p:sp>
+        <p:nvSpPr>
+          <p:cNvPr id="26" name="Right Brace 25">
+            <a:extLst>
+              <a:ext uri="{FF2B5EF4-FFF2-40B4-BE49-F238E27FC236}">
+                <a16:creationId xmlns:a16="http://schemas.microsoft.com/office/drawing/2014/main" id="{77AE21BF-C61A-4B42-84A1-5F0EE50EBE5A}"/>
+              </a:ext>
+            </a:extLst>
+          </p:cNvPr>
+          <p:cNvSpPr/>
+          <p:nvPr/>
+        </p:nvSpPr>
+        <p:spPr>
+          <a:xfrm>
+            <a:off x="3078760" y="4478727"/>
+            <a:ext cx="83890" cy="442596"/>
+          </a:xfrm>
+          <a:prstGeom prst="rightBrace">
+            <a:avLst/>
+          </a:prstGeom>
+        </p:spPr>
+        <p:style>
+          <a:lnRef idx="1">
+            <a:schemeClr val="accent1"/>
+          </a:lnRef>
+          <a:fillRef idx="0">
+            <a:schemeClr val="accent1"/>
+          </a:fillRef>
+          <a:effectRef idx="0">
+            <a:schemeClr val="accent1"/>
+          </a:effectRef>
+          <a:fontRef idx="minor">
+            <a:schemeClr val="tx1"/>
+          </a:fontRef>
+        </p:style>
+        <p:txBody>
+          <a:bodyPr rtlCol="0" anchor="ctr"/>
+          <a:lstStyle/>
+          <a:p>
+            <a:pPr algn="ctr"/>
+            <a:endParaRPr lang="en-US"/>
+          </a:p>
+        </p:txBody>
+      </p:sp>
+      <p:sp>
+        <p:nvSpPr>
+          <p:cNvPr id="27" name="TextBox 26">
+            <a:extLst>
+              <a:ext uri="{FF2B5EF4-FFF2-40B4-BE49-F238E27FC236}">
+                <a16:creationId xmlns:a16="http://schemas.microsoft.com/office/drawing/2014/main" id="{2C305D60-E856-477D-A5ED-90B29952AA3B}"/>
+              </a:ext>
+            </a:extLst>
+          </p:cNvPr>
+          <p:cNvSpPr txBox="1"/>
+          <p:nvPr/>
+        </p:nvSpPr>
+        <p:spPr>
+          <a:xfrm>
+            <a:off x="3164048" y="4500135"/>
+            <a:ext cx="1835759" cy="369332"/>
+          </a:xfrm>
+          <a:prstGeom prst="rect">
+            <a:avLst/>
+          </a:prstGeom>
+          <a:noFill/>
+        </p:spPr>
+        <p:txBody>
+          <a:bodyPr wrap="none" rtlCol="0">
+            <a:spAutoFit/>
+          </a:bodyPr>
+          <a:lstStyle/>
+          <a:p>
+            <a:r>
+              <a:rPr lang="en-US" dirty="0" err="1"/>
+              <a:t>Cont</a:t>
+            </a:r>
+            <a:r>
+              <a:rPr lang="en-US" dirty="0"/>
+              <a:t> Delivery- CD</a:t>
+            </a:r>
+          </a:p>
+        </p:txBody>
+      </p:sp>
+      <p:sp>
+        <p:nvSpPr>
+          <p:cNvPr id="28" name="TextBox 27">
+            <a:extLst>
+              <a:ext uri="{FF2B5EF4-FFF2-40B4-BE49-F238E27FC236}">
+                <a16:creationId xmlns:a16="http://schemas.microsoft.com/office/drawing/2014/main" id="{A3FD84F3-1798-45C4-B2D0-59F7C3D58D65}"/>
+              </a:ext>
+            </a:extLst>
+          </p:cNvPr>
+          <p:cNvSpPr txBox="1"/>
+          <p:nvPr/>
+        </p:nvSpPr>
+        <p:spPr>
+          <a:xfrm>
+            <a:off x="444616" y="6174027"/>
+            <a:ext cx="2751588" cy="461665"/>
+          </a:xfrm>
+          <a:prstGeom prst="rect">
+            <a:avLst/>
+          </a:prstGeom>
+          <a:noFill/>
+        </p:spPr>
+        <p:txBody>
+          <a:bodyPr wrap="square" rtlCol="0">
+            <a:spAutoFit/>
+          </a:bodyPr>
+          <a:lstStyle/>
+          <a:p>
+            <a:r>
+              <a:rPr lang="en-US" sz="1200" dirty="0"/>
+              <a:t>Git, docker, </a:t>
+            </a:r>
+            <a:r>
+              <a:rPr lang="en-US" sz="1200" dirty="0" err="1"/>
+              <a:t>kubectl</a:t>
+            </a:r>
+            <a:r>
+              <a:rPr lang="en-US" sz="1200" dirty="0"/>
+              <a:t>, config (~/.</a:t>
+            </a:r>
+            <a:r>
+              <a:rPr lang="en-US" sz="1200" dirty="0" err="1"/>
+              <a:t>kube</a:t>
+            </a:r>
+            <a:r>
+              <a:rPr lang="en-US" sz="1200" dirty="0"/>
+              <a:t> or KUBECONFIG=/</a:t>
+            </a:r>
+            <a:r>
+              <a:rPr lang="en-US" sz="1200" dirty="0" err="1"/>
+              <a:t>filepath</a:t>
+            </a:r>
+            <a:r>
+              <a:rPr lang="en-US" sz="1200" dirty="0"/>
+              <a:t>)</a:t>
+            </a:r>
+          </a:p>
+        </p:txBody>
+      </p:sp>
+      <p:cxnSp>
+        <p:nvCxnSpPr>
+          <p:cNvPr id="30" name="Straight Arrow Connector 29">
+            <a:extLst>
+              <a:ext uri="{FF2B5EF4-FFF2-40B4-BE49-F238E27FC236}">
+                <a16:creationId xmlns:a16="http://schemas.microsoft.com/office/drawing/2014/main" id="{A5465C3C-D375-413C-9B33-F7BEA9AD4F21}"/>
+              </a:ext>
+            </a:extLst>
+          </p:cNvPr>
+          <p:cNvCxnSpPr>
+            <a:endCxn id="8" idx="1"/>
+          </p:cNvCxnSpPr>
+          <p:nvPr/>
+        </p:nvCxnSpPr>
+        <p:spPr>
+          <a:xfrm flipV="1">
+            <a:off x="2944534" y="1409459"/>
+            <a:ext cx="3263319" cy="3511864"/>
+          </a:xfrm>
+          <a:prstGeom prst="straightConnector1">
+            <a:avLst/>
+          </a:prstGeom>
+          <a:ln>
+            <a:tailEnd type="triangle"/>
+          </a:ln>
+        </p:spPr>
+        <p:style>
+          <a:lnRef idx="1">
+            <a:schemeClr val="accent1"/>
+          </a:lnRef>
+          <a:fillRef idx="0">
+            <a:schemeClr val="accent1"/>
+          </a:fillRef>
+          <a:effectRef idx="0">
+            <a:schemeClr val="accent1"/>
+          </a:effectRef>
+          <a:fontRef idx="minor">
+            <a:schemeClr val="tx1"/>
+          </a:fontRef>
+        </p:style>
+      </p:cxnSp>
+      <p:sp>
+        <p:nvSpPr>
+          <p:cNvPr id="31" name="Right Brace 30">
+            <a:extLst>
+              <a:ext uri="{FF2B5EF4-FFF2-40B4-BE49-F238E27FC236}">
+                <a16:creationId xmlns:a16="http://schemas.microsoft.com/office/drawing/2014/main" id="{6F729ACA-0D2F-4AAD-80F8-3C9A7EF29AC7}"/>
+              </a:ext>
+            </a:extLst>
+          </p:cNvPr>
+          <p:cNvSpPr/>
+          <p:nvPr/>
+        </p:nvSpPr>
+        <p:spPr>
+          <a:xfrm>
+            <a:off x="3004657" y="5042188"/>
+            <a:ext cx="83890" cy="442596"/>
+          </a:xfrm>
+          <a:prstGeom prst="rightBrace">
+            <a:avLst/>
+          </a:prstGeom>
+        </p:spPr>
+        <p:style>
+          <a:lnRef idx="1">
+            <a:schemeClr val="accent1"/>
+          </a:lnRef>
+          <a:fillRef idx="0">
+            <a:schemeClr val="accent1"/>
+          </a:fillRef>
+          <a:effectRef idx="0">
+            <a:schemeClr val="accent1"/>
+          </a:effectRef>
+          <a:fontRef idx="minor">
+            <a:schemeClr val="tx1"/>
+          </a:fontRef>
+        </p:style>
+        <p:txBody>
+          <a:bodyPr rtlCol="0" anchor="ctr"/>
+          <a:lstStyle/>
+          <a:p>
+            <a:pPr algn="ctr"/>
+            <a:endParaRPr lang="en-US"/>
+          </a:p>
+        </p:txBody>
+      </p:sp>
+      <p:sp>
+        <p:nvSpPr>
+          <p:cNvPr id="32" name="TextBox 31">
+            <a:extLst>
+              <a:ext uri="{FF2B5EF4-FFF2-40B4-BE49-F238E27FC236}">
+                <a16:creationId xmlns:a16="http://schemas.microsoft.com/office/drawing/2014/main" id="{8CBE7075-5956-4321-B8EE-D6C42CE6A3BD}"/>
+              </a:ext>
+            </a:extLst>
+          </p:cNvPr>
+          <p:cNvSpPr txBox="1"/>
+          <p:nvPr/>
+        </p:nvSpPr>
+        <p:spPr>
+          <a:xfrm>
+            <a:off x="3089945" y="5063596"/>
+            <a:ext cx="2223044" cy="369332"/>
+          </a:xfrm>
+          <a:prstGeom prst="rect">
+            <a:avLst/>
+          </a:prstGeom>
+          <a:noFill/>
+        </p:spPr>
+        <p:txBody>
+          <a:bodyPr wrap="none" rtlCol="0">
+            <a:spAutoFit/>
+          </a:bodyPr>
+          <a:lstStyle/>
+          <a:p>
+            <a:r>
+              <a:rPr lang="en-US" dirty="0" err="1"/>
+              <a:t>Cont</a:t>
+            </a:r>
+            <a:r>
+              <a:rPr lang="en-US" dirty="0"/>
+              <a:t> Deployment- CD</a:t>
+            </a:r>
+          </a:p>
+        </p:txBody>
+      </p:sp>
+    </p:spTree>
+    <p:extLst>
+      <p:ext uri="{BB962C8B-B14F-4D97-AF65-F5344CB8AC3E}">
+        <p14:creationId xmlns:p14="http://schemas.microsoft.com/office/powerpoint/2010/main" val="1973261984"/>
+      </p:ext>
+    </p:extLst>
+  </p:cSld>
+  <p:clrMapOvr>
+    <a:masterClrMapping/>
+  </p:clrMapOvr>
+</p:sld>
+</file>
+
+<file path=ppt/slides/slide22.xml><?xml version="1.0" encoding="utf-8"?>
+<p:sld xmlns:a="http://schemas.openxmlformats.org/drawingml/2006/main" xmlns:r="http://schemas.openxmlformats.org/officeDocument/2006/relationships" xmlns:p="http://schemas.openxmlformats.org/presentationml/2006/main">
+  <p:cSld>
+    <p:spTree>
+      <p:nvGrpSpPr>
+        <p:cNvPr id="1" name=""/>
+        <p:cNvGrpSpPr/>
+        <p:nvPr/>
+      </p:nvGrpSpPr>
+      <p:grpSpPr>
+        <a:xfrm>
+          <a:off x="0" y="0"/>
+          <a:ext cx="0" cy="0"/>
+          <a:chOff x="0" y="0"/>
+          <a:chExt cx="0" cy="0"/>
+        </a:xfrm>
+      </p:grpSpPr>
+      <p:sp>
+        <p:nvSpPr>
+          <p:cNvPr id="2" name="Rectangle 1">
+            <a:extLst>
+              <a:ext uri="{FF2B5EF4-FFF2-40B4-BE49-F238E27FC236}">
+                <a16:creationId xmlns:a16="http://schemas.microsoft.com/office/drawing/2014/main" id="{DEACD4E5-115E-43FB-86A5-87307B6E74E1}"/>
+              </a:ext>
+            </a:extLst>
+          </p:cNvPr>
+          <p:cNvSpPr/>
+          <p:nvPr/>
+        </p:nvSpPr>
+        <p:spPr>
+          <a:xfrm>
+            <a:off x="1719743" y="738231"/>
+            <a:ext cx="5536734" cy="4513277"/>
+          </a:xfrm>
+          <a:prstGeom prst="rect">
+            <a:avLst/>
+          </a:prstGeom>
+          <a:noFill/>
+        </p:spPr>
+        <p:style>
+          <a:lnRef idx="2">
+            <a:schemeClr val="accent1">
+              <a:shade val="50000"/>
+            </a:schemeClr>
+          </a:lnRef>
+          <a:fillRef idx="1">
+            <a:schemeClr val="accent1"/>
+          </a:fillRef>
+          <a:effectRef idx="0">
+            <a:schemeClr val="accent1"/>
+          </a:effectRef>
+          <a:fontRef idx="minor">
+            <a:schemeClr val="lt1"/>
+          </a:fontRef>
+        </p:style>
+        <p:txBody>
+          <a:bodyPr rtlCol="0" anchor="ctr"/>
+          <a:lstStyle/>
+          <a:p>
+            <a:pPr algn="ctr"/>
+            <a:endParaRPr lang="en-US"/>
+          </a:p>
+        </p:txBody>
+      </p:sp>
+      <p:sp>
+        <p:nvSpPr>
+          <p:cNvPr id="3" name="TextBox 2">
+            <a:extLst>
+              <a:ext uri="{FF2B5EF4-FFF2-40B4-BE49-F238E27FC236}">
+                <a16:creationId xmlns:a16="http://schemas.microsoft.com/office/drawing/2014/main" id="{77BF126F-B1A1-43C7-BDCF-DABE09187950}"/>
+              </a:ext>
+            </a:extLst>
+          </p:cNvPr>
+          <p:cNvSpPr txBox="1"/>
+          <p:nvPr/>
+        </p:nvSpPr>
+        <p:spPr>
+          <a:xfrm>
+            <a:off x="2038525" y="4806892"/>
+            <a:ext cx="937116" cy="369332"/>
+          </a:xfrm>
+          <a:prstGeom prst="rect">
+            <a:avLst/>
+          </a:prstGeom>
+          <a:noFill/>
+        </p:spPr>
+        <p:txBody>
+          <a:bodyPr wrap="none" rtlCol="0">
+            <a:spAutoFit/>
+          </a:bodyPr>
+          <a:lstStyle/>
+          <a:p>
+            <a:r>
+              <a:rPr lang="en-US" dirty="0" err="1"/>
+              <a:t>dockerd</a:t>
+            </a:r>
+            <a:endParaRPr lang="en-US" dirty="0"/>
+          </a:p>
+        </p:txBody>
+      </p:sp>
+      <p:sp>
+        <p:nvSpPr>
+          <p:cNvPr id="4" name="TextBox 3">
+            <a:extLst>
+              <a:ext uri="{FF2B5EF4-FFF2-40B4-BE49-F238E27FC236}">
+                <a16:creationId xmlns:a16="http://schemas.microsoft.com/office/drawing/2014/main" id="{60306F56-A0FD-48C6-9593-C318B108B864}"/>
+              </a:ext>
+            </a:extLst>
+          </p:cNvPr>
+          <p:cNvSpPr txBox="1"/>
+          <p:nvPr/>
+        </p:nvSpPr>
+        <p:spPr>
+          <a:xfrm>
+            <a:off x="1778466" y="385894"/>
+            <a:ext cx="1147815" cy="369332"/>
+          </a:xfrm>
+          <a:prstGeom prst="rect">
+            <a:avLst/>
+          </a:prstGeom>
+          <a:noFill/>
+        </p:spPr>
+        <p:txBody>
+          <a:bodyPr wrap="none" rtlCol="0">
+            <a:spAutoFit/>
+          </a:bodyPr>
+          <a:lstStyle/>
+          <a:p>
+            <a:r>
+              <a:rPr lang="en-US" dirty="0"/>
+              <a:t>k8smaster</a:t>
+            </a:r>
+          </a:p>
+        </p:txBody>
+      </p:sp>
+      <p:sp>
+        <p:nvSpPr>
+          <p:cNvPr id="5" name="Oval 4">
+            <a:extLst>
+              <a:ext uri="{FF2B5EF4-FFF2-40B4-BE49-F238E27FC236}">
+                <a16:creationId xmlns:a16="http://schemas.microsoft.com/office/drawing/2014/main" id="{5A131D4F-A678-4ED1-ADAA-09F3B909CFBB}"/>
+              </a:ext>
+            </a:extLst>
+          </p:cNvPr>
+          <p:cNvSpPr/>
+          <p:nvPr/>
+        </p:nvSpPr>
+        <p:spPr>
+          <a:xfrm>
+            <a:off x="2038525" y="1501629"/>
+            <a:ext cx="3372374" cy="2172749"/>
+          </a:xfrm>
+          <a:prstGeom prst="ellipse">
+            <a:avLst/>
+          </a:prstGeom>
+        </p:spPr>
+        <p:style>
+          <a:lnRef idx="2">
+            <a:schemeClr val="accent1">
+              <a:shade val="50000"/>
+            </a:schemeClr>
+          </a:lnRef>
+          <a:fillRef idx="1">
+            <a:schemeClr val="accent1"/>
+          </a:fillRef>
+          <a:effectRef idx="0">
+            <a:schemeClr val="accent1"/>
+          </a:effectRef>
+          <a:fontRef idx="minor">
+            <a:schemeClr val="lt1"/>
+          </a:fontRef>
+        </p:style>
+        <p:txBody>
+          <a:bodyPr rtlCol="0" anchor="ctr"/>
+          <a:lstStyle/>
+          <a:p>
+            <a:pPr algn="ctr"/>
+            <a:r>
+              <a:rPr lang="en-US" dirty="0"/>
+              <a:t>Build-machine</a:t>
+            </a:r>
+          </a:p>
+          <a:p>
+            <a:pPr marL="342900" indent="-342900" algn="ctr">
+              <a:buAutoNum type="arabicPeriod"/>
+            </a:pPr>
+            <a:r>
+              <a:rPr lang="en-US" dirty="0"/>
+              <a:t>docker image build</a:t>
+            </a:r>
+          </a:p>
+          <a:p>
+            <a:pPr marL="342900" indent="-342900" algn="ctr">
+              <a:buAutoNum type="arabicPeriod"/>
+            </a:pPr>
+            <a:r>
+              <a:rPr lang="en-US" dirty="0" err="1"/>
+              <a:t>Kubectl</a:t>
+            </a:r>
+            <a:r>
+              <a:rPr lang="en-US" dirty="0"/>
+              <a:t> apply –f </a:t>
+            </a:r>
+            <a:r>
+              <a:rPr lang="en-US" dirty="0" err="1"/>
+              <a:t>dep.yml</a:t>
+            </a:r>
+            <a:endParaRPr lang="en-US" dirty="0"/>
+          </a:p>
+        </p:txBody>
+      </p:sp>
+      <p:sp>
+        <p:nvSpPr>
+          <p:cNvPr id="6" name="Freeform: Shape 5">
+            <a:extLst>
+              <a:ext uri="{FF2B5EF4-FFF2-40B4-BE49-F238E27FC236}">
+                <a16:creationId xmlns:a16="http://schemas.microsoft.com/office/drawing/2014/main" id="{E07EC129-019C-4C97-8BB2-4A59C8B07CD3}"/>
+              </a:ext>
+            </a:extLst>
+          </p:cNvPr>
+          <p:cNvSpPr/>
+          <p:nvPr/>
+        </p:nvSpPr>
+        <p:spPr>
+          <a:xfrm>
+            <a:off x="1937857" y="4504888"/>
+            <a:ext cx="41945" cy="671119"/>
+          </a:xfrm>
+          <a:custGeom>
+            <a:avLst/>
+            <a:gdLst>
+              <a:gd name="connsiteX0" fmla="*/ 33556 w 41945"/>
+              <a:gd name="connsiteY0" fmla="*/ 0 h 671119"/>
+              <a:gd name="connsiteX1" fmla="*/ 16778 w 41945"/>
+              <a:gd name="connsiteY1" fmla="*/ 41945 h 671119"/>
+              <a:gd name="connsiteX2" fmla="*/ 0 w 41945"/>
+              <a:gd name="connsiteY2" fmla="*/ 109057 h 671119"/>
+              <a:gd name="connsiteX3" fmla="*/ 8389 w 41945"/>
+              <a:gd name="connsiteY3" fmla="*/ 142613 h 671119"/>
+              <a:gd name="connsiteX4" fmla="*/ 41945 w 41945"/>
+              <a:gd name="connsiteY4" fmla="*/ 192947 h 671119"/>
+              <a:gd name="connsiteX5" fmla="*/ 25167 w 41945"/>
+              <a:gd name="connsiteY5" fmla="*/ 318782 h 671119"/>
+              <a:gd name="connsiteX6" fmla="*/ 8389 w 41945"/>
+              <a:gd name="connsiteY6" fmla="*/ 343949 h 671119"/>
+              <a:gd name="connsiteX7" fmla="*/ 8389 w 41945"/>
+              <a:gd name="connsiteY7" fmla="*/ 671119 h 671119"/>
+            </a:gdLst>
+            <a:ahLst/>
+            <a:cxnLst>
+              <a:cxn ang="0">
+                <a:pos x="connsiteX0" y="connsiteY0"/>
+              </a:cxn>
+              <a:cxn ang="0">
+                <a:pos x="connsiteX1" y="connsiteY1"/>
+              </a:cxn>
+              <a:cxn ang="0">
+                <a:pos x="connsiteX2" y="connsiteY2"/>
+              </a:cxn>
+              <a:cxn ang="0">
+                <a:pos x="connsiteX3" y="connsiteY3"/>
+              </a:cxn>
+              <a:cxn ang="0">
+                <a:pos x="connsiteX4" y="connsiteY4"/>
+              </a:cxn>
+              <a:cxn ang="0">
+                <a:pos x="connsiteX5" y="connsiteY5"/>
+              </a:cxn>
+              <a:cxn ang="0">
+                <a:pos x="connsiteX6" y="connsiteY6"/>
+              </a:cxn>
+              <a:cxn ang="0">
+                <a:pos x="connsiteX7" y="connsiteY7"/>
+              </a:cxn>
+            </a:cxnLst>
+            <a:rect l="l" t="t" r="r" b="b"/>
+            <a:pathLst>
+              <a:path w="41945" h="671119">
+                <a:moveTo>
+                  <a:pt x="33556" y="0"/>
+                </a:moveTo>
+                <a:cubicBezTo>
+                  <a:pt x="27963" y="13982"/>
+                  <a:pt x="21207" y="27552"/>
+                  <a:pt x="16778" y="41945"/>
+                </a:cubicBezTo>
+                <a:cubicBezTo>
+                  <a:pt x="9997" y="63984"/>
+                  <a:pt x="0" y="109057"/>
+                  <a:pt x="0" y="109057"/>
+                </a:cubicBezTo>
+                <a:cubicBezTo>
+                  <a:pt x="2796" y="120242"/>
+                  <a:pt x="3233" y="132301"/>
+                  <a:pt x="8389" y="142613"/>
+                </a:cubicBezTo>
+                <a:cubicBezTo>
+                  <a:pt x="17407" y="160649"/>
+                  <a:pt x="41945" y="192947"/>
+                  <a:pt x="41945" y="192947"/>
+                </a:cubicBezTo>
+                <a:cubicBezTo>
+                  <a:pt x="40693" y="206718"/>
+                  <a:pt x="37993" y="288854"/>
+                  <a:pt x="25167" y="318782"/>
+                </a:cubicBezTo>
+                <a:cubicBezTo>
+                  <a:pt x="21195" y="328049"/>
+                  <a:pt x="8869" y="333878"/>
+                  <a:pt x="8389" y="343949"/>
+                </a:cubicBezTo>
+                <a:cubicBezTo>
+                  <a:pt x="3202" y="452882"/>
+                  <a:pt x="8389" y="562062"/>
+                  <a:pt x="8389" y="671119"/>
+                </a:cubicBezTo>
+              </a:path>
+            </a:pathLst>
+          </a:custGeom>
+          <a:noFill/>
+        </p:spPr>
+        <p:style>
+          <a:lnRef idx="2">
+            <a:schemeClr val="accent1">
+              <a:shade val="50000"/>
+            </a:schemeClr>
+          </a:lnRef>
+          <a:fillRef idx="1">
+            <a:schemeClr val="accent1"/>
+          </a:fillRef>
+          <a:effectRef idx="0">
+            <a:schemeClr val="accent1"/>
+          </a:effectRef>
+          <a:fontRef idx="minor">
+            <a:schemeClr val="lt1"/>
+          </a:fontRef>
+        </p:style>
+        <p:txBody>
+          <a:bodyPr rtlCol="0" anchor="ctr"/>
+          <a:lstStyle/>
+          <a:p>
+            <a:pPr algn="ctr"/>
+            <a:endParaRPr lang="en-US"/>
+          </a:p>
+        </p:txBody>
+      </p:sp>
+      <p:sp>
+        <p:nvSpPr>
+          <p:cNvPr id="7" name="TextBox 6">
+            <a:extLst>
+              <a:ext uri="{FF2B5EF4-FFF2-40B4-BE49-F238E27FC236}">
+                <a16:creationId xmlns:a16="http://schemas.microsoft.com/office/drawing/2014/main" id="{55E0068F-BD51-438B-9CBF-468BF3B580A7}"/>
+              </a:ext>
+            </a:extLst>
+          </p:cNvPr>
+          <p:cNvSpPr txBox="1"/>
+          <p:nvPr/>
+        </p:nvSpPr>
+        <p:spPr>
+          <a:xfrm>
+            <a:off x="5545123" y="4278385"/>
+            <a:ext cx="2076338" cy="369332"/>
+          </a:xfrm>
+          <a:prstGeom prst="rect">
+            <a:avLst/>
+          </a:prstGeom>
+          <a:noFill/>
+        </p:spPr>
+        <p:txBody>
+          <a:bodyPr wrap="none" rtlCol="0">
+            <a:spAutoFit/>
+          </a:bodyPr>
+          <a:lstStyle/>
+          <a:p>
+            <a:r>
+              <a:rPr lang="en-US" dirty="0"/>
+              <a:t>$docker container ls</a:t>
+            </a:r>
+          </a:p>
+        </p:txBody>
+      </p:sp>
+      <p:sp>
+        <p:nvSpPr>
+          <p:cNvPr id="8" name="TextBox 7">
+            <a:extLst>
+              <a:ext uri="{FF2B5EF4-FFF2-40B4-BE49-F238E27FC236}">
+                <a16:creationId xmlns:a16="http://schemas.microsoft.com/office/drawing/2014/main" id="{B635B42F-DD3A-442C-91A5-AF481389CC98}"/>
+              </a:ext>
+            </a:extLst>
+          </p:cNvPr>
+          <p:cNvSpPr txBox="1"/>
+          <p:nvPr/>
+        </p:nvSpPr>
+        <p:spPr>
+          <a:xfrm>
+            <a:off x="2818701" y="3489712"/>
+            <a:ext cx="2151166" cy="369332"/>
+          </a:xfrm>
+          <a:prstGeom prst="rect">
+            <a:avLst/>
+          </a:prstGeom>
+          <a:noFill/>
+        </p:spPr>
+        <p:txBody>
+          <a:bodyPr wrap="none" rtlCol="0">
+            <a:spAutoFit/>
+          </a:bodyPr>
+          <a:lstStyle/>
+          <a:p>
+            <a:r>
+              <a:rPr lang="en-US" dirty="0"/>
+              <a:t>/var/run/</a:t>
+            </a:r>
+            <a:r>
+              <a:rPr lang="en-US" dirty="0" err="1"/>
+              <a:t>docker.sock</a:t>
+            </a:r>
+            <a:endParaRPr lang="en-US" dirty="0"/>
+          </a:p>
+        </p:txBody>
+      </p:sp>
+      <p:cxnSp>
+        <p:nvCxnSpPr>
+          <p:cNvPr id="10" name="Straight Arrow Connector 9">
+            <a:extLst>
+              <a:ext uri="{FF2B5EF4-FFF2-40B4-BE49-F238E27FC236}">
+                <a16:creationId xmlns:a16="http://schemas.microsoft.com/office/drawing/2014/main" id="{B1D95957-4AD3-41E9-83AB-5C9C9891456C}"/>
+              </a:ext>
+            </a:extLst>
+          </p:cNvPr>
+          <p:cNvCxnSpPr>
+            <a:stCxn id="7" idx="1"/>
+            <a:endCxn id="8" idx="3"/>
+          </p:cNvCxnSpPr>
+          <p:nvPr/>
+        </p:nvCxnSpPr>
+        <p:spPr>
+          <a:xfrm flipH="1" flipV="1">
+            <a:off x="4969867" y="3674378"/>
+            <a:ext cx="575256" cy="788673"/>
+          </a:xfrm>
+          <a:prstGeom prst="straightConnector1">
+            <a:avLst/>
+          </a:prstGeom>
+          <a:ln>
+            <a:tailEnd type="triangle"/>
+          </a:ln>
+        </p:spPr>
+        <p:style>
+          <a:lnRef idx="1">
+            <a:schemeClr val="accent1"/>
+          </a:lnRef>
+          <a:fillRef idx="0">
+            <a:schemeClr val="accent1"/>
+          </a:fillRef>
+          <a:effectRef idx="0">
+            <a:schemeClr val="accent1"/>
+          </a:effectRef>
+          <a:fontRef idx="minor">
+            <a:schemeClr val="tx1"/>
+          </a:fontRef>
+        </p:style>
+      </p:cxnSp>
+      <p:cxnSp>
+        <p:nvCxnSpPr>
+          <p:cNvPr id="12" name="Straight Arrow Connector 11">
+            <a:extLst>
+              <a:ext uri="{FF2B5EF4-FFF2-40B4-BE49-F238E27FC236}">
+                <a16:creationId xmlns:a16="http://schemas.microsoft.com/office/drawing/2014/main" id="{196404C1-6DEA-42B4-BEFB-DFD51C7E0EF0}"/>
+              </a:ext>
+            </a:extLst>
+          </p:cNvPr>
+          <p:cNvCxnSpPr>
+            <a:stCxn id="8" idx="1"/>
+            <a:endCxn id="3" idx="0"/>
+          </p:cNvCxnSpPr>
+          <p:nvPr/>
+        </p:nvCxnSpPr>
+        <p:spPr>
+          <a:xfrm flipH="1">
+            <a:off x="2507083" y="3674378"/>
+            <a:ext cx="311618" cy="1132514"/>
+          </a:xfrm>
+          <a:prstGeom prst="straightConnector1">
+            <a:avLst/>
+          </a:prstGeom>
+          <a:ln>
+            <a:tailEnd type="triangle"/>
+          </a:ln>
+        </p:spPr>
+        <p:style>
+          <a:lnRef idx="1">
+            <a:schemeClr val="accent1"/>
+          </a:lnRef>
+          <a:fillRef idx="0">
+            <a:schemeClr val="accent1"/>
+          </a:fillRef>
+          <a:effectRef idx="0">
+            <a:schemeClr val="accent1"/>
+          </a:effectRef>
+          <a:fontRef idx="minor">
+            <a:schemeClr val="tx1"/>
+          </a:fontRef>
+        </p:style>
+      </p:cxnSp>
+      <p:cxnSp>
+        <p:nvCxnSpPr>
+          <p:cNvPr id="18" name="Straight Arrow Connector 17">
+            <a:extLst>
+              <a:ext uri="{FF2B5EF4-FFF2-40B4-BE49-F238E27FC236}">
+                <a16:creationId xmlns:a16="http://schemas.microsoft.com/office/drawing/2014/main" id="{49898EE7-63BD-45FA-B934-FF02B35FB4D7}"/>
+              </a:ext>
+            </a:extLst>
+          </p:cNvPr>
+          <p:cNvCxnSpPr>
+            <a:cxnSpLocks/>
+            <a:endCxn id="8" idx="0"/>
+          </p:cNvCxnSpPr>
+          <p:nvPr/>
+        </p:nvCxnSpPr>
+        <p:spPr>
+          <a:xfrm>
+            <a:off x="3087149" y="2701255"/>
+            <a:ext cx="807135" cy="788457"/>
+          </a:xfrm>
+          <a:prstGeom prst="straightConnector1">
+            <a:avLst/>
+          </a:prstGeom>
+          <a:ln>
+            <a:solidFill>
+              <a:srgbClr val="FF0000"/>
+            </a:solidFill>
+            <a:tailEnd type="triangle"/>
+          </a:ln>
+        </p:spPr>
+        <p:style>
+          <a:lnRef idx="1">
+            <a:schemeClr val="accent1"/>
+          </a:lnRef>
+          <a:fillRef idx="0">
+            <a:schemeClr val="accent1"/>
+          </a:fillRef>
+          <a:effectRef idx="0">
+            <a:schemeClr val="accent1"/>
+          </a:effectRef>
+          <a:fontRef idx="minor">
+            <a:schemeClr val="tx1"/>
+          </a:fontRef>
+        </p:style>
+      </p:cxnSp>
+      <p:sp>
+        <p:nvSpPr>
+          <p:cNvPr id="20" name="TextBox 19">
+            <a:extLst>
+              <a:ext uri="{FF2B5EF4-FFF2-40B4-BE49-F238E27FC236}">
+                <a16:creationId xmlns:a16="http://schemas.microsoft.com/office/drawing/2014/main" id="{EEB8596A-0A08-432C-9F8C-28E8137617E1}"/>
+              </a:ext>
+            </a:extLst>
+          </p:cNvPr>
+          <p:cNvSpPr txBox="1"/>
+          <p:nvPr/>
+        </p:nvSpPr>
+        <p:spPr>
+          <a:xfrm>
+            <a:off x="5679347" y="1128427"/>
+            <a:ext cx="1300293" cy="369332"/>
+          </a:xfrm>
+          <a:prstGeom prst="rect">
+            <a:avLst/>
+          </a:prstGeom>
+          <a:noFill/>
+        </p:spPr>
+        <p:txBody>
+          <a:bodyPr wrap="square" rtlCol="0">
+            <a:spAutoFit/>
+          </a:bodyPr>
+          <a:lstStyle/>
+          <a:p>
+            <a:r>
+              <a:rPr lang="en-US" dirty="0" err="1"/>
+              <a:t>api</a:t>
+            </a:r>
+            <a:r>
+              <a:rPr lang="en-US" dirty="0"/>
+              <a:t>-server</a:t>
+            </a:r>
+          </a:p>
+        </p:txBody>
+      </p:sp>
+      <p:sp>
+        <p:nvSpPr>
+          <p:cNvPr id="21" name="TextBox 20">
+            <a:extLst>
+              <a:ext uri="{FF2B5EF4-FFF2-40B4-BE49-F238E27FC236}">
+                <a16:creationId xmlns:a16="http://schemas.microsoft.com/office/drawing/2014/main" id="{47219CCC-DF81-4A68-BF67-7D60CE0BB9DB}"/>
+              </a:ext>
+            </a:extLst>
+          </p:cNvPr>
+          <p:cNvSpPr txBox="1"/>
+          <p:nvPr/>
+        </p:nvSpPr>
+        <p:spPr>
+          <a:xfrm>
+            <a:off x="4676800" y="2952762"/>
+            <a:ext cx="2861168" cy="369332"/>
+          </a:xfrm>
+          <a:prstGeom prst="rect">
+            <a:avLst/>
+          </a:prstGeom>
+          <a:noFill/>
+        </p:spPr>
+        <p:txBody>
+          <a:bodyPr wrap="none" rtlCol="0">
+            <a:spAutoFit/>
+          </a:bodyPr>
+          <a:lstStyle/>
+          <a:p>
+            <a:r>
+              <a:rPr lang="en-US" dirty="0"/>
+              <a:t>/</a:t>
+            </a:r>
+            <a:r>
+              <a:rPr lang="en-US" dirty="0" err="1"/>
+              <a:t>etc</a:t>
+            </a:r>
+            <a:r>
+              <a:rPr lang="en-US" dirty="0"/>
+              <a:t>/Kubernetes/</a:t>
+            </a:r>
+            <a:r>
+              <a:rPr lang="en-US" dirty="0" err="1"/>
+              <a:t>admin.conf</a:t>
+            </a:r>
+            <a:endParaRPr lang="en-US" dirty="0"/>
+          </a:p>
+        </p:txBody>
+      </p:sp>
+      <p:sp>
+        <p:nvSpPr>
+          <p:cNvPr id="22" name="TextBox 21">
+            <a:extLst>
+              <a:ext uri="{FF2B5EF4-FFF2-40B4-BE49-F238E27FC236}">
+                <a16:creationId xmlns:a16="http://schemas.microsoft.com/office/drawing/2014/main" id="{24241F94-93D5-4B0F-BF42-4C2B54517CA7}"/>
+              </a:ext>
+            </a:extLst>
+          </p:cNvPr>
+          <p:cNvSpPr txBox="1"/>
+          <p:nvPr/>
+        </p:nvSpPr>
+        <p:spPr>
+          <a:xfrm>
+            <a:off x="7768206" y="738231"/>
+            <a:ext cx="3954224" cy="923330"/>
+          </a:xfrm>
+          <a:prstGeom prst="rect">
+            <a:avLst/>
+          </a:prstGeom>
+          <a:noFill/>
+        </p:spPr>
+        <p:txBody>
+          <a:bodyPr wrap="none" rtlCol="0">
+            <a:spAutoFit/>
+          </a:bodyPr>
+          <a:lstStyle/>
+          <a:p>
+            <a:r>
+              <a:rPr lang="en-US" dirty="0"/>
+              <a:t>To create build-machine</a:t>
+            </a:r>
+          </a:p>
+          <a:p>
+            <a:r>
+              <a:rPr lang="en-US" dirty="0"/>
+              <a:t>	installations</a:t>
+            </a:r>
+          </a:p>
+          <a:p>
+            <a:r>
+              <a:rPr lang="en-US" dirty="0"/>
+              <a:t>	</a:t>
+            </a:r>
+            <a:r>
+              <a:rPr lang="en-US" dirty="0" err="1"/>
+              <a:t>java,Jenkins,git,kubectl,docker</a:t>
+            </a:r>
+            <a:endParaRPr lang="en-US" dirty="0"/>
+          </a:p>
+        </p:txBody>
+      </p:sp>
+    </p:spTree>
+    <p:extLst>
+      <p:ext uri="{BB962C8B-B14F-4D97-AF65-F5344CB8AC3E}">
+        <p14:creationId xmlns:p14="http://schemas.microsoft.com/office/powerpoint/2010/main" val="3102354053"/>
+      </p:ext>
+    </p:extLst>
+  </p:cSld>
+  <p:clrMapOvr>
+    <a:masterClrMapping/>
+  </p:clrMapOvr>
+</p:sld>
+</file>
+
+<file path=ppt/slides/slide23.xml><?xml version="1.0" encoding="utf-8"?>
+<p:sld xmlns:a="http://schemas.openxmlformats.org/drawingml/2006/main" xmlns:r="http://schemas.openxmlformats.org/officeDocument/2006/relationships" xmlns:p="http://schemas.openxmlformats.org/presentationml/2006/main">
+  <p:cSld>
+    <p:spTree>
+      <p:nvGrpSpPr>
+        <p:cNvPr id="1" name=""/>
+        <p:cNvGrpSpPr/>
+        <p:nvPr/>
+      </p:nvGrpSpPr>
+      <p:grpSpPr>
+        <a:xfrm>
+          <a:off x="0" y="0"/>
+          <a:ext cx="0" cy="0"/>
+          <a:chOff x="0" y="0"/>
+          <a:chExt cx="0" cy="0"/>
+        </a:xfrm>
+      </p:grpSpPr>
+      <p:sp>
+        <p:nvSpPr>
+          <p:cNvPr id="2" name="Rectangle 1">
+            <a:extLst>
+              <a:ext uri="{FF2B5EF4-FFF2-40B4-BE49-F238E27FC236}">
+                <a16:creationId xmlns:a16="http://schemas.microsoft.com/office/drawing/2014/main" id="{26482265-451A-4661-ACBE-F07765E07F04}"/>
+              </a:ext>
+            </a:extLst>
+          </p:cNvPr>
+          <p:cNvSpPr/>
+          <p:nvPr/>
+        </p:nvSpPr>
+        <p:spPr>
+          <a:xfrm>
+            <a:off x="1744910" y="1266738"/>
+            <a:ext cx="3045204" cy="3405930"/>
+          </a:xfrm>
+          <a:prstGeom prst="rect">
+            <a:avLst/>
+          </a:prstGeom>
+          <a:noFill/>
+        </p:spPr>
+        <p:style>
+          <a:lnRef idx="2">
+            <a:schemeClr val="accent1">
+              <a:shade val="50000"/>
+            </a:schemeClr>
+          </a:lnRef>
+          <a:fillRef idx="1">
+            <a:schemeClr val="accent1"/>
+          </a:fillRef>
+          <a:effectRef idx="0">
+            <a:schemeClr val="accent1"/>
+          </a:effectRef>
+          <a:fontRef idx="minor">
+            <a:schemeClr val="lt1"/>
+          </a:fontRef>
+        </p:style>
+        <p:txBody>
+          <a:bodyPr rtlCol="0" anchor="ctr"/>
+          <a:lstStyle/>
+          <a:p>
+            <a:pPr algn="ctr"/>
+            <a:endParaRPr lang="en-US"/>
+          </a:p>
+        </p:txBody>
+      </p:sp>
+      <p:sp>
+        <p:nvSpPr>
+          <p:cNvPr id="3" name="Rectangle 2">
+            <a:extLst>
+              <a:ext uri="{FF2B5EF4-FFF2-40B4-BE49-F238E27FC236}">
+                <a16:creationId xmlns:a16="http://schemas.microsoft.com/office/drawing/2014/main" id="{98994594-F96F-4B94-9860-3BE341D3A97C}"/>
+              </a:ext>
+            </a:extLst>
+          </p:cNvPr>
+          <p:cNvSpPr/>
+          <p:nvPr/>
+        </p:nvSpPr>
+        <p:spPr>
+          <a:xfrm>
+            <a:off x="5638804" y="1251358"/>
+            <a:ext cx="3045204" cy="3405930"/>
+          </a:xfrm>
+          <a:prstGeom prst="rect">
+            <a:avLst/>
+          </a:prstGeom>
+          <a:noFill/>
+        </p:spPr>
+        <p:style>
+          <a:lnRef idx="2">
+            <a:schemeClr val="accent1">
+              <a:shade val="50000"/>
+            </a:schemeClr>
+          </a:lnRef>
+          <a:fillRef idx="1">
+            <a:schemeClr val="accent1"/>
+          </a:fillRef>
+          <a:effectRef idx="0">
+            <a:schemeClr val="accent1"/>
+          </a:effectRef>
+          <a:fontRef idx="minor">
+            <a:schemeClr val="lt1"/>
+          </a:fontRef>
+        </p:style>
+        <p:txBody>
+          <a:bodyPr rtlCol="0" anchor="ctr"/>
+          <a:lstStyle/>
+          <a:p>
+            <a:pPr algn="ctr"/>
+            <a:endParaRPr lang="en-US"/>
+          </a:p>
+        </p:txBody>
+      </p:sp>
+      <p:sp>
+        <p:nvSpPr>
+          <p:cNvPr id="4" name="TextBox 3">
+            <a:extLst>
+              <a:ext uri="{FF2B5EF4-FFF2-40B4-BE49-F238E27FC236}">
+                <a16:creationId xmlns:a16="http://schemas.microsoft.com/office/drawing/2014/main" id="{2B5C612F-37B5-47F0-AF0A-F6C77CFFB920}"/>
+              </a:ext>
+            </a:extLst>
+          </p:cNvPr>
+          <p:cNvSpPr txBox="1"/>
+          <p:nvPr/>
+        </p:nvSpPr>
+        <p:spPr>
+          <a:xfrm>
+            <a:off x="2256639" y="1057013"/>
+            <a:ext cx="1093569" cy="369332"/>
+          </a:xfrm>
+          <a:prstGeom prst="rect">
+            <a:avLst/>
+          </a:prstGeom>
+          <a:noFill/>
+        </p:spPr>
+        <p:txBody>
+          <a:bodyPr wrap="none" rtlCol="0">
+            <a:spAutoFit/>
+          </a:bodyPr>
+          <a:lstStyle/>
+          <a:p>
+            <a:r>
+              <a:rPr lang="en-US" dirty="0"/>
+              <a:t>k8snode1</a:t>
+            </a:r>
+          </a:p>
+        </p:txBody>
+      </p:sp>
+      <p:sp>
+        <p:nvSpPr>
+          <p:cNvPr id="5" name="TextBox 4">
+            <a:extLst>
+              <a:ext uri="{FF2B5EF4-FFF2-40B4-BE49-F238E27FC236}">
+                <a16:creationId xmlns:a16="http://schemas.microsoft.com/office/drawing/2014/main" id="{86527E88-71F1-4A8C-BFAE-A947623565F0}"/>
+              </a:ext>
+            </a:extLst>
+          </p:cNvPr>
+          <p:cNvSpPr txBox="1"/>
+          <p:nvPr/>
+        </p:nvSpPr>
+        <p:spPr>
+          <a:xfrm>
+            <a:off x="5722694" y="991299"/>
+            <a:ext cx="1093569" cy="369332"/>
+          </a:xfrm>
+          <a:prstGeom prst="rect">
+            <a:avLst/>
+          </a:prstGeom>
+          <a:noFill/>
+        </p:spPr>
+        <p:txBody>
+          <a:bodyPr wrap="none" rtlCol="0">
+            <a:spAutoFit/>
+          </a:bodyPr>
+          <a:lstStyle/>
+          <a:p>
+            <a:r>
+              <a:rPr lang="en-US" dirty="0"/>
+              <a:t>k8snode2</a:t>
+            </a:r>
+          </a:p>
+        </p:txBody>
+      </p:sp>
+      <p:sp>
+        <p:nvSpPr>
+          <p:cNvPr id="6" name="Rectangle 5">
+            <a:extLst>
+              <a:ext uri="{FF2B5EF4-FFF2-40B4-BE49-F238E27FC236}">
+                <a16:creationId xmlns:a16="http://schemas.microsoft.com/office/drawing/2014/main" id="{AD09346B-50BC-49AF-BCEC-9F0D8A3A1A1E}"/>
+              </a:ext>
+            </a:extLst>
+          </p:cNvPr>
+          <p:cNvSpPr/>
+          <p:nvPr/>
+        </p:nvSpPr>
+        <p:spPr>
+          <a:xfrm>
+            <a:off x="2143596" y="1853375"/>
+            <a:ext cx="1459684" cy="1426129"/>
+          </a:xfrm>
+          <a:prstGeom prst="rect">
+            <a:avLst/>
+          </a:prstGeom>
+          <a:noFill/>
+        </p:spPr>
+        <p:style>
+          <a:lnRef idx="2">
+            <a:schemeClr val="accent1">
+              <a:shade val="50000"/>
+            </a:schemeClr>
+          </a:lnRef>
+          <a:fillRef idx="1">
+            <a:schemeClr val="accent1"/>
+          </a:fillRef>
+          <a:effectRef idx="0">
+            <a:schemeClr val="accent1"/>
+          </a:effectRef>
+          <a:fontRef idx="minor">
+            <a:schemeClr val="lt1"/>
+          </a:fontRef>
+        </p:style>
+        <p:txBody>
+          <a:bodyPr rtlCol="0" anchor="ctr"/>
+          <a:lstStyle/>
+          <a:p>
+            <a:pPr algn="ctr"/>
+            <a:endParaRPr lang="en-US"/>
+          </a:p>
+        </p:txBody>
+      </p:sp>
+      <p:sp>
+        <p:nvSpPr>
+          <p:cNvPr id="7" name="Oval 6">
+            <a:extLst>
+              <a:ext uri="{FF2B5EF4-FFF2-40B4-BE49-F238E27FC236}">
+                <a16:creationId xmlns:a16="http://schemas.microsoft.com/office/drawing/2014/main" id="{DADC00F0-DA54-4469-B555-A396D4896341}"/>
+              </a:ext>
+            </a:extLst>
+          </p:cNvPr>
+          <p:cNvSpPr/>
+          <p:nvPr/>
+        </p:nvSpPr>
+        <p:spPr>
+          <a:xfrm>
+            <a:off x="2381084" y="2189367"/>
+            <a:ext cx="1182848" cy="562062"/>
+          </a:xfrm>
+          <a:prstGeom prst="ellipse">
+            <a:avLst/>
+          </a:prstGeom>
+        </p:spPr>
+        <p:style>
+          <a:lnRef idx="2">
+            <a:schemeClr val="accent1">
+              <a:shade val="50000"/>
+            </a:schemeClr>
+          </a:lnRef>
+          <a:fillRef idx="1">
+            <a:schemeClr val="accent1"/>
+          </a:fillRef>
+          <a:effectRef idx="0">
+            <a:schemeClr val="accent1"/>
+          </a:effectRef>
+          <a:fontRef idx="minor">
+            <a:schemeClr val="lt1"/>
+          </a:fontRef>
+        </p:style>
+        <p:txBody>
+          <a:bodyPr rtlCol="0" anchor="ctr"/>
+          <a:lstStyle/>
+          <a:p>
+            <a:pPr algn="ctr"/>
+            <a:r>
+              <a:rPr lang="en-US" dirty="0" err="1"/>
+              <a:t>mysql</a:t>
+            </a:r>
+            <a:endParaRPr lang="en-US" dirty="0"/>
+          </a:p>
+        </p:txBody>
+      </p:sp>
+      <p:sp>
+        <p:nvSpPr>
+          <p:cNvPr id="8" name="TextBox 7">
+            <a:extLst>
+              <a:ext uri="{FF2B5EF4-FFF2-40B4-BE49-F238E27FC236}">
+                <a16:creationId xmlns:a16="http://schemas.microsoft.com/office/drawing/2014/main" id="{B1964ABD-A822-49A0-8E48-034A8C03A1D9}"/>
+              </a:ext>
+            </a:extLst>
+          </p:cNvPr>
+          <p:cNvSpPr txBox="1"/>
+          <p:nvPr/>
+        </p:nvSpPr>
+        <p:spPr>
+          <a:xfrm>
+            <a:off x="2219097" y="1627305"/>
+            <a:ext cx="657744" cy="369332"/>
+          </a:xfrm>
+          <a:prstGeom prst="rect">
+            <a:avLst/>
+          </a:prstGeom>
+          <a:noFill/>
+        </p:spPr>
+        <p:txBody>
+          <a:bodyPr wrap="none" rtlCol="0">
+            <a:spAutoFit/>
+          </a:bodyPr>
+          <a:lstStyle/>
+          <a:p>
+            <a:r>
+              <a:rPr lang="en-US" dirty="0"/>
+              <a:t>Pod: </a:t>
+            </a:r>
+          </a:p>
+        </p:txBody>
+      </p:sp>
+      <p:cxnSp>
+        <p:nvCxnSpPr>
+          <p:cNvPr id="11" name="Connector: Elbow 10">
+            <a:extLst>
+              <a:ext uri="{FF2B5EF4-FFF2-40B4-BE49-F238E27FC236}">
+                <a16:creationId xmlns:a16="http://schemas.microsoft.com/office/drawing/2014/main" id="{DF40B1CA-F2BC-4A19-B4FC-344051DCD579}"/>
+              </a:ext>
+            </a:extLst>
+          </p:cNvPr>
+          <p:cNvCxnSpPr>
+            <a:cxnSpLocks/>
+            <a:stCxn id="7" idx="6"/>
+            <a:endCxn id="22" idx="0"/>
+          </p:cNvCxnSpPr>
+          <p:nvPr/>
+        </p:nvCxnSpPr>
+        <p:spPr>
+          <a:xfrm>
+            <a:off x="3563932" y="2470398"/>
+            <a:ext cx="1676422" cy="1371760"/>
+          </a:xfrm>
+          <a:prstGeom prst="bentConnector2">
+            <a:avLst/>
+          </a:prstGeom>
+          <a:ln>
+            <a:tailEnd type="triangle"/>
+          </a:ln>
+        </p:spPr>
+        <p:style>
+          <a:lnRef idx="1">
+            <a:schemeClr val="accent1"/>
+          </a:lnRef>
+          <a:fillRef idx="0">
+            <a:schemeClr val="accent1"/>
+          </a:fillRef>
+          <a:effectRef idx="0">
+            <a:schemeClr val="accent1"/>
+          </a:effectRef>
+          <a:fontRef idx="minor">
+            <a:schemeClr val="tx1"/>
+          </a:fontRef>
+        </p:style>
+      </p:cxnSp>
+      <p:sp>
+        <p:nvSpPr>
+          <p:cNvPr id="19" name="Rectangle 18">
+            <a:extLst>
+              <a:ext uri="{FF2B5EF4-FFF2-40B4-BE49-F238E27FC236}">
+                <a16:creationId xmlns:a16="http://schemas.microsoft.com/office/drawing/2014/main" id="{4B1311B7-69F6-45EB-B4F0-A2BE6D91373A}"/>
+              </a:ext>
+            </a:extLst>
+          </p:cNvPr>
+          <p:cNvSpPr/>
+          <p:nvPr/>
+        </p:nvSpPr>
+        <p:spPr>
+          <a:xfrm>
+            <a:off x="1744910" y="4672668"/>
+            <a:ext cx="6939098" cy="474354"/>
+          </a:xfrm>
+          <a:prstGeom prst="rect">
+            <a:avLst/>
+          </a:prstGeom>
+        </p:spPr>
+        <p:style>
+          <a:lnRef idx="2">
+            <a:schemeClr val="accent1">
+              <a:shade val="50000"/>
+            </a:schemeClr>
+          </a:lnRef>
+          <a:fillRef idx="1">
+            <a:schemeClr val="accent1"/>
+          </a:fillRef>
+          <a:effectRef idx="0">
+            <a:schemeClr val="accent1"/>
+          </a:effectRef>
+          <a:fontRef idx="minor">
+            <a:schemeClr val="lt1"/>
+          </a:fontRef>
+        </p:style>
+        <p:txBody>
+          <a:bodyPr rtlCol="0" anchor="ctr"/>
+          <a:lstStyle/>
+          <a:p>
+            <a:pPr algn="ctr"/>
+            <a:r>
+              <a:rPr lang="en-US" dirty="0"/>
+              <a:t>/</a:t>
+            </a:r>
+            <a:r>
+              <a:rPr lang="en-US" dirty="0" err="1"/>
+              <a:t>mnt</a:t>
+            </a:r>
+            <a:r>
+              <a:rPr lang="en-US" dirty="0"/>
+              <a:t>/sda1 1TB</a:t>
+            </a:r>
+          </a:p>
+        </p:txBody>
+      </p:sp>
+      <p:sp>
+        <p:nvSpPr>
+          <p:cNvPr id="20" name="Rectangle 19">
+            <a:extLst>
+              <a:ext uri="{FF2B5EF4-FFF2-40B4-BE49-F238E27FC236}">
+                <a16:creationId xmlns:a16="http://schemas.microsoft.com/office/drawing/2014/main" id="{9ABF75C6-484E-4C2F-B99C-D345CFA69A88}"/>
+              </a:ext>
+            </a:extLst>
+          </p:cNvPr>
+          <p:cNvSpPr/>
+          <p:nvPr/>
+        </p:nvSpPr>
+        <p:spPr>
+          <a:xfrm>
+            <a:off x="2139193" y="4762956"/>
+            <a:ext cx="1211015" cy="262050"/>
+          </a:xfrm>
+          <a:prstGeom prst="rect">
+            <a:avLst/>
+          </a:prstGeom>
+        </p:spPr>
+        <p:style>
+          <a:lnRef idx="2">
+            <a:schemeClr val="accent1">
+              <a:shade val="50000"/>
+            </a:schemeClr>
+          </a:lnRef>
+          <a:fillRef idx="1">
+            <a:schemeClr val="accent1"/>
+          </a:fillRef>
+          <a:effectRef idx="0">
+            <a:schemeClr val="accent1"/>
+          </a:effectRef>
+          <a:fontRef idx="minor">
+            <a:schemeClr val="lt1"/>
+          </a:fontRef>
+        </p:style>
+        <p:txBody>
+          <a:bodyPr rtlCol="0" anchor="ctr"/>
+          <a:lstStyle/>
+          <a:p>
+            <a:pPr algn="ctr"/>
+            <a:r>
+              <a:rPr lang="en-US" sz="1200" dirty="0"/>
+              <a:t>PV1:1GB data1</a:t>
+            </a:r>
+          </a:p>
+        </p:txBody>
+      </p:sp>
+      <p:sp>
+        <p:nvSpPr>
+          <p:cNvPr id="21" name="Rectangle 20">
+            <a:extLst>
+              <a:ext uri="{FF2B5EF4-FFF2-40B4-BE49-F238E27FC236}">
+                <a16:creationId xmlns:a16="http://schemas.microsoft.com/office/drawing/2014/main" id="{25455F62-6BCF-4C41-BBEC-49AA67670A17}"/>
+              </a:ext>
+            </a:extLst>
+          </p:cNvPr>
+          <p:cNvSpPr/>
+          <p:nvPr/>
+        </p:nvSpPr>
+        <p:spPr>
+          <a:xfrm>
+            <a:off x="6284757" y="4772743"/>
+            <a:ext cx="1211015" cy="262050"/>
+          </a:xfrm>
+          <a:prstGeom prst="rect">
+            <a:avLst/>
+          </a:prstGeom>
+        </p:spPr>
+        <p:style>
+          <a:lnRef idx="2">
+            <a:schemeClr val="accent1">
+              <a:shade val="50000"/>
+            </a:schemeClr>
+          </a:lnRef>
+          <a:fillRef idx="1">
+            <a:schemeClr val="accent1"/>
+          </a:fillRef>
+          <a:effectRef idx="0">
+            <a:schemeClr val="accent1"/>
+          </a:effectRef>
+          <a:fontRef idx="minor">
+            <a:schemeClr val="lt1"/>
+          </a:fontRef>
+        </p:style>
+        <p:txBody>
+          <a:bodyPr rtlCol="0" anchor="ctr"/>
+          <a:lstStyle/>
+          <a:p>
+            <a:pPr algn="ctr"/>
+            <a:r>
+              <a:rPr lang="en-US" sz="1200" dirty="0"/>
+              <a:t>PV2:10GB data2</a:t>
+            </a:r>
+          </a:p>
+        </p:txBody>
+      </p:sp>
+      <p:sp>
+        <p:nvSpPr>
+          <p:cNvPr id="22" name="Rectangle 21">
+            <a:extLst>
+              <a:ext uri="{FF2B5EF4-FFF2-40B4-BE49-F238E27FC236}">
+                <a16:creationId xmlns:a16="http://schemas.microsoft.com/office/drawing/2014/main" id="{EB793730-0645-485F-8C73-1D9C21F53EFE}"/>
+              </a:ext>
+            </a:extLst>
+          </p:cNvPr>
+          <p:cNvSpPr/>
+          <p:nvPr/>
+        </p:nvSpPr>
+        <p:spPr>
+          <a:xfrm>
+            <a:off x="4693569" y="3842158"/>
+            <a:ext cx="1093569" cy="637780"/>
+          </a:xfrm>
+          <a:prstGeom prst="rect">
+            <a:avLst/>
+          </a:prstGeom>
+        </p:spPr>
+        <p:style>
+          <a:lnRef idx="2">
+            <a:schemeClr val="accent1">
+              <a:shade val="50000"/>
+            </a:schemeClr>
+          </a:lnRef>
+          <a:fillRef idx="1">
+            <a:schemeClr val="accent1"/>
+          </a:fillRef>
+          <a:effectRef idx="0">
+            <a:schemeClr val="accent1"/>
+          </a:effectRef>
+          <a:fontRef idx="minor">
+            <a:schemeClr val="lt1"/>
+          </a:fontRef>
+        </p:style>
+        <p:txBody>
+          <a:bodyPr rtlCol="0" anchor="ctr"/>
+          <a:lstStyle/>
+          <a:p>
+            <a:pPr algn="ctr"/>
+            <a:r>
+              <a:rPr lang="en-US" sz="1200" dirty="0"/>
+              <a:t>PVC1: 500MB</a:t>
+            </a:r>
+          </a:p>
+        </p:txBody>
+      </p:sp>
+      <p:cxnSp>
+        <p:nvCxnSpPr>
+          <p:cNvPr id="24" name="Connector: Elbow 23">
+            <a:extLst>
+              <a:ext uri="{FF2B5EF4-FFF2-40B4-BE49-F238E27FC236}">
+                <a16:creationId xmlns:a16="http://schemas.microsoft.com/office/drawing/2014/main" id="{35C5464F-5E03-4868-B548-C660B206CA6A}"/>
+              </a:ext>
+            </a:extLst>
+          </p:cNvPr>
+          <p:cNvCxnSpPr>
+            <a:stCxn id="22" idx="2"/>
+            <a:endCxn id="20" idx="0"/>
+          </p:cNvCxnSpPr>
+          <p:nvPr/>
+        </p:nvCxnSpPr>
+        <p:spPr>
+          <a:xfrm rot="5400000">
+            <a:off x="3851019" y="3373621"/>
+            <a:ext cx="283018" cy="2495653"/>
+          </a:xfrm>
+          <a:prstGeom prst="bentConnector3">
+            <a:avLst/>
+          </a:prstGeom>
+          <a:ln>
+            <a:solidFill>
+              <a:srgbClr val="FF0000"/>
+            </a:solidFill>
+            <a:tailEnd type="triangle"/>
+          </a:ln>
+        </p:spPr>
+        <p:style>
+          <a:lnRef idx="1">
+            <a:schemeClr val="accent1"/>
+          </a:lnRef>
+          <a:fillRef idx="0">
+            <a:schemeClr val="accent1"/>
+          </a:fillRef>
+          <a:effectRef idx="0">
+            <a:schemeClr val="accent1"/>
+          </a:effectRef>
+          <a:fontRef idx="minor">
+            <a:schemeClr val="tx1"/>
+          </a:fontRef>
+        </p:style>
+      </p:cxnSp>
+    </p:spTree>
+    <p:extLst>
+      <p:ext uri="{BB962C8B-B14F-4D97-AF65-F5344CB8AC3E}">
+        <p14:creationId xmlns:p14="http://schemas.microsoft.com/office/powerpoint/2010/main" val="1484087490"/>
       </p:ext>
     </p:extLst>
   </p:cSld>
